--- a/docs/predstavitev_Ekosistem.pptx
+++ b/docs/predstavitev_Ekosistem.pptx
@@ -4,9 +4,23 @@
   <p:sldMasterIdLst>
     <p:sldMasterId id="2147483648" r:id="rId1"/>
   </p:sldMasterIdLst>
+  <p:notesMasterIdLst>
+    <p:notesMasterId r:id="rId15"/>
+  </p:notesMasterIdLst>
   <p:sldIdLst>
     <p:sldId id="256" r:id="rId2"/>
     <p:sldId id="257" r:id="rId3"/>
+    <p:sldId id="258" r:id="rId4"/>
+    <p:sldId id="259" r:id="rId5"/>
+    <p:sldId id="260" r:id="rId6"/>
+    <p:sldId id="261" r:id="rId7"/>
+    <p:sldId id="262" r:id="rId8"/>
+    <p:sldId id="263" r:id="rId9"/>
+    <p:sldId id="264" r:id="rId10"/>
+    <p:sldId id="265" r:id="rId11"/>
+    <p:sldId id="266" r:id="rId12"/>
+    <p:sldId id="267" r:id="rId13"/>
+    <p:sldId id="268" r:id="rId14"/>
   </p:sldIdLst>
   <p:sldSz cx="12192000" cy="6858000"/>
   <p:notesSz cx="6858000" cy="9144000"/>
@@ -105,7 +119,446 @@
       </a:defRPr>
     </a:lvl9pPr>
   </p:defaultTextStyle>
+  <p:extLst>
+    <p:ext uri="{EFAFB233-063F-42B5-8137-9DF3F51BA10A}">
+      <p15:sldGuideLst xmlns:p15="http://schemas.microsoft.com/office/powerpoint/2012/main"/>
+    </p:ext>
+  </p:extLst>
 </p:presentation>
+</file>
+
+<file path=ppt/notesMasters/notesMaster1.xml><?xml version="1.0" encoding="utf-8"?>
+<p:notesMaster xmlns:a="http://schemas.openxmlformats.org/drawingml/2006/main" xmlns:r="http://schemas.openxmlformats.org/officeDocument/2006/relationships" xmlns:p="http://schemas.openxmlformats.org/presentationml/2006/main">
+  <p:cSld>
+    <p:bg>
+      <p:bgRef idx="1001">
+        <a:schemeClr val="bg1"/>
+      </p:bgRef>
+    </p:bg>
+    <p:spTree>
+      <p:nvGrpSpPr>
+        <p:cNvPr id="1" name=""/>
+        <p:cNvGrpSpPr/>
+        <p:nvPr/>
+      </p:nvGrpSpPr>
+      <p:grpSpPr>
+        <a:xfrm>
+          <a:off x="0" y="0"/>
+          <a:ext cx="0" cy="0"/>
+          <a:chOff x="0" y="0"/>
+          <a:chExt cx="0" cy="0"/>
+        </a:xfrm>
+      </p:grpSpPr>
+      <p:sp>
+        <p:nvSpPr>
+          <p:cNvPr id="2" name="Header Placeholder 1"/>
+          <p:cNvSpPr>
+            <a:spLocks noGrp="1"/>
+          </p:cNvSpPr>
+          <p:nvPr>
+            <p:ph type="hdr" sz="quarter"/>
+          </p:nvPr>
+        </p:nvSpPr>
+        <p:spPr>
+          <a:xfrm>
+            <a:off x="0" y="0"/>
+            <a:ext cx="2971800" cy="458788"/>
+          </a:xfrm>
+          <a:prstGeom prst="rect">
+            <a:avLst/>
+          </a:prstGeom>
+        </p:spPr>
+        <p:txBody>
+          <a:bodyPr vert="horz" lIns="91440" tIns="45720" rIns="91440" bIns="45720" rtlCol="0"/>
+          <a:lstStyle>
+            <a:lvl1pPr algn="l">
+              <a:defRPr sz="1200"/>
+            </a:lvl1pPr>
+          </a:lstStyle>
+          <a:p>
+            <a:endParaRPr lang="en-SI"/>
+          </a:p>
+        </p:txBody>
+      </p:sp>
+      <p:sp>
+        <p:nvSpPr>
+          <p:cNvPr id="3" name="Date Placeholder 2"/>
+          <p:cNvSpPr>
+            <a:spLocks noGrp="1"/>
+          </p:cNvSpPr>
+          <p:nvPr>
+            <p:ph type="dt" idx="1"/>
+          </p:nvPr>
+        </p:nvSpPr>
+        <p:spPr>
+          <a:xfrm>
+            <a:off x="3884613" y="0"/>
+            <a:ext cx="2971800" cy="458788"/>
+          </a:xfrm>
+          <a:prstGeom prst="rect">
+            <a:avLst/>
+          </a:prstGeom>
+        </p:spPr>
+        <p:txBody>
+          <a:bodyPr vert="horz" lIns="91440" tIns="45720" rIns="91440" bIns="45720" rtlCol="0"/>
+          <a:lstStyle>
+            <a:lvl1pPr algn="r">
+              <a:defRPr sz="1200"/>
+            </a:lvl1pPr>
+          </a:lstStyle>
+          <a:p>
+            <a:fld id="{F7B1BDCC-CEB1-4FE8-94A2-7F5EED408CF9}" type="datetimeFigureOut">
+              <a:rPr lang="en-SI" smtClean="0"/>
+              <a:t>23/05/2020</a:t>
+            </a:fld>
+            <a:endParaRPr lang="en-SI"/>
+          </a:p>
+        </p:txBody>
+      </p:sp>
+      <p:sp>
+        <p:nvSpPr>
+          <p:cNvPr id="4" name="Slide Image Placeholder 3"/>
+          <p:cNvSpPr>
+            <a:spLocks noGrp="1" noRot="1" noChangeAspect="1"/>
+          </p:cNvSpPr>
+          <p:nvPr>
+            <p:ph type="sldImg" idx="2"/>
+          </p:nvPr>
+        </p:nvSpPr>
+        <p:spPr>
+          <a:xfrm>
+            <a:off x="685800" y="1143000"/>
+            <a:ext cx="5486400" cy="3086100"/>
+          </a:xfrm>
+          <a:prstGeom prst="rect">
+            <a:avLst/>
+          </a:prstGeom>
+          <a:noFill/>
+          <a:ln w="12700">
+            <a:solidFill>
+              <a:prstClr val="black"/>
+            </a:solidFill>
+          </a:ln>
+        </p:spPr>
+        <p:txBody>
+          <a:bodyPr vert="horz" lIns="91440" tIns="45720" rIns="91440" bIns="45720" rtlCol="0" anchor="ctr"/>
+          <a:lstStyle/>
+          <a:p>
+            <a:endParaRPr lang="en-SI"/>
+          </a:p>
+        </p:txBody>
+      </p:sp>
+      <p:sp>
+        <p:nvSpPr>
+          <p:cNvPr id="5" name="Notes Placeholder 4"/>
+          <p:cNvSpPr>
+            <a:spLocks noGrp="1"/>
+          </p:cNvSpPr>
+          <p:nvPr>
+            <p:ph type="body" sz="quarter" idx="3"/>
+          </p:nvPr>
+        </p:nvSpPr>
+        <p:spPr>
+          <a:xfrm>
+            <a:off x="685800" y="4400550"/>
+            <a:ext cx="5486400" cy="3600450"/>
+          </a:xfrm>
+          <a:prstGeom prst="rect">
+            <a:avLst/>
+          </a:prstGeom>
+        </p:spPr>
+        <p:txBody>
+          <a:bodyPr vert="horz" lIns="91440" tIns="45720" rIns="91440" bIns="45720" rtlCol="0"/>
+          <a:lstStyle/>
+          <a:p>
+            <a:pPr lvl="0"/>
+            <a:r>
+              <a:rPr lang="en-US"/>
+              <a:t>Click to edit Master text styles</a:t>
+            </a:r>
+          </a:p>
+          <a:p>
+            <a:pPr lvl="1"/>
+            <a:r>
+              <a:rPr lang="en-US"/>
+              <a:t>Second level</a:t>
+            </a:r>
+          </a:p>
+          <a:p>
+            <a:pPr lvl="2"/>
+            <a:r>
+              <a:rPr lang="en-US"/>
+              <a:t>Third level</a:t>
+            </a:r>
+          </a:p>
+          <a:p>
+            <a:pPr lvl="3"/>
+            <a:r>
+              <a:rPr lang="en-US"/>
+              <a:t>Fourth level</a:t>
+            </a:r>
+          </a:p>
+          <a:p>
+            <a:pPr lvl="4"/>
+            <a:r>
+              <a:rPr lang="en-US"/>
+              <a:t>Fifth level</a:t>
+            </a:r>
+            <a:endParaRPr lang="en-SI"/>
+          </a:p>
+        </p:txBody>
+      </p:sp>
+      <p:sp>
+        <p:nvSpPr>
+          <p:cNvPr id="6" name="Footer Placeholder 5"/>
+          <p:cNvSpPr>
+            <a:spLocks noGrp="1"/>
+          </p:cNvSpPr>
+          <p:nvPr>
+            <p:ph type="ftr" sz="quarter" idx="4"/>
+          </p:nvPr>
+        </p:nvSpPr>
+        <p:spPr>
+          <a:xfrm>
+            <a:off x="0" y="8685213"/>
+            <a:ext cx="2971800" cy="458787"/>
+          </a:xfrm>
+          <a:prstGeom prst="rect">
+            <a:avLst/>
+          </a:prstGeom>
+        </p:spPr>
+        <p:txBody>
+          <a:bodyPr vert="horz" lIns="91440" tIns="45720" rIns="91440" bIns="45720" rtlCol="0" anchor="b"/>
+          <a:lstStyle>
+            <a:lvl1pPr algn="l">
+              <a:defRPr sz="1200"/>
+            </a:lvl1pPr>
+          </a:lstStyle>
+          <a:p>
+            <a:endParaRPr lang="en-SI"/>
+          </a:p>
+        </p:txBody>
+      </p:sp>
+      <p:sp>
+        <p:nvSpPr>
+          <p:cNvPr id="7" name="Slide Number Placeholder 6"/>
+          <p:cNvSpPr>
+            <a:spLocks noGrp="1"/>
+          </p:cNvSpPr>
+          <p:nvPr>
+            <p:ph type="sldNum" sz="quarter" idx="5"/>
+          </p:nvPr>
+        </p:nvSpPr>
+        <p:spPr>
+          <a:xfrm>
+            <a:off x="3884613" y="8685213"/>
+            <a:ext cx="2971800" cy="458787"/>
+          </a:xfrm>
+          <a:prstGeom prst="rect">
+            <a:avLst/>
+          </a:prstGeom>
+        </p:spPr>
+        <p:txBody>
+          <a:bodyPr vert="horz" lIns="91440" tIns="45720" rIns="91440" bIns="45720" rtlCol="0" anchor="b"/>
+          <a:lstStyle>
+            <a:lvl1pPr algn="r">
+              <a:defRPr sz="1200"/>
+            </a:lvl1pPr>
+          </a:lstStyle>
+          <a:p>
+            <a:fld id="{F4C9CC57-99B3-4CC3-809D-5CF774772836}" type="slidenum">
+              <a:rPr lang="en-SI" smtClean="0"/>
+              <a:t>‹#›</a:t>
+            </a:fld>
+            <a:endParaRPr lang="en-SI"/>
+          </a:p>
+        </p:txBody>
+      </p:sp>
+    </p:spTree>
+    <p:extLst>
+      <p:ext uri="{BB962C8B-B14F-4D97-AF65-F5344CB8AC3E}">
+        <p14:creationId xmlns:p14="http://schemas.microsoft.com/office/powerpoint/2010/main" val="1025862235"/>
+      </p:ext>
+    </p:extLst>
+  </p:cSld>
+  <p:clrMap bg1="lt1" tx1="dk1" bg2="lt2" tx2="dk2" accent1="accent1" accent2="accent2" accent3="accent3" accent4="accent4" accent5="accent5" accent6="accent6" hlink="hlink" folHlink="folHlink"/>
+  <p:notesStyle>
+    <a:lvl1pPr marL="0" algn="l" defTabSz="914400" rtl="0" eaLnBrk="1" latinLnBrk="0" hangingPunct="1">
+      <a:defRPr sz="1200" kern="1200">
+        <a:solidFill>
+          <a:schemeClr val="tx1"/>
+        </a:solidFill>
+        <a:latin typeface="+mn-lt"/>
+        <a:ea typeface="+mn-ea"/>
+        <a:cs typeface="+mn-cs"/>
+      </a:defRPr>
+    </a:lvl1pPr>
+    <a:lvl2pPr marL="457200" algn="l" defTabSz="914400" rtl="0" eaLnBrk="1" latinLnBrk="0" hangingPunct="1">
+      <a:defRPr sz="1200" kern="1200">
+        <a:solidFill>
+          <a:schemeClr val="tx1"/>
+        </a:solidFill>
+        <a:latin typeface="+mn-lt"/>
+        <a:ea typeface="+mn-ea"/>
+        <a:cs typeface="+mn-cs"/>
+      </a:defRPr>
+    </a:lvl2pPr>
+    <a:lvl3pPr marL="914400" algn="l" defTabSz="914400" rtl="0" eaLnBrk="1" latinLnBrk="0" hangingPunct="1">
+      <a:defRPr sz="1200" kern="1200">
+        <a:solidFill>
+          <a:schemeClr val="tx1"/>
+        </a:solidFill>
+        <a:latin typeface="+mn-lt"/>
+        <a:ea typeface="+mn-ea"/>
+        <a:cs typeface="+mn-cs"/>
+      </a:defRPr>
+    </a:lvl3pPr>
+    <a:lvl4pPr marL="1371600" algn="l" defTabSz="914400" rtl="0" eaLnBrk="1" latinLnBrk="0" hangingPunct="1">
+      <a:defRPr sz="1200" kern="1200">
+        <a:solidFill>
+          <a:schemeClr val="tx1"/>
+        </a:solidFill>
+        <a:latin typeface="+mn-lt"/>
+        <a:ea typeface="+mn-ea"/>
+        <a:cs typeface="+mn-cs"/>
+      </a:defRPr>
+    </a:lvl4pPr>
+    <a:lvl5pPr marL="1828800" algn="l" defTabSz="914400" rtl="0" eaLnBrk="1" latinLnBrk="0" hangingPunct="1">
+      <a:defRPr sz="1200" kern="1200">
+        <a:solidFill>
+          <a:schemeClr val="tx1"/>
+        </a:solidFill>
+        <a:latin typeface="+mn-lt"/>
+        <a:ea typeface="+mn-ea"/>
+        <a:cs typeface="+mn-cs"/>
+      </a:defRPr>
+    </a:lvl5pPr>
+    <a:lvl6pPr marL="2286000" algn="l" defTabSz="914400" rtl="0" eaLnBrk="1" latinLnBrk="0" hangingPunct="1">
+      <a:defRPr sz="1200" kern="1200">
+        <a:solidFill>
+          <a:schemeClr val="tx1"/>
+        </a:solidFill>
+        <a:latin typeface="+mn-lt"/>
+        <a:ea typeface="+mn-ea"/>
+        <a:cs typeface="+mn-cs"/>
+      </a:defRPr>
+    </a:lvl6pPr>
+    <a:lvl7pPr marL="2743200" algn="l" defTabSz="914400" rtl="0" eaLnBrk="1" latinLnBrk="0" hangingPunct="1">
+      <a:defRPr sz="1200" kern="1200">
+        <a:solidFill>
+          <a:schemeClr val="tx1"/>
+        </a:solidFill>
+        <a:latin typeface="+mn-lt"/>
+        <a:ea typeface="+mn-ea"/>
+        <a:cs typeface="+mn-cs"/>
+      </a:defRPr>
+    </a:lvl7pPr>
+    <a:lvl8pPr marL="3200400" algn="l" defTabSz="914400" rtl="0" eaLnBrk="1" latinLnBrk="0" hangingPunct="1">
+      <a:defRPr sz="1200" kern="1200">
+        <a:solidFill>
+          <a:schemeClr val="tx1"/>
+        </a:solidFill>
+        <a:latin typeface="+mn-lt"/>
+        <a:ea typeface="+mn-ea"/>
+        <a:cs typeface="+mn-cs"/>
+      </a:defRPr>
+    </a:lvl8pPr>
+    <a:lvl9pPr marL="3657600" algn="l" defTabSz="914400" rtl="0" eaLnBrk="1" latinLnBrk="0" hangingPunct="1">
+      <a:defRPr sz="1200" kern="1200">
+        <a:solidFill>
+          <a:schemeClr val="tx1"/>
+        </a:solidFill>
+        <a:latin typeface="+mn-lt"/>
+        <a:ea typeface="+mn-ea"/>
+        <a:cs typeface="+mn-cs"/>
+      </a:defRPr>
+    </a:lvl9pPr>
+  </p:notesStyle>
+</p:notesMaster>
+</file>
+
+<file path=ppt/notesSlides/notesSlide1.xml><?xml version="1.0" encoding="utf-8"?>
+<p:notes xmlns:a="http://schemas.openxmlformats.org/drawingml/2006/main" xmlns:r="http://schemas.openxmlformats.org/officeDocument/2006/relationships" xmlns:p="http://schemas.openxmlformats.org/presentationml/2006/main">
+  <p:cSld>
+    <p:spTree>
+      <p:nvGrpSpPr>
+        <p:cNvPr id="1" name=""/>
+        <p:cNvGrpSpPr/>
+        <p:nvPr/>
+      </p:nvGrpSpPr>
+      <p:grpSpPr>
+        <a:xfrm>
+          <a:off x="0" y="0"/>
+          <a:ext cx="0" cy="0"/>
+          <a:chOff x="0" y="0"/>
+          <a:chExt cx="0" cy="0"/>
+        </a:xfrm>
+      </p:grpSpPr>
+      <p:sp>
+        <p:nvSpPr>
+          <p:cNvPr id="2" name="Slide Image Placeholder 1"/>
+          <p:cNvSpPr>
+            <a:spLocks noGrp="1" noRot="1" noChangeAspect="1"/>
+          </p:cNvSpPr>
+          <p:nvPr>
+            <p:ph type="sldImg"/>
+          </p:nvPr>
+        </p:nvSpPr>
+        <p:spPr/>
+      </p:sp>
+      <p:sp>
+        <p:nvSpPr>
+          <p:cNvPr id="3" name="Notes Placeholder 2"/>
+          <p:cNvSpPr>
+            <a:spLocks noGrp="1"/>
+          </p:cNvSpPr>
+          <p:nvPr>
+            <p:ph type="body" idx="1"/>
+          </p:nvPr>
+        </p:nvSpPr>
+        <p:spPr/>
+        <p:txBody>
+          <a:bodyPr/>
+          <a:lstStyle/>
+          <a:p>
+            <a:endParaRPr lang="en-SI" dirty="0"/>
+          </a:p>
+        </p:txBody>
+      </p:sp>
+      <p:sp>
+        <p:nvSpPr>
+          <p:cNvPr id="4" name="Slide Number Placeholder 3"/>
+          <p:cNvSpPr>
+            <a:spLocks noGrp="1"/>
+          </p:cNvSpPr>
+          <p:nvPr>
+            <p:ph type="sldNum" sz="quarter" idx="5"/>
+          </p:nvPr>
+        </p:nvSpPr>
+        <p:spPr/>
+        <p:txBody>
+          <a:bodyPr/>
+          <a:lstStyle/>
+          <a:p>
+            <a:fld id="{F4C9CC57-99B3-4CC3-809D-5CF774772836}" type="slidenum">
+              <a:rPr lang="en-SI" smtClean="0"/>
+              <a:t>9</a:t>
+            </a:fld>
+            <a:endParaRPr lang="en-SI"/>
+          </a:p>
+        </p:txBody>
+      </p:sp>
+    </p:spTree>
+    <p:extLst>
+      <p:ext uri="{BB962C8B-B14F-4D97-AF65-F5344CB8AC3E}">
+        <p14:creationId xmlns:p14="http://schemas.microsoft.com/office/powerpoint/2010/main" val="2238343904"/>
+      </p:ext>
+    </p:extLst>
+  </p:cSld>
+  <p:clrMapOvr>
+    <a:masterClrMapping/>
+  </p:clrMapOvr>
+</p:notes>
 </file>
 
 <file path=ppt/slideLayouts/slideLayout1.xml><?xml version="1.0" encoding="utf-8"?>
@@ -3329,6 +3782,14 @@
 <file path=ppt/slides/slide1.xml><?xml version="1.0" encoding="utf-8"?>
 <p:sld xmlns:a="http://schemas.openxmlformats.org/drawingml/2006/main" xmlns:r="http://schemas.openxmlformats.org/officeDocument/2006/relationships" xmlns:p="http://schemas.openxmlformats.org/presentationml/2006/main">
   <p:cSld>
+    <p:bg>
+      <p:bgPr>
+        <a:solidFill>
+          <a:schemeClr val="bg1"/>
+        </a:solidFill>
+        <a:effectLst/>
+      </p:bgPr>
+    </p:bg>
     <p:spTree>
       <p:nvGrpSpPr>
         <p:cNvPr id="1" name=""/>
@@ -3345,6 +3806,216 @@
       </p:grpSpPr>
       <p:sp>
         <p:nvSpPr>
+          <p:cNvPr id="24" name="Rectangle 23">
+            <a:extLst>
+              <a:ext uri="{FF2B5EF4-FFF2-40B4-BE49-F238E27FC236}">
+                <a16:creationId xmlns:a16="http://schemas.microsoft.com/office/drawing/2014/main" id="{2A8AA5BC-4F7A-4226-8F99-6D824B226A97}"/>
+              </a:ext>
+              <a:ext uri="{C183D7F6-B498-43B3-948B-1728B52AA6E4}">
+                <adec:decorative xmlns:adec="http://schemas.microsoft.com/office/drawing/2017/decorative" val="1"/>
+              </a:ext>
+            </a:extLst>
+          </p:cNvPr>
+          <p:cNvSpPr>
+            <a:spLocks noGrp="1" noRot="1" noChangeAspect="1" noMove="1" noResize="1" noEditPoints="1" noAdjustHandles="1" noChangeArrowheads="1" noChangeShapeType="1" noTextEdit="1"/>
+          </p:cNvSpPr>
+          <p:nvPr>
+            <p:extLst>
+              <p:ext uri="{386F3935-93C4-4BCD-93E2-E3B085C9AB24}">
+                <p16:designElem xmlns:p16="http://schemas.microsoft.com/office/powerpoint/2015/main" val="1"/>
+              </p:ext>
+            </p:extLst>
+          </p:nvPr>
+        </p:nvSpPr>
+        <p:spPr>
+          <a:xfrm>
+            <a:off x="0" y="-3324"/>
+            <a:ext cx="12192000" cy="6861324"/>
+          </a:xfrm>
+          <a:prstGeom prst="rect">
+            <a:avLst/>
+          </a:prstGeom>
+          <a:solidFill>
+            <a:schemeClr val="tx1">
+              <a:lumMod val="75000"/>
+              <a:lumOff val="25000"/>
+            </a:schemeClr>
+          </a:solidFill>
+          <a:ln>
+            <a:noFill/>
+          </a:ln>
+        </p:spPr>
+        <p:style>
+          <a:lnRef idx="2">
+            <a:schemeClr val="accent1">
+              <a:shade val="50000"/>
+            </a:schemeClr>
+          </a:lnRef>
+          <a:fillRef idx="1">
+            <a:schemeClr val="accent1"/>
+          </a:fillRef>
+          <a:effectRef idx="0">
+            <a:schemeClr val="accent1"/>
+          </a:effectRef>
+          <a:fontRef idx="minor">
+            <a:schemeClr val="lt1"/>
+          </a:fontRef>
+        </p:style>
+        <p:txBody>
+          <a:bodyPr rtlCol="0" anchor="ctr"/>
+          <a:lstStyle/>
+          <a:p>
+            <a:pPr marL="0" marR="0" lvl="0" indent="0" algn="ctr" defTabSz="914400" rtl="0" eaLnBrk="1" fontAlgn="auto" latinLnBrk="0" hangingPunct="1">
+              <a:lnSpc>
+                <a:spcPct val="100000"/>
+              </a:lnSpc>
+              <a:spcBef>
+                <a:spcPts val="0"/>
+              </a:spcBef>
+              <a:spcAft>
+                <a:spcPts val="0"/>
+              </a:spcAft>
+              <a:buClrTx/>
+              <a:buSzTx/>
+              <a:buFontTx/>
+              <a:buNone/>
+              <a:tabLst/>
+              <a:defRPr/>
+            </a:pPr>
+            <a:endParaRPr kumimoji="0" lang="en-US" sz="1800" b="0" i="0" u="none" strike="noStrike" kern="1200" cap="none" spc="0" normalizeH="0" baseline="0" noProof="0">
+              <a:ln>
+                <a:noFill/>
+              </a:ln>
+              <a:solidFill>
+                <a:prstClr val="white"/>
+              </a:solidFill>
+              <a:effectLst/>
+              <a:uLnTx/>
+              <a:uFillTx/>
+              <a:latin typeface="Calibri" panose="020F0502020204030204"/>
+              <a:ea typeface="+mn-ea"/>
+              <a:cs typeface="+mn-cs"/>
+            </a:endParaRPr>
+          </a:p>
+        </p:txBody>
+      </p:sp>
+      <p:cxnSp>
+        <p:nvCxnSpPr>
+          <p:cNvPr id="26" name="Straight Connector 25">
+            <a:extLst>
+              <a:ext uri="{FF2B5EF4-FFF2-40B4-BE49-F238E27FC236}">
+                <a16:creationId xmlns:a16="http://schemas.microsoft.com/office/drawing/2014/main" id="{911DBBF1-3229-4BD9-B3D1-B4CA571E7431}"/>
+              </a:ext>
+              <a:ext uri="{C183D7F6-B498-43B3-948B-1728B52AA6E4}">
+                <adec:decorative xmlns:adec="http://schemas.microsoft.com/office/drawing/2017/decorative" val="1"/>
+              </a:ext>
+            </a:extLst>
+          </p:cNvPr>
+          <p:cNvCxnSpPr>
+            <a:cxnSpLocks noGrp="1" noRot="1" noChangeAspect="1" noMove="1" noResize="1" noEditPoints="1" noAdjustHandles="1" noChangeArrowheads="1" noChangeShapeType="1"/>
+          </p:cNvCxnSpPr>
+          <p:nvPr>
+            <p:extLst>
+              <p:ext uri="{386F3935-93C4-4BCD-93E2-E3B085C9AB24}">
+                <p16:designElem xmlns:p16="http://schemas.microsoft.com/office/powerpoint/2015/main" val="1"/>
+              </p:ext>
+            </p:extLst>
+          </p:nvPr>
+        </p:nvCxnSpPr>
+        <p:spPr bwMode="white">
+          <a:xfrm>
+            <a:off x="0" y="843625"/>
+            <a:ext cx="12188824" cy="0"/>
+          </a:xfrm>
+          <a:prstGeom prst="line">
+            <a:avLst/>
+          </a:prstGeom>
+          <a:ln w="50800">
+            <a:solidFill>
+              <a:schemeClr val="bg1"/>
+            </a:solidFill>
+          </a:ln>
+        </p:spPr>
+        <p:style>
+          <a:lnRef idx="1">
+            <a:schemeClr val="accent1"/>
+          </a:lnRef>
+          <a:fillRef idx="0">
+            <a:schemeClr val="accent1"/>
+          </a:fillRef>
+          <a:effectRef idx="0">
+            <a:schemeClr val="accent1"/>
+          </a:effectRef>
+          <a:fontRef idx="minor">
+            <a:schemeClr val="tx1"/>
+          </a:fontRef>
+        </p:style>
+      </p:cxnSp>
+      <p:sp>
+        <p:nvSpPr>
+          <p:cNvPr id="28" name="Rectangle 27">
+            <a:extLst>
+              <a:ext uri="{FF2B5EF4-FFF2-40B4-BE49-F238E27FC236}">
+                <a16:creationId xmlns:a16="http://schemas.microsoft.com/office/drawing/2014/main" id="{5BC87C3E-1040-4EE4-9BDB-9537F7A1B335}"/>
+              </a:ext>
+              <a:ext uri="{C183D7F6-B498-43B3-948B-1728B52AA6E4}">
+                <adec:decorative xmlns:adec="http://schemas.microsoft.com/office/drawing/2017/decorative" val="1"/>
+              </a:ext>
+            </a:extLst>
+          </p:cNvPr>
+          <p:cNvSpPr>
+            <a:spLocks noGrp="1" noRot="1" noChangeAspect="1" noMove="1" noResize="1" noEditPoints="1" noAdjustHandles="1" noChangeArrowheads="1" noChangeShapeType="1" noTextEdit="1"/>
+          </p:cNvSpPr>
+          <p:nvPr>
+            <p:extLst>
+              <p:ext uri="{386F3935-93C4-4BCD-93E2-E3B085C9AB24}">
+                <p16:designElem xmlns:p16="http://schemas.microsoft.com/office/powerpoint/2015/main" val="1"/>
+              </p:ext>
+            </p:extLst>
+          </p:nvPr>
+        </p:nvSpPr>
+        <p:spPr>
+          <a:xfrm>
+            <a:off x="3176" y="968282"/>
+            <a:ext cx="12188824" cy="4946904"/>
+          </a:xfrm>
+          <a:prstGeom prst="rect">
+            <a:avLst/>
+          </a:prstGeom>
+          <a:solidFill>
+            <a:schemeClr val="bg1"/>
+          </a:solidFill>
+          <a:ln>
+            <a:noFill/>
+          </a:ln>
+        </p:spPr>
+        <p:style>
+          <a:lnRef idx="2">
+            <a:schemeClr val="accent1">
+              <a:shade val="50000"/>
+            </a:schemeClr>
+          </a:lnRef>
+          <a:fillRef idx="1">
+            <a:schemeClr val="accent1"/>
+          </a:fillRef>
+          <a:effectRef idx="0">
+            <a:schemeClr val="accent1"/>
+          </a:effectRef>
+          <a:fontRef idx="minor">
+            <a:schemeClr val="lt1"/>
+          </a:fontRef>
+        </p:style>
+        <p:txBody>
+          <a:bodyPr rtlCol="0" anchor="ctr"/>
+          <a:lstStyle/>
+          <a:p>
+            <a:pPr algn="ctr"/>
+            <a:endParaRPr lang="en-US"/>
+          </a:p>
+        </p:txBody>
+      </p:sp>
+      <p:sp>
+        <p:nvSpPr>
           <p:cNvPr id="2" name="Title 1">
             <a:extLst>
               <a:ext uri="{FF2B5EF4-FFF2-40B4-BE49-F238E27FC236}">
@@ -3359,48 +4030,169 @@
             <p:ph type="ctrTitle"/>
           </p:nvPr>
         </p:nvSpPr>
-        <p:spPr/>
-        <p:txBody>
-          <a:bodyPr/>
-          <a:lstStyle/>
-          <a:p>
-            <a:r>
-              <a:rPr lang="sl-SI" dirty="0"/>
+        <p:spPr>
+          <a:xfrm>
+            <a:off x="795338" y="1566473"/>
+            <a:ext cx="10601325" cy="2166723"/>
+          </a:xfrm>
+        </p:spPr>
+        <p:txBody>
+          <a:bodyPr>
+            <a:normAutofit/>
+          </a:bodyPr>
+          <a:lstStyle/>
+          <a:p>
+            <a:r>
+              <a:rPr lang="sl-SI" sz="6600"/>
               <a:t>Ekosistem</a:t>
             </a:r>
+            <a:endParaRPr lang="en-SI" sz="6600"/>
+          </a:p>
+        </p:txBody>
+      </p:sp>
+      <p:sp>
+        <p:nvSpPr>
+          <p:cNvPr id="3" name="Subtitle 2">
+            <a:extLst>
+              <a:ext uri="{FF2B5EF4-FFF2-40B4-BE49-F238E27FC236}">
+                <a16:creationId xmlns:a16="http://schemas.microsoft.com/office/drawing/2014/main" id="{5BFD82B4-5754-451B-B181-16730336C3BD}"/>
+              </a:ext>
+            </a:extLst>
+          </p:cNvPr>
+          <p:cNvSpPr>
+            <a:spLocks noGrp="1"/>
+          </p:cNvSpPr>
+          <p:nvPr>
+            <p:ph type="subTitle" idx="1"/>
+          </p:nvPr>
+        </p:nvSpPr>
+        <p:spPr>
+          <a:xfrm>
+            <a:off x="795338" y="4092320"/>
+            <a:ext cx="10601325" cy="1144884"/>
+          </a:xfrm>
+        </p:spPr>
+        <p:txBody>
+          <a:bodyPr>
+            <a:normAutofit/>
+          </a:bodyPr>
+          <a:lstStyle/>
+          <a:p>
+            <a:r>
+              <a:rPr lang="sl-SI"/>
+              <a:t>Avtorji: Cundrič Larsen, Grabus Mustafa, Mohorčič Domen</a:t>
+            </a:r>
             <a:endParaRPr lang="en-SI" dirty="0"/>
           </a:p>
         </p:txBody>
       </p:sp>
-      <p:sp>
-        <p:nvSpPr>
-          <p:cNvPr id="3" name="Subtitle 2">
-            <a:extLst>
-              <a:ext uri="{FF2B5EF4-FFF2-40B4-BE49-F238E27FC236}">
-                <a16:creationId xmlns:a16="http://schemas.microsoft.com/office/drawing/2014/main" id="{5BFD82B4-5754-451B-B181-16730336C3BD}"/>
-              </a:ext>
-            </a:extLst>
-          </p:cNvPr>
-          <p:cNvSpPr>
-            <a:spLocks noGrp="1"/>
-          </p:cNvSpPr>
-          <p:nvPr>
-            <p:ph type="subTitle" idx="1"/>
-          </p:nvPr>
-        </p:nvSpPr>
-        <p:spPr/>
-        <p:txBody>
-          <a:bodyPr/>
-          <a:lstStyle/>
-          <a:p>
-            <a:r>
-              <a:rPr lang="sl-SI" dirty="0"/>
-              <a:t>Avtorji: Cundrič Larsen, Grabus Mustafa, Mohorčič Domen</a:t>
-            </a:r>
-            <a:endParaRPr lang="en-SI" dirty="0"/>
-          </a:p>
-        </p:txBody>
-      </p:sp>
+      <p:cxnSp>
+        <p:nvCxnSpPr>
+          <p:cNvPr id="30" name="Straight Connector 29">
+            <a:extLst>
+              <a:ext uri="{FF2B5EF4-FFF2-40B4-BE49-F238E27FC236}">
+                <a16:creationId xmlns:a16="http://schemas.microsoft.com/office/drawing/2014/main" id="{42CDBECE-872A-4C73-9DC1-BB4E805E2CF5}"/>
+              </a:ext>
+              <a:ext uri="{C183D7F6-B498-43B3-948B-1728B52AA6E4}">
+                <adec:decorative xmlns:adec="http://schemas.microsoft.com/office/drawing/2017/decorative" val="1"/>
+              </a:ext>
+            </a:extLst>
+          </p:cNvPr>
+          <p:cNvCxnSpPr>
+            <a:cxnSpLocks noGrp="1" noRot="1" noChangeAspect="1" noMove="1" noResize="1" noEditPoints="1" noAdjustHandles="1" noChangeArrowheads="1" noChangeShapeType="1"/>
+          </p:cNvCxnSpPr>
+          <p:nvPr>
+            <p:extLst>
+              <p:ext uri="{386F3935-93C4-4BCD-93E2-E3B085C9AB24}">
+                <p16:designElem xmlns:p16="http://schemas.microsoft.com/office/powerpoint/2015/main" val="1"/>
+              </p:ext>
+            </p:extLst>
+          </p:nvPr>
+        </p:nvCxnSpPr>
+        <p:spPr>
+          <a:xfrm>
+            <a:off x="4724400" y="3894594"/>
+            <a:ext cx="2743200" cy="0"/>
+          </a:xfrm>
+          <a:prstGeom prst="line">
+            <a:avLst/>
+          </a:prstGeom>
+          <a:ln w="19050">
+            <a:solidFill>
+              <a:schemeClr val="tx1">
+                <a:lumMod val="50000"/>
+                <a:lumOff val="50000"/>
+              </a:schemeClr>
+            </a:solidFill>
+          </a:ln>
+        </p:spPr>
+        <p:style>
+          <a:lnRef idx="1">
+            <a:schemeClr val="accent1"/>
+          </a:lnRef>
+          <a:fillRef idx="0">
+            <a:schemeClr val="accent1"/>
+          </a:fillRef>
+          <a:effectRef idx="0">
+            <a:schemeClr val="accent1"/>
+          </a:effectRef>
+          <a:fontRef idx="minor">
+            <a:schemeClr val="tx1"/>
+          </a:fontRef>
+        </p:style>
+      </p:cxnSp>
+      <p:cxnSp>
+        <p:nvCxnSpPr>
+          <p:cNvPr id="32" name="Straight Connector 31">
+            <a:extLst>
+              <a:ext uri="{FF2B5EF4-FFF2-40B4-BE49-F238E27FC236}">
+                <a16:creationId xmlns:a16="http://schemas.microsoft.com/office/drawing/2014/main" id="{F5CD5A0B-CDD7-427C-AA42-2EECFDFA1811}"/>
+              </a:ext>
+              <a:ext uri="{C183D7F6-B498-43B3-948B-1728B52AA6E4}">
+                <adec:decorative xmlns:adec="http://schemas.microsoft.com/office/drawing/2017/decorative" val="1"/>
+              </a:ext>
+            </a:extLst>
+          </p:cNvPr>
+          <p:cNvCxnSpPr>
+            <a:cxnSpLocks noGrp="1" noRot="1" noChangeAspect="1" noMove="1" noResize="1" noEditPoints="1" noAdjustHandles="1" noChangeArrowheads="1" noChangeShapeType="1"/>
+          </p:cNvCxnSpPr>
+          <p:nvPr>
+            <p:extLst>
+              <p:ext uri="{386F3935-93C4-4BCD-93E2-E3B085C9AB24}">
+                <p16:designElem xmlns:p16="http://schemas.microsoft.com/office/powerpoint/2015/main" val="1"/>
+              </p:ext>
+            </p:extLst>
+          </p:nvPr>
+        </p:nvCxnSpPr>
+        <p:spPr bwMode="white">
+          <a:xfrm>
+            <a:off x="0" y="6028863"/>
+            <a:ext cx="12188824" cy="0"/>
+          </a:xfrm>
+          <a:prstGeom prst="line">
+            <a:avLst/>
+          </a:prstGeom>
+          <a:ln w="50800">
+            <a:solidFill>
+              <a:schemeClr val="bg1"/>
+            </a:solidFill>
+          </a:ln>
+        </p:spPr>
+        <p:style>
+          <a:lnRef idx="1">
+            <a:schemeClr val="accent1"/>
+          </a:lnRef>
+          <a:fillRef idx="0">
+            <a:schemeClr val="accent1"/>
+          </a:fillRef>
+          <a:effectRef idx="0">
+            <a:schemeClr val="accent1"/>
+          </a:effectRef>
+          <a:fontRef idx="minor">
+            <a:schemeClr val="tx1"/>
+          </a:fontRef>
+        </p:style>
+      </p:cxnSp>
     </p:spTree>
     <p:extLst>
       <p:ext uri="{BB962C8B-B14F-4D97-AF65-F5344CB8AC3E}">
@@ -3414,7 +4206,2522 @@
 </p:sld>
 </file>
 
+<file path=ppt/slides/slide10.xml><?xml version="1.0" encoding="utf-8"?>
+<p:sld xmlns:a="http://schemas.openxmlformats.org/drawingml/2006/main" xmlns:r="http://schemas.openxmlformats.org/officeDocument/2006/relationships" xmlns:p="http://schemas.openxmlformats.org/presentationml/2006/main">
+  <p:cSld>
+    <p:bg>
+      <p:bgPr>
+        <a:solidFill>
+          <a:schemeClr val="bg1"/>
+        </a:solidFill>
+        <a:effectLst/>
+      </p:bgPr>
+    </p:bg>
+    <p:spTree>
+      <p:nvGrpSpPr>
+        <p:cNvPr id="1" name=""/>
+        <p:cNvGrpSpPr/>
+        <p:nvPr/>
+      </p:nvGrpSpPr>
+      <p:grpSpPr>
+        <a:xfrm>
+          <a:off x="0" y="0"/>
+          <a:ext cx="0" cy="0"/>
+          <a:chOff x="0" y="0"/>
+          <a:chExt cx="0" cy="0"/>
+        </a:xfrm>
+      </p:grpSpPr>
+      <p:sp>
+        <p:nvSpPr>
+          <p:cNvPr id="15" name="Rectangle 14">
+            <a:extLst>
+              <a:ext uri="{FF2B5EF4-FFF2-40B4-BE49-F238E27FC236}">
+                <a16:creationId xmlns:a16="http://schemas.microsoft.com/office/drawing/2014/main" id="{1707FC24-6981-43D9-B525-C7832BA22463}"/>
+              </a:ext>
+              <a:ext uri="{C183D7F6-B498-43B3-948B-1728B52AA6E4}">
+                <adec:decorative xmlns:adec="http://schemas.microsoft.com/office/drawing/2017/decorative" val="1"/>
+              </a:ext>
+            </a:extLst>
+          </p:cNvPr>
+          <p:cNvSpPr>
+            <a:spLocks noGrp="1" noRot="1" noChangeAspect="1" noMove="1" noResize="1" noEditPoints="1" noAdjustHandles="1" noChangeArrowheads="1" noChangeShapeType="1" noTextEdit="1"/>
+          </p:cNvSpPr>
+          <p:nvPr>
+            <p:extLst>
+              <p:ext uri="{386F3935-93C4-4BCD-93E2-E3B085C9AB24}">
+                <p16:designElem xmlns:p16="http://schemas.microsoft.com/office/powerpoint/2015/main" val="1"/>
+              </p:ext>
+            </p:extLst>
+          </p:nvPr>
+        </p:nvSpPr>
+        <p:spPr bwMode="ltGray">
+          <a:xfrm>
+            <a:off x="336884" y="311449"/>
+            <a:ext cx="4332307" cy="6179552"/>
+          </a:xfrm>
+          <a:prstGeom prst="rect">
+            <a:avLst/>
+          </a:prstGeom>
+          <a:solidFill>
+            <a:srgbClr val="404040"/>
+          </a:solidFill>
+          <a:ln w="127000" cap="sq" cmpd="thinThick">
+            <a:solidFill>
+              <a:srgbClr val="404040"/>
+            </a:solidFill>
+          </a:ln>
+        </p:spPr>
+        <p:style>
+          <a:lnRef idx="2">
+            <a:schemeClr val="accent1">
+              <a:shade val="50000"/>
+            </a:schemeClr>
+          </a:lnRef>
+          <a:fillRef idx="1">
+            <a:schemeClr val="accent1"/>
+          </a:fillRef>
+          <a:effectRef idx="0">
+            <a:schemeClr val="accent1"/>
+          </a:effectRef>
+          <a:fontRef idx="minor">
+            <a:schemeClr val="lt1"/>
+          </a:fontRef>
+        </p:style>
+        <p:txBody>
+          <a:bodyPr rtlCol="0" anchor="ctr"/>
+          <a:lstStyle/>
+          <a:p>
+            <a:pPr algn="ctr"/>
+            <a:endParaRPr lang="en-US"/>
+          </a:p>
+        </p:txBody>
+      </p:sp>
+      <p:sp>
+        <p:nvSpPr>
+          <p:cNvPr id="2" name="Title 1">
+            <a:extLst>
+              <a:ext uri="{FF2B5EF4-FFF2-40B4-BE49-F238E27FC236}">
+                <a16:creationId xmlns:a16="http://schemas.microsoft.com/office/drawing/2014/main" id="{7C12CEA0-316C-4505-AE4F-96F4B6A806D6}"/>
+              </a:ext>
+            </a:extLst>
+          </p:cNvPr>
+          <p:cNvSpPr>
+            <a:spLocks noGrp="1"/>
+          </p:cNvSpPr>
+          <p:nvPr>
+            <p:ph type="title"/>
+          </p:nvPr>
+        </p:nvSpPr>
+        <p:spPr>
+          <a:xfrm>
+            <a:off x="742950" y="742951"/>
+            <a:ext cx="3476625" cy="4962524"/>
+          </a:xfrm>
+        </p:spPr>
+        <p:txBody>
+          <a:bodyPr vert="horz" lIns="91440" tIns="45720" rIns="91440" bIns="45720" rtlCol="0" anchor="ctr">
+            <a:normAutofit/>
+          </a:bodyPr>
+          <a:lstStyle/>
+          <a:p>
+            <a:pPr algn="ctr"/>
+            <a:r>
+              <a:rPr lang="en-US" sz="4800" kern="1200">
+                <a:solidFill>
+                  <a:srgbClr val="FFFFFF"/>
+                </a:solidFill>
+                <a:latin typeface="+mj-lt"/>
+                <a:ea typeface="+mj-ea"/>
+                <a:cs typeface="+mj-cs"/>
+              </a:rPr>
+              <a:t>Jacobijeva matrika</a:t>
+            </a:r>
+          </a:p>
+        </p:txBody>
+      </p:sp>
+      <p:pic>
+        <p:nvPicPr>
+          <p:cNvPr id="10" name="Picture 9">
+            <a:extLst>
+              <a:ext uri="{FF2B5EF4-FFF2-40B4-BE49-F238E27FC236}">
+                <a16:creationId xmlns:a16="http://schemas.microsoft.com/office/drawing/2014/main" id="{5224320D-77A3-42C5-ABC1-954D5C15DED2}"/>
+              </a:ext>
+            </a:extLst>
+          </p:cNvPr>
+          <p:cNvPicPr>
+            <a:picLocks noChangeAspect="1"/>
+          </p:cNvPicPr>
+          <p:nvPr/>
+        </p:nvPicPr>
+        <p:blipFill>
+          <a:blip r:embed="rId2"/>
+          <a:stretch>
+            <a:fillRect/>
+          </a:stretch>
+        </p:blipFill>
+        <p:spPr>
+          <a:xfrm>
+            <a:off x="4895505" y="1208998"/>
+            <a:ext cx="6553545" cy="2015215"/>
+          </a:xfrm>
+          <a:prstGeom prst="rect">
+            <a:avLst/>
+          </a:prstGeom>
+        </p:spPr>
+      </p:pic>
+      <p:pic>
+        <p:nvPicPr>
+          <p:cNvPr id="9" name="Picture 8">
+            <a:extLst>
+              <a:ext uri="{FF2B5EF4-FFF2-40B4-BE49-F238E27FC236}">
+                <a16:creationId xmlns:a16="http://schemas.microsoft.com/office/drawing/2014/main" id="{475AAA2F-192E-42ED-8A92-1B3537F3C4FB}"/>
+              </a:ext>
+            </a:extLst>
+          </p:cNvPr>
+          <p:cNvPicPr>
+            <a:picLocks noChangeAspect="1"/>
+          </p:cNvPicPr>
+          <p:nvPr/>
+        </p:nvPicPr>
+        <p:blipFill>
+          <a:blip r:embed="rId3"/>
+          <a:stretch>
+            <a:fillRect/>
+          </a:stretch>
+        </p:blipFill>
+        <p:spPr>
+          <a:xfrm>
+            <a:off x="5295900" y="4271962"/>
+            <a:ext cx="6153150" cy="926583"/>
+          </a:xfrm>
+          <a:prstGeom prst="rect">
+            <a:avLst/>
+          </a:prstGeom>
+        </p:spPr>
+      </p:pic>
+    </p:spTree>
+    <p:extLst>
+      <p:ext uri="{BB962C8B-B14F-4D97-AF65-F5344CB8AC3E}">
+        <p14:creationId xmlns:p14="http://schemas.microsoft.com/office/powerpoint/2010/main" val="2556624793"/>
+      </p:ext>
+    </p:extLst>
+  </p:cSld>
+  <p:clrMapOvr>
+    <a:masterClrMapping/>
+  </p:clrMapOvr>
+</p:sld>
+</file>
+
+<file path=ppt/slides/slide11.xml><?xml version="1.0" encoding="utf-8"?>
+<p:sld xmlns:a="http://schemas.openxmlformats.org/drawingml/2006/main" xmlns:r="http://schemas.openxmlformats.org/officeDocument/2006/relationships" xmlns:p="http://schemas.openxmlformats.org/presentationml/2006/main">
+  <p:cSld>
+    <p:bg>
+      <p:bgPr>
+        <a:solidFill>
+          <a:schemeClr val="bg1"/>
+        </a:solidFill>
+        <a:effectLst/>
+      </p:bgPr>
+    </p:bg>
+    <p:spTree>
+      <p:nvGrpSpPr>
+        <p:cNvPr id="1" name=""/>
+        <p:cNvGrpSpPr/>
+        <p:nvPr/>
+      </p:nvGrpSpPr>
+      <p:grpSpPr>
+        <a:xfrm>
+          <a:off x="0" y="0"/>
+          <a:ext cx="0" cy="0"/>
+          <a:chOff x="0" y="0"/>
+          <a:chExt cx="0" cy="0"/>
+        </a:xfrm>
+      </p:grpSpPr>
+      <p:sp>
+        <p:nvSpPr>
+          <p:cNvPr id="25" name="Rectangle 24">
+            <a:extLst>
+              <a:ext uri="{FF2B5EF4-FFF2-40B4-BE49-F238E27FC236}">
+                <a16:creationId xmlns:a16="http://schemas.microsoft.com/office/drawing/2014/main" id="{A4AC5506-6312-4701-8D3C-40187889A947}"/>
+              </a:ext>
+              <a:ext uri="{C183D7F6-B498-43B3-948B-1728B52AA6E4}">
+                <adec:decorative xmlns:adec="http://schemas.microsoft.com/office/drawing/2017/decorative" val="1"/>
+              </a:ext>
+            </a:extLst>
+          </p:cNvPr>
+          <p:cNvSpPr>
+            <a:spLocks noGrp="1" noRot="1" noChangeAspect="1" noMove="1" noResize="1" noEditPoints="1" noAdjustHandles="1" noChangeArrowheads="1" noChangeShapeType="1" noTextEdit="1"/>
+          </p:cNvSpPr>
+          <p:nvPr>
+            <p:extLst>
+              <p:ext uri="{386F3935-93C4-4BCD-93E2-E3B085C9AB24}">
+                <p16:designElem xmlns:p16="http://schemas.microsoft.com/office/powerpoint/2015/main" val="1"/>
+              </p:ext>
+            </p:extLst>
+          </p:nvPr>
+        </p:nvSpPr>
+        <p:spPr>
+          <a:xfrm>
+            <a:off x="0" y="651752"/>
+            <a:ext cx="12192000" cy="736551"/>
+          </a:xfrm>
+          <a:prstGeom prst="rect">
+            <a:avLst/>
+          </a:prstGeom>
+          <a:solidFill>
+            <a:schemeClr val="tx1"/>
+          </a:solidFill>
+          <a:ln>
+            <a:noFill/>
+          </a:ln>
+        </p:spPr>
+        <p:style>
+          <a:lnRef idx="2">
+            <a:schemeClr val="accent1">
+              <a:shade val="50000"/>
+            </a:schemeClr>
+          </a:lnRef>
+          <a:fillRef idx="1">
+            <a:schemeClr val="accent1"/>
+          </a:fillRef>
+          <a:effectRef idx="0">
+            <a:schemeClr val="accent1"/>
+          </a:effectRef>
+          <a:fontRef idx="minor">
+            <a:schemeClr val="lt1"/>
+          </a:fontRef>
+        </p:style>
+        <p:txBody>
+          <a:bodyPr rtlCol="0" anchor="ctr"/>
+          <a:lstStyle/>
+          <a:p>
+            <a:pPr algn="ctr"/>
+            <a:endParaRPr lang="en-US"/>
+          </a:p>
+        </p:txBody>
+      </p:sp>
+      <p:sp>
+        <p:nvSpPr>
+          <p:cNvPr id="2" name="Title 1">
+            <a:extLst>
+              <a:ext uri="{FF2B5EF4-FFF2-40B4-BE49-F238E27FC236}">
+                <a16:creationId xmlns:a16="http://schemas.microsoft.com/office/drawing/2014/main" id="{AE2186BD-C379-406F-BE8A-51312B078220}"/>
+              </a:ext>
+            </a:extLst>
+          </p:cNvPr>
+          <p:cNvSpPr>
+            <a:spLocks noGrp="1"/>
+          </p:cNvSpPr>
+          <p:nvPr>
+            <p:ph type="title"/>
+          </p:nvPr>
+        </p:nvSpPr>
+        <p:spPr>
+          <a:xfrm>
+            <a:off x="556532" y="643467"/>
+            <a:ext cx="11210925" cy="744836"/>
+          </a:xfrm>
+        </p:spPr>
+        <p:txBody>
+          <a:bodyPr vert="horz" lIns="91440" tIns="45720" rIns="91440" bIns="45720" rtlCol="0" anchor="ctr">
+            <a:normAutofit/>
+          </a:bodyPr>
+          <a:lstStyle/>
+          <a:p>
+            <a:pPr algn="ctr"/>
+            <a:r>
+              <a:rPr lang="en-US" sz="3200" kern="1200">
+                <a:solidFill>
+                  <a:schemeClr val="bg1"/>
+                </a:solidFill>
+                <a:latin typeface="+mj-lt"/>
+                <a:ea typeface="+mj-ea"/>
+                <a:cs typeface="+mj-cs"/>
+              </a:rPr>
+              <a:t>Ciklično obnašanje - CENTER</a:t>
+            </a:r>
+          </a:p>
+        </p:txBody>
+      </p:sp>
+      <p:pic>
+        <p:nvPicPr>
+          <p:cNvPr id="11" name="Content Placeholder 4" descr="A screenshot of a social media post&#10;&#10;Description automatically generated">
+            <a:extLst>
+              <a:ext uri="{FF2B5EF4-FFF2-40B4-BE49-F238E27FC236}">
+                <a16:creationId xmlns:a16="http://schemas.microsoft.com/office/drawing/2014/main" id="{5BB22C63-26F2-4906-88E1-E47ED01C9773}"/>
+              </a:ext>
+            </a:extLst>
+          </p:cNvPr>
+          <p:cNvPicPr>
+            <a:picLocks noChangeAspect="1"/>
+          </p:cNvPicPr>
+          <p:nvPr/>
+        </p:nvPicPr>
+        <p:blipFill rotWithShape="1">
+          <a:blip r:embed="rId2">
+            <a:extLst>
+              <a:ext uri="{28A0092B-C50C-407E-A947-70E740481C1C}">
+                <a14:useLocalDpi xmlns:a14="http://schemas.microsoft.com/office/drawing/2010/main" val="0"/>
+              </a:ext>
+            </a:extLst>
+          </a:blip>
+          <a:srcRect r="2" b="5226"/>
+          <a:stretch/>
+        </p:blipFill>
+        <p:spPr>
+          <a:xfrm>
+            <a:off x="2602138" y="1548988"/>
+            <a:ext cx="6987724" cy="5099462"/>
+          </a:xfrm>
+          <a:prstGeom prst="rect">
+            <a:avLst/>
+          </a:prstGeom>
+        </p:spPr>
+      </p:pic>
+    </p:spTree>
+    <p:extLst>
+      <p:ext uri="{BB962C8B-B14F-4D97-AF65-F5344CB8AC3E}">
+        <p14:creationId xmlns:p14="http://schemas.microsoft.com/office/powerpoint/2010/main" val="2788916109"/>
+      </p:ext>
+    </p:extLst>
+  </p:cSld>
+  <p:clrMapOvr>
+    <a:masterClrMapping/>
+  </p:clrMapOvr>
+</p:sld>
+</file>
+
+<file path=ppt/slides/slide12.xml><?xml version="1.0" encoding="utf-8"?>
+<p:sld xmlns:a="http://schemas.openxmlformats.org/drawingml/2006/main" xmlns:r="http://schemas.openxmlformats.org/officeDocument/2006/relationships" xmlns:p="http://schemas.openxmlformats.org/presentationml/2006/main">
+  <p:cSld>
+    <p:bg>
+      <p:bgPr>
+        <a:solidFill>
+          <a:schemeClr val="bg1"/>
+        </a:solidFill>
+        <a:effectLst/>
+      </p:bgPr>
+    </p:bg>
+    <p:spTree>
+      <p:nvGrpSpPr>
+        <p:cNvPr id="1" name=""/>
+        <p:cNvGrpSpPr/>
+        <p:nvPr/>
+      </p:nvGrpSpPr>
+      <p:grpSpPr>
+        <a:xfrm>
+          <a:off x="0" y="0"/>
+          <a:ext cx="0" cy="0"/>
+          <a:chOff x="0" y="0"/>
+          <a:chExt cx="0" cy="0"/>
+        </a:xfrm>
+      </p:grpSpPr>
+      <p:sp>
+        <p:nvSpPr>
+          <p:cNvPr id="17" name="Rectangle 16">
+            <a:extLst>
+              <a:ext uri="{FF2B5EF4-FFF2-40B4-BE49-F238E27FC236}">
+                <a16:creationId xmlns:a16="http://schemas.microsoft.com/office/drawing/2014/main" id="{A4AC5506-6312-4701-8D3C-40187889A947}"/>
+              </a:ext>
+              <a:ext uri="{C183D7F6-B498-43B3-948B-1728B52AA6E4}">
+                <adec:decorative xmlns:adec="http://schemas.microsoft.com/office/drawing/2017/decorative" val="1"/>
+              </a:ext>
+            </a:extLst>
+          </p:cNvPr>
+          <p:cNvSpPr>
+            <a:spLocks noGrp="1" noRot="1" noChangeAspect="1" noMove="1" noResize="1" noEditPoints="1" noAdjustHandles="1" noChangeArrowheads="1" noChangeShapeType="1" noTextEdit="1"/>
+          </p:cNvSpPr>
+          <p:nvPr>
+            <p:extLst>
+              <p:ext uri="{386F3935-93C4-4BCD-93E2-E3B085C9AB24}">
+                <p16:designElem xmlns:p16="http://schemas.microsoft.com/office/powerpoint/2015/main" val="1"/>
+              </p:ext>
+            </p:extLst>
+          </p:nvPr>
+        </p:nvSpPr>
+        <p:spPr>
+          <a:xfrm>
+            <a:off x="0" y="651752"/>
+            <a:ext cx="12192000" cy="736551"/>
+          </a:xfrm>
+          <a:prstGeom prst="rect">
+            <a:avLst/>
+          </a:prstGeom>
+          <a:solidFill>
+            <a:schemeClr val="tx1"/>
+          </a:solidFill>
+          <a:ln>
+            <a:noFill/>
+          </a:ln>
+        </p:spPr>
+        <p:style>
+          <a:lnRef idx="2">
+            <a:schemeClr val="accent1">
+              <a:shade val="50000"/>
+            </a:schemeClr>
+          </a:lnRef>
+          <a:fillRef idx="1">
+            <a:schemeClr val="accent1"/>
+          </a:fillRef>
+          <a:effectRef idx="0">
+            <a:schemeClr val="accent1"/>
+          </a:effectRef>
+          <a:fontRef idx="minor">
+            <a:schemeClr val="lt1"/>
+          </a:fontRef>
+        </p:style>
+        <p:txBody>
+          <a:bodyPr rtlCol="0" anchor="ctr"/>
+          <a:lstStyle/>
+          <a:p>
+            <a:pPr algn="ctr"/>
+            <a:endParaRPr lang="en-US"/>
+          </a:p>
+        </p:txBody>
+      </p:sp>
+      <p:sp>
+        <p:nvSpPr>
+          <p:cNvPr id="2" name="Title 1">
+            <a:extLst>
+              <a:ext uri="{FF2B5EF4-FFF2-40B4-BE49-F238E27FC236}">
+                <a16:creationId xmlns:a16="http://schemas.microsoft.com/office/drawing/2014/main" id="{B43319B9-89FC-45BE-8D08-60B2BA5A062E}"/>
+              </a:ext>
+            </a:extLst>
+          </p:cNvPr>
+          <p:cNvSpPr>
+            <a:spLocks noGrp="1"/>
+          </p:cNvSpPr>
+          <p:nvPr>
+            <p:ph type="title"/>
+          </p:nvPr>
+        </p:nvSpPr>
+        <p:spPr>
+          <a:xfrm>
+            <a:off x="556532" y="643467"/>
+            <a:ext cx="11210925" cy="744836"/>
+          </a:xfrm>
+        </p:spPr>
+        <p:txBody>
+          <a:bodyPr vert="horz" lIns="91440" tIns="45720" rIns="91440" bIns="45720" rtlCol="0" anchor="ctr">
+            <a:normAutofit/>
+          </a:bodyPr>
+          <a:lstStyle/>
+          <a:p>
+            <a:pPr algn="ctr"/>
+            <a:r>
+              <a:rPr lang="en-US" sz="3200" kern="1200">
+                <a:solidFill>
+                  <a:schemeClr val="bg1"/>
+                </a:solidFill>
+                <a:latin typeface="+mj-lt"/>
+                <a:ea typeface="+mj-ea"/>
+                <a:cs typeface="+mj-cs"/>
+              </a:rPr>
+              <a:t>Asimptotično ciklično obnašanje – SPIRALNI LIJAK </a:t>
+            </a:r>
+          </a:p>
+        </p:txBody>
+      </p:sp>
+      <p:pic>
+        <p:nvPicPr>
+          <p:cNvPr id="5" name="Picture 2">
+            <a:extLst>
+              <a:ext uri="{FF2B5EF4-FFF2-40B4-BE49-F238E27FC236}">
+                <a16:creationId xmlns:a16="http://schemas.microsoft.com/office/drawing/2014/main" id="{675B614B-1F2E-4B22-8B9D-2B31BDC2E27A}"/>
+              </a:ext>
+            </a:extLst>
+          </p:cNvPr>
+          <p:cNvPicPr>
+            <a:picLocks noChangeAspect="1" noChangeArrowheads="1"/>
+          </p:cNvPicPr>
+          <p:nvPr/>
+        </p:nvPicPr>
+        <p:blipFill>
+          <a:blip r:embed="rId2">
+            <a:extLst>
+              <a:ext uri="{28A0092B-C50C-407E-A947-70E740481C1C}">
+                <a14:useLocalDpi xmlns:a14="http://schemas.microsoft.com/office/drawing/2010/main" val="0"/>
+              </a:ext>
+            </a:extLst>
+          </a:blip>
+          <a:stretch>
+            <a:fillRect/>
+          </a:stretch>
+        </p:blipFill>
+        <p:spPr bwMode="auto">
+          <a:xfrm>
+            <a:off x="1486095" y="1621549"/>
+            <a:ext cx="9219810" cy="4817351"/>
+          </a:xfrm>
+          <a:prstGeom prst="rect">
+            <a:avLst/>
+          </a:prstGeom>
+          <a:noFill/>
+          <a:extLst>
+            <a:ext uri="{909E8E84-426E-40DD-AFC4-6F175D3DCCD1}">
+              <a14:hiddenFill xmlns:a14="http://schemas.microsoft.com/office/drawing/2010/main">
+                <a:solidFill>
+                  <a:srgbClr val="FFFFFF"/>
+                </a:solidFill>
+              </a14:hiddenFill>
+            </a:ext>
+          </a:extLst>
+        </p:spPr>
+      </p:pic>
+    </p:spTree>
+    <p:extLst>
+      <p:ext uri="{BB962C8B-B14F-4D97-AF65-F5344CB8AC3E}">
+        <p14:creationId xmlns:p14="http://schemas.microsoft.com/office/powerpoint/2010/main" val="2180251644"/>
+      </p:ext>
+    </p:extLst>
+  </p:cSld>
+  <p:clrMapOvr>
+    <a:masterClrMapping/>
+  </p:clrMapOvr>
+</p:sld>
+</file>
+
+<file path=ppt/slides/slide13.xml><?xml version="1.0" encoding="utf-8"?>
+<p:sld xmlns:a="http://schemas.openxmlformats.org/drawingml/2006/main" xmlns:r="http://schemas.openxmlformats.org/officeDocument/2006/relationships" xmlns:p="http://schemas.openxmlformats.org/presentationml/2006/main">
+  <p:cSld>
+    <p:bg>
+      <p:bgPr>
+        <a:solidFill>
+          <a:schemeClr val="bg1"/>
+        </a:solidFill>
+        <a:effectLst/>
+      </p:bgPr>
+    </p:bg>
+    <p:spTree>
+      <p:nvGrpSpPr>
+        <p:cNvPr id="1" name=""/>
+        <p:cNvGrpSpPr/>
+        <p:nvPr/>
+      </p:nvGrpSpPr>
+      <p:grpSpPr>
+        <a:xfrm>
+          <a:off x="0" y="0"/>
+          <a:ext cx="0" cy="0"/>
+          <a:chOff x="0" y="0"/>
+          <a:chExt cx="0" cy="0"/>
+        </a:xfrm>
+      </p:grpSpPr>
+      <p:sp>
+        <p:nvSpPr>
+          <p:cNvPr id="19" name="Rectangle 18">
+            <a:extLst>
+              <a:ext uri="{FF2B5EF4-FFF2-40B4-BE49-F238E27FC236}">
+                <a16:creationId xmlns:a16="http://schemas.microsoft.com/office/drawing/2014/main" id="{A4AC5506-6312-4701-8D3C-40187889A947}"/>
+              </a:ext>
+              <a:ext uri="{C183D7F6-B498-43B3-948B-1728B52AA6E4}">
+                <adec:decorative xmlns:adec="http://schemas.microsoft.com/office/drawing/2017/decorative" val="1"/>
+              </a:ext>
+            </a:extLst>
+          </p:cNvPr>
+          <p:cNvSpPr>
+            <a:spLocks noGrp="1" noRot="1" noChangeAspect="1" noMove="1" noResize="1" noEditPoints="1" noAdjustHandles="1" noChangeArrowheads="1" noChangeShapeType="1" noTextEdit="1"/>
+          </p:cNvSpPr>
+          <p:nvPr>
+            <p:extLst>
+              <p:ext uri="{386F3935-93C4-4BCD-93E2-E3B085C9AB24}">
+                <p16:designElem xmlns:p16="http://schemas.microsoft.com/office/powerpoint/2015/main" val="1"/>
+              </p:ext>
+            </p:extLst>
+          </p:nvPr>
+        </p:nvSpPr>
+        <p:spPr>
+          <a:xfrm>
+            <a:off x="0" y="651752"/>
+            <a:ext cx="12192000" cy="736551"/>
+          </a:xfrm>
+          <a:prstGeom prst="rect">
+            <a:avLst/>
+          </a:prstGeom>
+          <a:solidFill>
+            <a:schemeClr val="tx1"/>
+          </a:solidFill>
+          <a:ln>
+            <a:noFill/>
+          </a:ln>
+        </p:spPr>
+        <p:style>
+          <a:lnRef idx="2">
+            <a:schemeClr val="accent1">
+              <a:shade val="50000"/>
+            </a:schemeClr>
+          </a:lnRef>
+          <a:fillRef idx="1">
+            <a:schemeClr val="accent1"/>
+          </a:fillRef>
+          <a:effectRef idx="0">
+            <a:schemeClr val="accent1"/>
+          </a:effectRef>
+          <a:fontRef idx="minor">
+            <a:schemeClr val="lt1"/>
+          </a:fontRef>
+        </p:style>
+        <p:txBody>
+          <a:bodyPr rtlCol="0" anchor="ctr"/>
+          <a:lstStyle/>
+          <a:p>
+            <a:pPr algn="ctr"/>
+            <a:endParaRPr lang="en-US"/>
+          </a:p>
+        </p:txBody>
+      </p:sp>
+      <p:sp>
+        <p:nvSpPr>
+          <p:cNvPr id="2" name="Title 1">
+            <a:extLst>
+              <a:ext uri="{FF2B5EF4-FFF2-40B4-BE49-F238E27FC236}">
+                <a16:creationId xmlns:a16="http://schemas.microsoft.com/office/drawing/2014/main" id="{BCAD9FEC-CFAE-43AD-827B-C7D24D9C520C}"/>
+              </a:ext>
+            </a:extLst>
+          </p:cNvPr>
+          <p:cNvSpPr>
+            <a:spLocks noGrp="1"/>
+          </p:cNvSpPr>
+          <p:nvPr>
+            <p:ph type="title"/>
+          </p:nvPr>
+        </p:nvSpPr>
+        <p:spPr>
+          <a:xfrm>
+            <a:off x="556532" y="643467"/>
+            <a:ext cx="11210925" cy="744836"/>
+          </a:xfrm>
+        </p:spPr>
+        <p:txBody>
+          <a:bodyPr vert="horz" lIns="91440" tIns="45720" rIns="91440" bIns="45720" rtlCol="0" anchor="ctr">
+            <a:normAutofit/>
+          </a:bodyPr>
+          <a:lstStyle/>
+          <a:p>
+            <a:pPr algn="ctr"/>
+            <a:r>
+              <a:rPr lang="en-US" sz="3200" kern="1200">
+                <a:solidFill>
+                  <a:schemeClr val="bg1"/>
+                </a:solidFill>
+                <a:latin typeface="+mj-lt"/>
+                <a:ea typeface="+mj-ea"/>
+                <a:cs typeface="+mj-cs"/>
+              </a:rPr>
+              <a:t>Asimptotično ciklično obnašanje – SPIRALNI IZVOR</a:t>
+            </a:r>
+          </a:p>
+        </p:txBody>
+      </p:sp>
+      <p:pic>
+        <p:nvPicPr>
+          <p:cNvPr id="5" name="Content Placeholder 4" descr="A screenshot of a cell phone&#10;&#10;Description automatically generated">
+            <a:extLst>
+              <a:ext uri="{FF2B5EF4-FFF2-40B4-BE49-F238E27FC236}">
+                <a16:creationId xmlns:a16="http://schemas.microsoft.com/office/drawing/2014/main" id="{579E80C8-65FE-4542-9921-C421F748062D}"/>
+              </a:ext>
+            </a:extLst>
+          </p:cNvPr>
+          <p:cNvPicPr>
+            <a:picLocks noChangeAspect="1"/>
+          </p:cNvPicPr>
+          <p:nvPr/>
+        </p:nvPicPr>
+        <p:blipFill rotWithShape="1">
+          <a:blip r:embed="rId2">
+            <a:extLst>
+              <a:ext uri="{28A0092B-C50C-407E-A947-70E740481C1C}">
+                <a14:useLocalDpi xmlns:a14="http://schemas.microsoft.com/office/drawing/2010/main" val="0"/>
+              </a:ext>
+            </a:extLst>
+          </a:blip>
+          <a:srcRect t="625" r="2" b="2"/>
+          <a:stretch/>
+        </p:blipFill>
+        <p:spPr>
+          <a:xfrm>
+            <a:off x="2835423" y="1787089"/>
+            <a:ext cx="6521153" cy="5070911"/>
+          </a:xfrm>
+          <a:prstGeom prst="rect">
+            <a:avLst/>
+          </a:prstGeom>
+        </p:spPr>
+      </p:pic>
+    </p:spTree>
+    <p:extLst>
+      <p:ext uri="{BB962C8B-B14F-4D97-AF65-F5344CB8AC3E}">
+        <p14:creationId xmlns:p14="http://schemas.microsoft.com/office/powerpoint/2010/main" val="1338429899"/>
+      </p:ext>
+    </p:extLst>
+  </p:cSld>
+  <p:clrMapOvr>
+    <a:masterClrMapping/>
+  </p:clrMapOvr>
+</p:sld>
+</file>
+
 <file path=ppt/slides/slide2.xml><?xml version="1.0" encoding="utf-8"?>
+<p:sld xmlns:a="http://schemas.openxmlformats.org/drawingml/2006/main" xmlns:r="http://schemas.openxmlformats.org/officeDocument/2006/relationships" xmlns:p="http://schemas.openxmlformats.org/presentationml/2006/main">
+  <p:cSld>
+    <p:bg>
+      <p:bgPr>
+        <a:solidFill>
+          <a:schemeClr val="bg1"/>
+        </a:solidFill>
+        <a:effectLst/>
+      </p:bgPr>
+    </p:bg>
+    <p:spTree>
+      <p:nvGrpSpPr>
+        <p:cNvPr id="1" name=""/>
+        <p:cNvGrpSpPr/>
+        <p:nvPr/>
+      </p:nvGrpSpPr>
+      <p:grpSpPr>
+        <a:xfrm>
+          <a:off x="0" y="0"/>
+          <a:ext cx="0" cy="0"/>
+          <a:chOff x="0" y="0"/>
+          <a:chExt cx="0" cy="0"/>
+        </a:xfrm>
+      </p:grpSpPr>
+      <p:sp>
+        <p:nvSpPr>
+          <p:cNvPr id="9" name="Rectangle 8">
+            <a:extLst>
+              <a:ext uri="{FF2B5EF4-FFF2-40B4-BE49-F238E27FC236}">
+                <a16:creationId xmlns:a16="http://schemas.microsoft.com/office/drawing/2014/main" id="{1707FC24-6981-43D9-B525-C7832BA22463}"/>
+              </a:ext>
+              <a:ext uri="{C183D7F6-B498-43B3-948B-1728B52AA6E4}">
+                <adec:decorative xmlns:adec="http://schemas.microsoft.com/office/drawing/2017/decorative" val="1"/>
+              </a:ext>
+            </a:extLst>
+          </p:cNvPr>
+          <p:cNvSpPr>
+            <a:spLocks noGrp="1" noRot="1" noChangeAspect="1" noMove="1" noResize="1" noEditPoints="1" noAdjustHandles="1" noChangeArrowheads="1" noChangeShapeType="1" noTextEdit="1"/>
+          </p:cNvSpPr>
+          <p:nvPr>
+            <p:extLst>
+              <p:ext uri="{386F3935-93C4-4BCD-93E2-E3B085C9AB24}">
+                <p16:designElem xmlns:p16="http://schemas.microsoft.com/office/powerpoint/2015/main" val="1"/>
+              </p:ext>
+            </p:extLst>
+          </p:nvPr>
+        </p:nvSpPr>
+        <p:spPr bwMode="ltGray">
+          <a:xfrm>
+            <a:off x="336884" y="311449"/>
+            <a:ext cx="4332307" cy="6179552"/>
+          </a:xfrm>
+          <a:prstGeom prst="rect">
+            <a:avLst/>
+          </a:prstGeom>
+          <a:solidFill>
+            <a:srgbClr val="404040"/>
+          </a:solidFill>
+          <a:ln w="127000" cap="sq" cmpd="thinThick">
+            <a:solidFill>
+              <a:srgbClr val="404040"/>
+            </a:solidFill>
+          </a:ln>
+        </p:spPr>
+        <p:style>
+          <a:lnRef idx="2">
+            <a:schemeClr val="accent1">
+              <a:shade val="50000"/>
+            </a:schemeClr>
+          </a:lnRef>
+          <a:fillRef idx="1">
+            <a:schemeClr val="accent1"/>
+          </a:fillRef>
+          <a:effectRef idx="0">
+            <a:schemeClr val="accent1"/>
+          </a:effectRef>
+          <a:fontRef idx="minor">
+            <a:schemeClr val="lt1"/>
+          </a:fontRef>
+        </p:style>
+        <p:txBody>
+          <a:bodyPr rtlCol="0" anchor="ctr"/>
+          <a:lstStyle/>
+          <a:p>
+            <a:pPr algn="ctr"/>
+            <a:endParaRPr lang="en-US"/>
+          </a:p>
+        </p:txBody>
+      </p:sp>
+      <p:sp>
+        <p:nvSpPr>
+          <p:cNvPr id="2" name="Title 1">
+            <a:extLst>
+              <a:ext uri="{FF2B5EF4-FFF2-40B4-BE49-F238E27FC236}">
+                <a16:creationId xmlns:a16="http://schemas.microsoft.com/office/drawing/2014/main" id="{F011C09D-0161-4695-AF48-34DE45D4815E}"/>
+              </a:ext>
+            </a:extLst>
+          </p:cNvPr>
+          <p:cNvSpPr>
+            <a:spLocks noGrp="1"/>
+          </p:cNvSpPr>
+          <p:nvPr>
+            <p:ph type="title"/>
+          </p:nvPr>
+        </p:nvSpPr>
+        <p:spPr>
+          <a:xfrm>
+            <a:off x="336883" y="742951"/>
+            <a:ext cx="4332307" cy="4962524"/>
+          </a:xfrm>
+        </p:spPr>
+        <p:txBody>
+          <a:bodyPr vert="horz" lIns="91440" tIns="45720" rIns="91440" bIns="45720" rtlCol="0" anchor="ctr">
+            <a:normAutofit/>
+          </a:bodyPr>
+          <a:lstStyle/>
+          <a:p>
+            <a:pPr algn="ctr"/>
+            <a:r>
+              <a:rPr lang="en-US" kern="1200" dirty="0" err="1">
+                <a:solidFill>
+                  <a:srgbClr val="FFFFFF"/>
+                </a:solidFill>
+                <a:latin typeface="+mj-lt"/>
+                <a:ea typeface="+mj-ea"/>
+                <a:cs typeface="+mj-cs"/>
+              </a:rPr>
+              <a:t>Ekosistem</a:t>
+            </a:r>
+            <a:r>
+              <a:rPr lang="en-US" kern="1200" dirty="0">
+                <a:solidFill>
+                  <a:srgbClr val="FFFFFF"/>
+                </a:solidFill>
+                <a:latin typeface="+mj-lt"/>
+                <a:ea typeface="+mj-ea"/>
+                <a:cs typeface="+mj-cs"/>
+              </a:rPr>
+              <a:t> </a:t>
+            </a:r>
+            <a:r>
+              <a:rPr lang="en-US" kern="1200" dirty="0" err="1">
+                <a:solidFill>
+                  <a:srgbClr val="FFFFFF"/>
+                </a:solidFill>
+                <a:latin typeface="+mj-lt"/>
+                <a:ea typeface="+mj-ea"/>
+                <a:cs typeface="+mj-cs"/>
+              </a:rPr>
+              <a:t>plenilcev</a:t>
+            </a:r>
+            <a:r>
+              <a:rPr lang="en-US" kern="1200" dirty="0">
+                <a:solidFill>
+                  <a:srgbClr val="FFFFFF"/>
+                </a:solidFill>
+                <a:latin typeface="+mj-lt"/>
+                <a:ea typeface="+mj-ea"/>
+                <a:cs typeface="+mj-cs"/>
+              </a:rPr>
+              <a:t> in </a:t>
+            </a:r>
+            <a:r>
+              <a:rPr lang="en-US" kern="1200" dirty="0" err="1">
+                <a:solidFill>
+                  <a:srgbClr val="FFFFFF"/>
+                </a:solidFill>
+                <a:latin typeface="+mj-lt"/>
+                <a:ea typeface="+mj-ea"/>
+                <a:cs typeface="+mj-cs"/>
+              </a:rPr>
+              <a:t>rastlonojedcev</a:t>
+            </a:r>
+            <a:r>
+              <a:rPr lang="en-US" kern="1200" dirty="0">
+                <a:solidFill>
+                  <a:srgbClr val="FFFFFF"/>
+                </a:solidFill>
+                <a:latin typeface="+mj-lt"/>
+                <a:ea typeface="+mj-ea"/>
+                <a:cs typeface="+mj-cs"/>
+              </a:rPr>
+              <a:t> </a:t>
+            </a:r>
+            <a:r>
+              <a:rPr lang="en-US" kern="1200" dirty="0" err="1">
+                <a:solidFill>
+                  <a:srgbClr val="FFFFFF"/>
+                </a:solidFill>
+                <a:latin typeface="+mj-lt"/>
+                <a:ea typeface="+mj-ea"/>
+                <a:cs typeface="+mj-cs"/>
+              </a:rPr>
+              <a:t>ter</a:t>
+            </a:r>
+            <a:r>
+              <a:rPr lang="en-US" kern="1200" dirty="0">
+                <a:solidFill>
+                  <a:srgbClr val="FFFFFF"/>
+                </a:solidFill>
+                <a:latin typeface="+mj-lt"/>
+                <a:ea typeface="+mj-ea"/>
+                <a:cs typeface="+mj-cs"/>
+              </a:rPr>
+              <a:t> </a:t>
+            </a:r>
+            <a:r>
+              <a:rPr lang="en-US" kern="1200" dirty="0" err="1">
+                <a:solidFill>
+                  <a:srgbClr val="FFFFFF"/>
+                </a:solidFill>
+                <a:latin typeface="+mj-lt"/>
+                <a:ea typeface="+mj-ea"/>
+                <a:cs typeface="+mj-cs"/>
+              </a:rPr>
+              <a:t>rastlin</a:t>
+            </a:r>
+            <a:endParaRPr lang="en-US" kern="1200" dirty="0">
+              <a:solidFill>
+                <a:srgbClr val="FFFFFF"/>
+              </a:solidFill>
+              <a:latin typeface="+mj-lt"/>
+              <a:ea typeface="+mj-ea"/>
+              <a:cs typeface="+mj-cs"/>
+            </a:endParaRPr>
+          </a:p>
+        </p:txBody>
+      </p:sp>
+      <p:pic>
+        <p:nvPicPr>
+          <p:cNvPr id="4" name="Picture 3">
+            <a:extLst>
+              <a:ext uri="{FF2B5EF4-FFF2-40B4-BE49-F238E27FC236}">
+                <a16:creationId xmlns:a16="http://schemas.microsoft.com/office/drawing/2014/main" id="{A8B5A65A-4D43-4511-B2A8-74E51E5B9721}"/>
+              </a:ext>
+            </a:extLst>
+          </p:cNvPr>
+          <p:cNvPicPr>
+            <a:picLocks noChangeAspect="1"/>
+          </p:cNvPicPr>
+          <p:nvPr/>
+        </p:nvPicPr>
+        <p:blipFill>
+          <a:blip r:embed="rId2"/>
+          <a:stretch>
+            <a:fillRect/>
+          </a:stretch>
+        </p:blipFill>
+        <p:spPr>
+          <a:xfrm>
+            <a:off x="5301571" y="947738"/>
+            <a:ext cx="6553545" cy="4962524"/>
+          </a:xfrm>
+          <a:prstGeom prst="rect">
+            <a:avLst/>
+          </a:prstGeom>
+        </p:spPr>
+      </p:pic>
+    </p:spTree>
+    <p:extLst>
+      <p:ext uri="{BB962C8B-B14F-4D97-AF65-F5344CB8AC3E}">
+        <p14:creationId xmlns:p14="http://schemas.microsoft.com/office/powerpoint/2010/main" val="3050416763"/>
+      </p:ext>
+    </p:extLst>
+  </p:cSld>
+  <p:clrMapOvr>
+    <a:masterClrMapping/>
+  </p:clrMapOvr>
+</p:sld>
+</file>
+
+<file path=ppt/slides/slide3.xml><?xml version="1.0" encoding="utf-8"?>
+<p:sld xmlns:a="http://schemas.openxmlformats.org/drawingml/2006/main" xmlns:r="http://schemas.openxmlformats.org/officeDocument/2006/relationships" xmlns:p="http://schemas.openxmlformats.org/presentationml/2006/main">
+  <p:cSld>
+    <p:bg>
+      <p:bgPr>
+        <a:solidFill>
+          <a:schemeClr val="bg1"/>
+        </a:solidFill>
+        <a:effectLst/>
+      </p:bgPr>
+    </p:bg>
+    <p:spTree>
+      <p:nvGrpSpPr>
+        <p:cNvPr id="1" name=""/>
+        <p:cNvGrpSpPr/>
+        <p:nvPr/>
+      </p:nvGrpSpPr>
+      <p:grpSpPr>
+        <a:xfrm>
+          <a:off x="0" y="0"/>
+          <a:ext cx="0" cy="0"/>
+          <a:chOff x="0" y="0"/>
+          <a:chExt cx="0" cy="0"/>
+        </a:xfrm>
+      </p:grpSpPr>
+      <p:sp>
+        <p:nvSpPr>
+          <p:cNvPr id="14" name="Rectangle 13">
+            <a:extLst>
+              <a:ext uri="{FF2B5EF4-FFF2-40B4-BE49-F238E27FC236}">
+                <a16:creationId xmlns:a16="http://schemas.microsoft.com/office/drawing/2014/main" id="{EBF87945-A001-489F-9D9B-7D9435F0B9CA}"/>
+              </a:ext>
+              <a:ext uri="{C183D7F6-B498-43B3-948B-1728B52AA6E4}">
+                <adec:decorative xmlns:adec="http://schemas.microsoft.com/office/drawing/2017/decorative" val="1"/>
+              </a:ext>
+            </a:extLst>
+          </p:cNvPr>
+          <p:cNvSpPr>
+            <a:spLocks noGrp="1" noRot="1" noChangeAspect="1" noMove="1" noResize="1" noEditPoints="1" noAdjustHandles="1" noChangeArrowheads="1" noChangeShapeType="1" noTextEdit="1"/>
+          </p:cNvSpPr>
+          <p:nvPr>
+            <p:extLst>
+              <p:ext uri="{386F3935-93C4-4BCD-93E2-E3B085C9AB24}">
+                <p16:designElem xmlns:p16="http://schemas.microsoft.com/office/powerpoint/2015/main" val="1"/>
+              </p:ext>
+            </p:extLst>
+          </p:nvPr>
+        </p:nvSpPr>
+        <p:spPr>
+          <a:xfrm>
+            <a:off x="548639" y="347471"/>
+            <a:ext cx="11100816" cy="1801368"/>
+          </a:xfrm>
+          <a:prstGeom prst="rect">
+            <a:avLst/>
+          </a:prstGeom>
+          <a:solidFill>
+            <a:schemeClr val="tx1">
+              <a:lumMod val="75000"/>
+              <a:lumOff val="25000"/>
+            </a:schemeClr>
+          </a:solidFill>
+          <a:ln>
+            <a:noFill/>
+          </a:ln>
+        </p:spPr>
+        <p:style>
+          <a:lnRef idx="2">
+            <a:schemeClr val="accent1">
+              <a:shade val="50000"/>
+            </a:schemeClr>
+          </a:lnRef>
+          <a:fillRef idx="1">
+            <a:schemeClr val="accent1"/>
+          </a:fillRef>
+          <a:effectRef idx="0">
+            <a:schemeClr val="accent1"/>
+          </a:effectRef>
+          <a:fontRef idx="minor">
+            <a:schemeClr val="lt1"/>
+          </a:fontRef>
+        </p:style>
+        <p:txBody>
+          <a:bodyPr rtlCol="0" anchor="ctr"/>
+          <a:lstStyle/>
+          <a:p>
+            <a:pPr algn="ctr"/>
+            <a:endParaRPr lang="en-US"/>
+          </a:p>
+        </p:txBody>
+      </p:sp>
+      <p:sp>
+        <p:nvSpPr>
+          <p:cNvPr id="2" name="Title 1">
+            <a:extLst>
+              <a:ext uri="{FF2B5EF4-FFF2-40B4-BE49-F238E27FC236}">
+                <a16:creationId xmlns:a16="http://schemas.microsoft.com/office/drawing/2014/main" id="{630945CB-7501-4110-A922-573ABBB19A3D}"/>
+              </a:ext>
+            </a:extLst>
+          </p:cNvPr>
+          <p:cNvSpPr>
+            <a:spLocks noGrp="1"/>
+          </p:cNvSpPr>
+          <p:nvPr>
+            <p:ph type="title"/>
+          </p:nvPr>
+        </p:nvSpPr>
+        <p:spPr>
+          <a:xfrm>
+            <a:off x="838200" y="585216"/>
+            <a:ext cx="10515600" cy="1325563"/>
+          </a:xfrm>
+        </p:spPr>
+        <p:txBody>
+          <a:bodyPr>
+            <a:normAutofit/>
+          </a:bodyPr>
+          <a:lstStyle/>
+          <a:p>
+            <a:pPr algn="ctr"/>
+            <a:r>
+              <a:rPr lang="sl-SI" dirty="0">
+                <a:solidFill>
+                  <a:schemeClr val="bg1"/>
+                </a:solidFill>
+              </a:rPr>
+              <a:t>Dinamika i-te populacije</a:t>
+            </a:r>
+            <a:endParaRPr lang="en-SI" dirty="0">
+              <a:solidFill>
+                <a:schemeClr val="bg1"/>
+              </a:solidFill>
+            </a:endParaRPr>
+          </a:p>
+        </p:txBody>
+      </p:sp>
+      <p:pic>
+        <p:nvPicPr>
+          <p:cNvPr id="10" name="Content Placeholder 3">
+            <a:extLst>
+              <a:ext uri="{FF2B5EF4-FFF2-40B4-BE49-F238E27FC236}">
+                <a16:creationId xmlns:a16="http://schemas.microsoft.com/office/drawing/2014/main" id="{ADBCDDA8-E152-410A-B446-5BE30554D41D}"/>
+              </a:ext>
+            </a:extLst>
+          </p:cNvPr>
+          <p:cNvPicPr>
+            <a:picLocks noGrp="1" noChangeAspect="1"/>
+          </p:cNvPicPr>
+          <p:nvPr>
+            <p:ph idx="1"/>
+          </p:nvPr>
+        </p:nvPicPr>
+        <p:blipFill>
+          <a:blip r:embed="rId2"/>
+          <a:stretch>
+            <a:fillRect/>
+          </a:stretch>
+        </p:blipFill>
+        <p:spPr>
+          <a:xfrm>
+            <a:off x="1442815" y="3077100"/>
+            <a:ext cx="8753475" cy="1981200"/>
+          </a:xfrm>
+          <a:prstGeom prst="rect">
+            <a:avLst/>
+          </a:prstGeom>
+        </p:spPr>
+      </p:pic>
+    </p:spTree>
+    <p:extLst>
+      <p:ext uri="{BB962C8B-B14F-4D97-AF65-F5344CB8AC3E}">
+        <p14:creationId xmlns:p14="http://schemas.microsoft.com/office/powerpoint/2010/main" val="3276340260"/>
+      </p:ext>
+    </p:extLst>
+  </p:cSld>
+  <p:clrMapOvr>
+    <a:masterClrMapping/>
+  </p:clrMapOvr>
+</p:sld>
+</file>
+
+<file path=ppt/slides/slide4.xml><?xml version="1.0" encoding="utf-8"?>
+<p:sld xmlns:a="http://schemas.openxmlformats.org/drawingml/2006/main" xmlns:r="http://schemas.openxmlformats.org/officeDocument/2006/relationships" xmlns:p="http://schemas.openxmlformats.org/presentationml/2006/main">
+  <p:cSld>
+    <p:bg>
+      <p:bgPr>
+        <a:solidFill>
+          <a:schemeClr val="bg1"/>
+        </a:solidFill>
+        <a:effectLst/>
+      </p:bgPr>
+    </p:bg>
+    <p:spTree>
+      <p:nvGrpSpPr>
+        <p:cNvPr id="1" name=""/>
+        <p:cNvGrpSpPr/>
+        <p:nvPr/>
+      </p:nvGrpSpPr>
+      <p:grpSpPr>
+        <a:xfrm>
+          <a:off x="0" y="0"/>
+          <a:ext cx="0" cy="0"/>
+          <a:chOff x="0" y="0"/>
+          <a:chExt cx="0" cy="0"/>
+        </a:xfrm>
+      </p:grpSpPr>
+      <p:sp>
+        <p:nvSpPr>
+          <p:cNvPr id="9" name="Rectangle 8">
+            <a:extLst>
+              <a:ext uri="{FF2B5EF4-FFF2-40B4-BE49-F238E27FC236}">
+                <a16:creationId xmlns:a16="http://schemas.microsoft.com/office/drawing/2014/main" id="{1707FC24-6981-43D9-B525-C7832BA22463}"/>
+              </a:ext>
+              <a:ext uri="{C183D7F6-B498-43B3-948B-1728B52AA6E4}">
+                <adec:decorative xmlns:adec="http://schemas.microsoft.com/office/drawing/2017/decorative" val="1"/>
+              </a:ext>
+            </a:extLst>
+          </p:cNvPr>
+          <p:cNvSpPr>
+            <a:spLocks noGrp="1" noRot="1" noChangeAspect="1" noMove="1" noResize="1" noEditPoints="1" noAdjustHandles="1" noChangeArrowheads="1" noChangeShapeType="1" noTextEdit="1"/>
+          </p:cNvSpPr>
+          <p:nvPr>
+            <p:extLst>
+              <p:ext uri="{386F3935-93C4-4BCD-93E2-E3B085C9AB24}">
+                <p16:designElem xmlns:p16="http://schemas.microsoft.com/office/powerpoint/2015/main" val="1"/>
+              </p:ext>
+            </p:extLst>
+          </p:nvPr>
+        </p:nvSpPr>
+        <p:spPr bwMode="ltGray">
+          <a:xfrm>
+            <a:off x="336884" y="311449"/>
+            <a:ext cx="4332307" cy="6179552"/>
+          </a:xfrm>
+          <a:prstGeom prst="rect">
+            <a:avLst/>
+          </a:prstGeom>
+          <a:solidFill>
+            <a:srgbClr val="404040"/>
+          </a:solidFill>
+          <a:ln w="127000" cap="sq" cmpd="thinThick">
+            <a:solidFill>
+              <a:srgbClr val="404040"/>
+            </a:solidFill>
+          </a:ln>
+        </p:spPr>
+        <p:style>
+          <a:lnRef idx="2">
+            <a:schemeClr val="accent1">
+              <a:shade val="50000"/>
+            </a:schemeClr>
+          </a:lnRef>
+          <a:fillRef idx="1">
+            <a:schemeClr val="accent1"/>
+          </a:fillRef>
+          <a:effectRef idx="0">
+            <a:schemeClr val="accent1"/>
+          </a:effectRef>
+          <a:fontRef idx="minor">
+            <a:schemeClr val="lt1"/>
+          </a:fontRef>
+        </p:style>
+        <p:txBody>
+          <a:bodyPr rtlCol="0" anchor="ctr"/>
+          <a:lstStyle/>
+          <a:p>
+            <a:pPr algn="ctr"/>
+            <a:endParaRPr lang="en-US"/>
+          </a:p>
+        </p:txBody>
+      </p:sp>
+      <p:sp>
+        <p:nvSpPr>
+          <p:cNvPr id="2" name="Title 1">
+            <a:extLst>
+              <a:ext uri="{FF2B5EF4-FFF2-40B4-BE49-F238E27FC236}">
+                <a16:creationId xmlns:a16="http://schemas.microsoft.com/office/drawing/2014/main" id="{CB06B806-4EED-43DC-B082-C7A5781E45A1}"/>
+              </a:ext>
+            </a:extLst>
+          </p:cNvPr>
+          <p:cNvSpPr>
+            <a:spLocks noGrp="1"/>
+          </p:cNvSpPr>
+          <p:nvPr>
+            <p:ph type="title"/>
+          </p:nvPr>
+        </p:nvSpPr>
+        <p:spPr>
+          <a:xfrm>
+            <a:off x="484633" y="947738"/>
+            <a:ext cx="3959776" cy="4962524"/>
+          </a:xfrm>
+        </p:spPr>
+        <p:txBody>
+          <a:bodyPr vert="horz" lIns="91440" tIns="45720" rIns="91440" bIns="45720" rtlCol="0" anchor="ctr">
+            <a:normAutofit/>
+          </a:bodyPr>
+          <a:lstStyle/>
+          <a:p>
+            <a:pPr algn="ctr"/>
+            <a:r>
+              <a:rPr lang="en-US" b="1" kern="1200" dirty="0" err="1">
+                <a:solidFill>
+                  <a:srgbClr val="FFFFFF"/>
+                </a:solidFill>
+                <a:latin typeface="+mj-lt"/>
+                <a:ea typeface="+mj-ea"/>
+                <a:cs typeface="+mj-cs"/>
+              </a:rPr>
+              <a:t>Naloga</a:t>
+            </a:r>
+            <a:r>
+              <a:rPr lang="en-US" b="1" kern="1200" dirty="0">
+                <a:solidFill>
+                  <a:srgbClr val="FFFFFF"/>
+                </a:solidFill>
+                <a:latin typeface="+mj-lt"/>
+                <a:ea typeface="+mj-ea"/>
+                <a:cs typeface="+mj-cs"/>
+              </a:rPr>
+              <a:t> 1</a:t>
+            </a:r>
+            <a:br>
+              <a:rPr lang="sl-SI" kern="1200" dirty="0">
+                <a:solidFill>
+                  <a:srgbClr val="FFFFFF"/>
+                </a:solidFill>
+                <a:latin typeface="+mj-lt"/>
+                <a:ea typeface="+mj-ea"/>
+                <a:cs typeface="+mj-cs"/>
+              </a:rPr>
+            </a:br>
+            <a:r>
+              <a:rPr lang="en-US" kern="1200" dirty="0" err="1">
+                <a:solidFill>
+                  <a:srgbClr val="FFFFFF"/>
+                </a:solidFill>
+                <a:latin typeface="+mj-lt"/>
+                <a:ea typeface="+mj-ea"/>
+                <a:cs typeface="+mj-cs"/>
+              </a:rPr>
+              <a:t>zapis</a:t>
+            </a:r>
+            <a:r>
+              <a:rPr lang="en-US" kern="1200" dirty="0">
+                <a:solidFill>
+                  <a:srgbClr val="FFFFFF"/>
+                </a:solidFill>
+                <a:latin typeface="+mj-lt"/>
+                <a:ea typeface="+mj-ea"/>
+                <a:cs typeface="+mj-cs"/>
+              </a:rPr>
+              <a:t> </a:t>
+            </a:r>
+            <a:r>
+              <a:rPr lang="en-US" kern="1200" dirty="0" err="1">
+                <a:solidFill>
+                  <a:srgbClr val="FFFFFF"/>
+                </a:solidFill>
+                <a:latin typeface="+mj-lt"/>
+                <a:ea typeface="+mj-ea"/>
+                <a:cs typeface="+mj-cs"/>
+              </a:rPr>
+              <a:t>diferencialnih</a:t>
+            </a:r>
+            <a:r>
+              <a:rPr lang="en-US" kern="1200" dirty="0">
+                <a:solidFill>
+                  <a:srgbClr val="FFFFFF"/>
+                </a:solidFill>
+                <a:latin typeface="+mj-lt"/>
+                <a:ea typeface="+mj-ea"/>
+                <a:cs typeface="+mj-cs"/>
+              </a:rPr>
+              <a:t> </a:t>
+            </a:r>
+            <a:r>
+              <a:rPr lang="en-US" kern="1200" dirty="0" err="1">
+                <a:solidFill>
+                  <a:srgbClr val="FFFFFF"/>
+                </a:solidFill>
+                <a:latin typeface="+mj-lt"/>
+                <a:ea typeface="+mj-ea"/>
+                <a:cs typeface="+mj-cs"/>
+              </a:rPr>
+              <a:t>enačb</a:t>
+            </a:r>
+            <a:r>
+              <a:rPr lang="en-US" kern="1200" dirty="0">
+                <a:solidFill>
+                  <a:srgbClr val="FFFFFF"/>
+                </a:solidFill>
+                <a:latin typeface="+mj-lt"/>
+                <a:ea typeface="+mj-ea"/>
+                <a:cs typeface="+mj-cs"/>
+              </a:rPr>
+              <a:t> za dan </a:t>
+            </a:r>
+            <a:r>
+              <a:rPr lang="en-US" kern="1200" dirty="0" err="1">
+                <a:solidFill>
+                  <a:srgbClr val="FFFFFF"/>
+                </a:solidFill>
+                <a:latin typeface="+mj-lt"/>
+                <a:ea typeface="+mj-ea"/>
+                <a:cs typeface="+mj-cs"/>
+              </a:rPr>
+              <a:t>ekosistem</a:t>
+            </a:r>
+            <a:endParaRPr lang="en-US" kern="1200" dirty="0">
+              <a:solidFill>
+                <a:srgbClr val="FFFFFF"/>
+              </a:solidFill>
+              <a:latin typeface="+mj-lt"/>
+              <a:ea typeface="+mj-ea"/>
+              <a:cs typeface="+mj-cs"/>
+            </a:endParaRPr>
+          </a:p>
+        </p:txBody>
+      </p:sp>
+      <p:pic>
+        <p:nvPicPr>
+          <p:cNvPr id="4" name="Picture 3">
+            <a:extLst>
+              <a:ext uri="{FF2B5EF4-FFF2-40B4-BE49-F238E27FC236}">
+                <a16:creationId xmlns:a16="http://schemas.microsoft.com/office/drawing/2014/main" id="{E0299DEF-FD64-4C78-A0C7-53EFA0F44784}"/>
+              </a:ext>
+            </a:extLst>
+          </p:cNvPr>
+          <p:cNvPicPr>
+            <a:picLocks noChangeAspect="1"/>
+          </p:cNvPicPr>
+          <p:nvPr/>
+        </p:nvPicPr>
+        <p:blipFill>
+          <a:blip r:embed="rId2"/>
+          <a:stretch>
+            <a:fillRect/>
+          </a:stretch>
+        </p:blipFill>
+        <p:spPr>
+          <a:xfrm>
+            <a:off x="5004359" y="2255808"/>
+            <a:ext cx="6850757" cy="2346383"/>
+          </a:xfrm>
+          <a:prstGeom prst="rect">
+            <a:avLst/>
+          </a:prstGeom>
+        </p:spPr>
+      </p:pic>
+    </p:spTree>
+    <p:extLst>
+      <p:ext uri="{BB962C8B-B14F-4D97-AF65-F5344CB8AC3E}">
+        <p14:creationId xmlns:p14="http://schemas.microsoft.com/office/powerpoint/2010/main" val="1648435488"/>
+      </p:ext>
+    </p:extLst>
+  </p:cSld>
+  <p:clrMapOvr>
+    <a:masterClrMapping/>
+  </p:clrMapOvr>
+</p:sld>
+</file>
+
+<file path=ppt/slides/slide5.xml><?xml version="1.0" encoding="utf-8"?>
+<p:sld xmlns:a="http://schemas.openxmlformats.org/drawingml/2006/main" xmlns:r="http://schemas.openxmlformats.org/officeDocument/2006/relationships" xmlns:p="http://schemas.openxmlformats.org/presentationml/2006/main">
+  <p:cSld>
+    <p:bg>
+      <p:bgPr>
+        <a:solidFill>
+          <a:schemeClr val="bg1"/>
+        </a:solidFill>
+        <a:effectLst/>
+      </p:bgPr>
+    </p:bg>
+    <p:spTree>
+      <p:nvGrpSpPr>
+        <p:cNvPr id="1" name=""/>
+        <p:cNvGrpSpPr/>
+        <p:nvPr/>
+      </p:nvGrpSpPr>
+      <p:grpSpPr>
+        <a:xfrm>
+          <a:off x="0" y="0"/>
+          <a:ext cx="0" cy="0"/>
+          <a:chOff x="0" y="0"/>
+          <a:chExt cx="0" cy="0"/>
+        </a:xfrm>
+      </p:grpSpPr>
+      <p:sp>
+        <p:nvSpPr>
+          <p:cNvPr id="11" name="Rectangle 10">
+            <a:extLst>
+              <a:ext uri="{FF2B5EF4-FFF2-40B4-BE49-F238E27FC236}">
+                <a16:creationId xmlns:a16="http://schemas.microsoft.com/office/drawing/2014/main" id="{1707FC24-6981-43D9-B525-C7832BA22463}"/>
+              </a:ext>
+              <a:ext uri="{C183D7F6-B498-43B3-948B-1728B52AA6E4}">
+                <adec:decorative xmlns:adec="http://schemas.microsoft.com/office/drawing/2017/decorative" val="1"/>
+              </a:ext>
+            </a:extLst>
+          </p:cNvPr>
+          <p:cNvSpPr>
+            <a:spLocks noGrp="1" noRot="1" noChangeAspect="1" noMove="1" noResize="1" noEditPoints="1" noAdjustHandles="1" noChangeArrowheads="1" noChangeShapeType="1" noTextEdit="1"/>
+          </p:cNvSpPr>
+          <p:nvPr>
+            <p:extLst>
+              <p:ext uri="{386F3935-93C4-4BCD-93E2-E3B085C9AB24}">
+                <p16:designElem xmlns:p16="http://schemas.microsoft.com/office/powerpoint/2015/main" val="1"/>
+              </p:ext>
+            </p:extLst>
+          </p:nvPr>
+        </p:nvSpPr>
+        <p:spPr bwMode="ltGray">
+          <a:xfrm>
+            <a:off x="336884" y="311449"/>
+            <a:ext cx="4332307" cy="6179552"/>
+          </a:xfrm>
+          <a:prstGeom prst="rect">
+            <a:avLst/>
+          </a:prstGeom>
+          <a:solidFill>
+            <a:srgbClr val="404040"/>
+          </a:solidFill>
+          <a:ln w="127000" cap="sq" cmpd="thinThick">
+            <a:solidFill>
+              <a:srgbClr val="404040"/>
+            </a:solidFill>
+          </a:ln>
+        </p:spPr>
+        <p:style>
+          <a:lnRef idx="2">
+            <a:schemeClr val="accent1">
+              <a:shade val="50000"/>
+            </a:schemeClr>
+          </a:lnRef>
+          <a:fillRef idx="1">
+            <a:schemeClr val="accent1"/>
+          </a:fillRef>
+          <a:effectRef idx="0">
+            <a:schemeClr val="accent1"/>
+          </a:effectRef>
+          <a:fontRef idx="minor">
+            <a:schemeClr val="lt1"/>
+          </a:fontRef>
+        </p:style>
+        <p:txBody>
+          <a:bodyPr rtlCol="0" anchor="ctr"/>
+          <a:lstStyle/>
+          <a:p>
+            <a:pPr algn="ctr"/>
+            <a:endParaRPr lang="en-US"/>
+          </a:p>
+        </p:txBody>
+      </p:sp>
+      <p:sp>
+        <p:nvSpPr>
+          <p:cNvPr id="2" name="Title 1">
+            <a:extLst>
+              <a:ext uri="{FF2B5EF4-FFF2-40B4-BE49-F238E27FC236}">
+                <a16:creationId xmlns:a16="http://schemas.microsoft.com/office/drawing/2014/main" id="{79D40054-B57B-4576-911C-E62B281567DF}"/>
+              </a:ext>
+            </a:extLst>
+          </p:cNvPr>
+          <p:cNvSpPr>
+            <a:spLocks noGrp="1"/>
+          </p:cNvSpPr>
+          <p:nvPr>
+            <p:ph type="title"/>
+          </p:nvPr>
+        </p:nvSpPr>
+        <p:spPr>
+          <a:xfrm>
+            <a:off x="336884" y="742951"/>
+            <a:ext cx="4332307" cy="4962524"/>
+          </a:xfrm>
+        </p:spPr>
+        <p:txBody>
+          <a:bodyPr vert="horz" lIns="91440" tIns="45720" rIns="91440" bIns="45720" rtlCol="0" anchor="ctr">
+            <a:normAutofit/>
+          </a:bodyPr>
+          <a:lstStyle/>
+          <a:p>
+            <a:pPr algn="ctr"/>
+            <a:r>
+              <a:rPr lang="en-US" sz="4800" kern="1200" dirty="0" err="1">
+                <a:solidFill>
+                  <a:srgbClr val="FFFFFF"/>
+                </a:solidFill>
+                <a:latin typeface="+mj-lt"/>
+                <a:ea typeface="+mj-ea"/>
+                <a:cs typeface="+mj-cs"/>
+              </a:rPr>
+              <a:t>Drugačen</a:t>
+            </a:r>
+            <a:r>
+              <a:rPr lang="en-US" sz="4800" kern="1200" dirty="0">
+                <a:solidFill>
+                  <a:srgbClr val="FFFFFF"/>
+                </a:solidFill>
+                <a:latin typeface="+mj-lt"/>
+                <a:ea typeface="+mj-ea"/>
+                <a:cs typeface="+mj-cs"/>
+              </a:rPr>
+              <a:t> </a:t>
+            </a:r>
+            <a:r>
+              <a:rPr lang="en-US" sz="4800" kern="1200" dirty="0" err="1">
+                <a:solidFill>
+                  <a:srgbClr val="FFFFFF"/>
+                </a:solidFill>
+                <a:latin typeface="+mj-lt"/>
+                <a:ea typeface="+mj-ea"/>
+                <a:cs typeface="+mj-cs"/>
+              </a:rPr>
+              <a:t>zapis</a:t>
+            </a:r>
+            <a:endParaRPr lang="en-US" sz="4800" kern="1200" dirty="0">
+              <a:solidFill>
+                <a:srgbClr val="FFFFFF"/>
+              </a:solidFill>
+              <a:latin typeface="+mj-lt"/>
+              <a:ea typeface="+mj-ea"/>
+              <a:cs typeface="+mj-cs"/>
+            </a:endParaRPr>
+          </a:p>
+        </p:txBody>
+      </p:sp>
+      <p:pic>
+        <p:nvPicPr>
+          <p:cNvPr id="4" name="Picture 3">
+            <a:extLst>
+              <a:ext uri="{FF2B5EF4-FFF2-40B4-BE49-F238E27FC236}">
+                <a16:creationId xmlns:a16="http://schemas.microsoft.com/office/drawing/2014/main" id="{329CCA7B-3D07-44F4-AECE-9105194A0E75}"/>
+              </a:ext>
+            </a:extLst>
+          </p:cNvPr>
+          <p:cNvPicPr>
+            <a:picLocks noChangeAspect="1"/>
+          </p:cNvPicPr>
+          <p:nvPr/>
+        </p:nvPicPr>
+        <p:blipFill>
+          <a:blip r:embed="rId2"/>
+          <a:stretch>
+            <a:fillRect/>
+          </a:stretch>
+        </p:blipFill>
+        <p:spPr>
+          <a:xfrm>
+            <a:off x="5557838" y="533400"/>
+            <a:ext cx="5743575" cy="773113"/>
+          </a:xfrm>
+          <a:prstGeom prst="rect">
+            <a:avLst/>
+          </a:prstGeom>
+        </p:spPr>
+      </p:pic>
+      <p:pic>
+        <p:nvPicPr>
+          <p:cNvPr id="5" name="Picture 4">
+            <a:extLst>
+              <a:ext uri="{FF2B5EF4-FFF2-40B4-BE49-F238E27FC236}">
+                <a16:creationId xmlns:a16="http://schemas.microsoft.com/office/drawing/2014/main" id="{FBF87425-89AE-457B-87C7-448631D0A26D}"/>
+              </a:ext>
+            </a:extLst>
+          </p:cNvPr>
+          <p:cNvPicPr>
+            <a:picLocks noChangeAspect="1"/>
+          </p:cNvPicPr>
+          <p:nvPr/>
+        </p:nvPicPr>
+        <p:blipFill>
+          <a:blip r:embed="rId3"/>
+          <a:stretch>
+            <a:fillRect/>
+          </a:stretch>
+        </p:blipFill>
+        <p:spPr>
+          <a:xfrm>
+            <a:off x="5557838" y="2122488"/>
+            <a:ext cx="5743575" cy="2933700"/>
+          </a:xfrm>
+          <a:prstGeom prst="rect">
+            <a:avLst/>
+          </a:prstGeom>
+        </p:spPr>
+      </p:pic>
+      <p:pic>
+        <p:nvPicPr>
+          <p:cNvPr id="6" name="Picture 5">
+            <a:extLst>
+              <a:ext uri="{FF2B5EF4-FFF2-40B4-BE49-F238E27FC236}">
+                <a16:creationId xmlns:a16="http://schemas.microsoft.com/office/drawing/2014/main" id="{21FC22E6-F0B5-4A83-A934-9827126B528A}"/>
+              </a:ext>
+            </a:extLst>
+          </p:cNvPr>
+          <p:cNvPicPr>
+            <a:picLocks noChangeAspect="1"/>
+          </p:cNvPicPr>
+          <p:nvPr/>
+        </p:nvPicPr>
+        <p:blipFill>
+          <a:blip r:embed="rId4"/>
+          <a:stretch>
+            <a:fillRect/>
+          </a:stretch>
+        </p:blipFill>
+        <p:spPr>
+          <a:xfrm>
+            <a:off x="5557838" y="5138738"/>
+            <a:ext cx="5743575" cy="1193800"/>
+          </a:xfrm>
+          <a:prstGeom prst="rect">
+            <a:avLst/>
+          </a:prstGeom>
+        </p:spPr>
+      </p:pic>
+      <p:pic>
+        <p:nvPicPr>
+          <p:cNvPr id="3" name="Picture 2">
+            <a:extLst>
+              <a:ext uri="{FF2B5EF4-FFF2-40B4-BE49-F238E27FC236}">
+                <a16:creationId xmlns:a16="http://schemas.microsoft.com/office/drawing/2014/main" id="{B302484F-4C79-40A3-8383-982944AC2AC2}"/>
+              </a:ext>
+            </a:extLst>
+          </p:cNvPr>
+          <p:cNvPicPr>
+            <a:picLocks noChangeAspect="1"/>
+          </p:cNvPicPr>
+          <p:nvPr/>
+        </p:nvPicPr>
+        <p:blipFill>
+          <a:blip r:embed="rId5"/>
+          <a:stretch>
+            <a:fillRect/>
+          </a:stretch>
+        </p:blipFill>
+        <p:spPr>
+          <a:xfrm>
+            <a:off x="5557838" y="1389063"/>
+            <a:ext cx="5743575" cy="650875"/>
+          </a:xfrm>
+          <a:prstGeom prst="rect">
+            <a:avLst/>
+          </a:prstGeom>
+        </p:spPr>
+      </p:pic>
+    </p:spTree>
+    <p:extLst>
+      <p:ext uri="{BB962C8B-B14F-4D97-AF65-F5344CB8AC3E}">
+        <p14:creationId xmlns:p14="http://schemas.microsoft.com/office/powerpoint/2010/main" val="2958632922"/>
+      </p:ext>
+    </p:extLst>
+  </p:cSld>
+  <p:clrMapOvr>
+    <a:masterClrMapping/>
+  </p:clrMapOvr>
+</p:sld>
+</file>
+
+<file path=ppt/slides/slide6.xml><?xml version="1.0" encoding="utf-8"?>
+<p:sld xmlns:a="http://schemas.openxmlformats.org/drawingml/2006/main" xmlns:r="http://schemas.openxmlformats.org/officeDocument/2006/relationships" xmlns:p="http://schemas.openxmlformats.org/presentationml/2006/main">
+  <p:cSld>
+    <p:bg>
+      <p:bgPr>
+        <a:solidFill>
+          <a:schemeClr val="bg1"/>
+        </a:solidFill>
+        <a:effectLst/>
+      </p:bgPr>
+    </p:bg>
+    <p:spTree>
+      <p:nvGrpSpPr>
+        <p:cNvPr id="1" name=""/>
+        <p:cNvGrpSpPr/>
+        <p:nvPr/>
+      </p:nvGrpSpPr>
+      <p:grpSpPr>
+        <a:xfrm>
+          <a:off x="0" y="0"/>
+          <a:ext cx="0" cy="0"/>
+          <a:chOff x="0" y="0"/>
+          <a:chExt cx="0" cy="0"/>
+        </a:xfrm>
+      </p:grpSpPr>
+      <p:sp>
+        <p:nvSpPr>
+          <p:cNvPr id="2" name="Title 1">
+            <a:extLst>
+              <a:ext uri="{FF2B5EF4-FFF2-40B4-BE49-F238E27FC236}">
+                <a16:creationId xmlns:a16="http://schemas.microsoft.com/office/drawing/2014/main" id="{FC4BA801-DC8B-40FA-A3F6-8D1256446D2B}"/>
+              </a:ext>
+            </a:extLst>
+          </p:cNvPr>
+          <p:cNvSpPr>
+            <a:spLocks noGrp="1"/>
+          </p:cNvSpPr>
+          <p:nvPr>
+            <p:ph type="title"/>
+          </p:nvPr>
+        </p:nvSpPr>
+        <p:spPr>
+          <a:xfrm>
+            <a:off x="870204" y="606564"/>
+            <a:ext cx="10451592" cy="1325563"/>
+          </a:xfrm>
+        </p:spPr>
+        <p:txBody>
+          <a:bodyPr anchor="ctr">
+            <a:normAutofit/>
+          </a:bodyPr>
+          <a:lstStyle/>
+          <a:p>
+            <a:pPr algn="ctr"/>
+            <a:r>
+              <a:rPr lang="sl-SI" b="1" dirty="0"/>
+              <a:t>Naloga 2</a:t>
+            </a:r>
+            <a:br>
+              <a:rPr lang="sl-SI" dirty="0"/>
+            </a:br>
+            <a:r>
+              <a:rPr lang="sl-SI" dirty="0"/>
+              <a:t>stacionarna točka sistema</a:t>
+            </a:r>
+            <a:endParaRPr lang="en-SI" dirty="0"/>
+          </a:p>
+        </p:txBody>
+      </p:sp>
+      <p:sp>
+        <p:nvSpPr>
+          <p:cNvPr id="36" name="Rectangle 35">
+            <a:extLst>
+              <a:ext uri="{FF2B5EF4-FFF2-40B4-BE49-F238E27FC236}">
+                <a16:creationId xmlns:a16="http://schemas.microsoft.com/office/drawing/2014/main" id="{A5711A0E-A428-4ED1-96CB-33D69FD842E4}"/>
+              </a:ext>
+              <a:ext uri="{C183D7F6-B498-43B3-948B-1728B52AA6E4}">
+                <adec:decorative xmlns:adec="http://schemas.microsoft.com/office/drawing/2017/decorative" val="1"/>
+              </a:ext>
+            </a:extLst>
+          </p:cNvPr>
+          <p:cNvSpPr>
+            <a:spLocks noGrp="1" noRot="1" noChangeAspect="1" noMove="1" noResize="1" noEditPoints="1" noAdjustHandles="1" noChangeArrowheads="1" noChangeShapeType="1" noTextEdit="1"/>
+          </p:cNvSpPr>
+          <p:nvPr>
+            <p:extLst>
+              <p:ext uri="{386F3935-93C4-4BCD-93E2-E3B085C9AB24}">
+                <p16:designElem xmlns:p16="http://schemas.microsoft.com/office/powerpoint/2015/main" val="1"/>
+              </p:ext>
+            </p:extLst>
+          </p:nvPr>
+        </p:nvSpPr>
+        <p:spPr>
+          <a:xfrm>
+            <a:off x="1000874" y="2043803"/>
+            <a:ext cx="10190252" cy="80683"/>
+          </a:xfrm>
+          <a:prstGeom prst="rect">
+            <a:avLst/>
+          </a:prstGeom>
+          <a:solidFill>
+            <a:schemeClr val="tx1">
+              <a:lumMod val="50000"/>
+              <a:lumOff val="50000"/>
+              <a:alpha val="65000"/>
+            </a:schemeClr>
+          </a:solidFill>
+          <a:ln>
+            <a:noFill/>
+          </a:ln>
+        </p:spPr>
+        <p:style>
+          <a:lnRef idx="2">
+            <a:schemeClr val="accent1">
+              <a:shade val="50000"/>
+            </a:schemeClr>
+          </a:lnRef>
+          <a:fillRef idx="1">
+            <a:schemeClr val="accent1"/>
+          </a:fillRef>
+          <a:effectRef idx="0">
+            <a:schemeClr val="accent1"/>
+          </a:effectRef>
+          <a:fontRef idx="minor">
+            <a:schemeClr val="lt1"/>
+          </a:fontRef>
+        </p:style>
+        <p:txBody>
+          <a:bodyPr rtlCol="0" anchor="ctr"/>
+          <a:lstStyle/>
+          <a:p>
+            <a:pPr marL="0" marR="0" lvl="0" indent="0" algn="ctr" defTabSz="457200" rtl="0" eaLnBrk="1" fontAlgn="auto" latinLnBrk="0" hangingPunct="1">
+              <a:lnSpc>
+                <a:spcPct val="100000"/>
+              </a:lnSpc>
+              <a:spcBef>
+                <a:spcPts val="0"/>
+              </a:spcBef>
+              <a:spcAft>
+                <a:spcPts val="0"/>
+              </a:spcAft>
+              <a:buClrTx/>
+              <a:buSzTx/>
+              <a:buFontTx/>
+              <a:buNone/>
+              <a:tabLst/>
+              <a:defRPr/>
+            </a:pPr>
+            <a:endParaRPr kumimoji="0" lang="en-US" sz="1800" b="0" i="0" u="none" strike="noStrike" kern="1200" cap="none" spc="0" normalizeH="0" baseline="0" noProof="0">
+              <a:ln>
+                <a:noFill/>
+              </a:ln>
+              <a:solidFill>
+                <a:prstClr val="white"/>
+              </a:solidFill>
+              <a:effectLst/>
+              <a:uLnTx/>
+              <a:uFillTx/>
+              <a:latin typeface="Calibri" panose="020F0502020204030204"/>
+              <a:ea typeface="+mn-ea"/>
+              <a:cs typeface="+mn-cs"/>
+            </a:endParaRPr>
+          </a:p>
+        </p:txBody>
+      </p:sp>
+      <p:pic>
+        <p:nvPicPr>
+          <p:cNvPr id="6" name="Picture 5">
+            <a:extLst>
+              <a:ext uri="{FF2B5EF4-FFF2-40B4-BE49-F238E27FC236}">
+                <a16:creationId xmlns:a16="http://schemas.microsoft.com/office/drawing/2014/main" id="{6FFC18C7-FE93-4047-97C3-76098F77E215}"/>
+              </a:ext>
+            </a:extLst>
+          </p:cNvPr>
+          <p:cNvPicPr>
+            <a:picLocks noChangeAspect="1"/>
+          </p:cNvPicPr>
+          <p:nvPr/>
+        </p:nvPicPr>
+        <p:blipFill>
+          <a:blip r:embed="rId2"/>
+          <a:stretch>
+            <a:fillRect/>
+          </a:stretch>
+        </p:blipFill>
+        <p:spPr>
+          <a:xfrm>
+            <a:off x="5929313" y="2427288"/>
+            <a:ext cx="4994275" cy="736600"/>
+          </a:xfrm>
+          <a:prstGeom prst="rect">
+            <a:avLst/>
+          </a:prstGeom>
+        </p:spPr>
+      </p:pic>
+      <p:pic>
+        <p:nvPicPr>
+          <p:cNvPr id="7" name="Picture 6">
+            <a:extLst>
+              <a:ext uri="{FF2B5EF4-FFF2-40B4-BE49-F238E27FC236}">
+                <a16:creationId xmlns:a16="http://schemas.microsoft.com/office/drawing/2014/main" id="{61EE0BED-AD96-40B9-89E3-F1709B219C42}"/>
+              </a:ext>
+            </a:extLst>
+          </p:cNvPr>
+          <p:cNvPicPr>
+            <a:picLocks noChangeAspect="1"/>
+          </p:cNvPicPr>
+          <p:nvPr/>
+        </p:nvPicPr>
+        <p:blipFill>
+          <a:blip r:embed="rId3"/>
+          <a:stretch>
+            <a:fillRect/>
+          </a:stretch>
+        </p:blipFill>
+        <p:spPr>
+          <a:xfrm>
+            <a:off x="5929311" y="3397250"/>
+            <a:ext cx="4994275" cy="363538"/>
+          </a:xfrm>
+          <a:prstGeom prst="rect">
+            <a:avLst/>
+          </a:prstGeom>
+        </p:spPr>
+      </p:pic>
+      <p:pic>
+        <p:nvPicPr>
+          <p:cNvPr id="8" name="Picture 7">
+            <a:extLst>
+              <a:ext uri="{FF2B5EF4-FFF2-40B4-BE49-F238E27FC236}">
+                <a16:creationId xmlns:a16="http://schemas.microsoft.com/office/drawing/2014/main" id="{9ACEC4D7-FF7F-457F-A01F-6A827E2606BA}"/>
+              </a:ext>
+            </a:extLst>
+          </p:cNvPr>
+          <p:cNvPicPr>
+            <a:picLocks noChangeAspect="1"/>
+          </p:cNvPicPr>
+          <p:nvPr/>
+        </p:nvPicPr>
+        <p:blipFill>
+          <a:blip r:embed="rId4"/>
+          <a:stretch>
+            <a:fillRect/>
+          </a:stretch>
+        </p:blipFill>
+        <p:spPr>
+          <a:xfrm>
+            <a:off x="5929312" y="3979723"/>
+            <a:ext cx="4994275" cy="2271713"/>
+          </a:xfrm>
+          <a:prstGeom prst="rect">
+            <a:avLst/>
+          </a:prstGeom>
+        </p:spPr>
+      </p:pic>
+      <p:pic>
+        <p:nvPicPr>
+          <p:cNvPr id="31" name="Picture 30">
+            <a:extLst>
+              <a:ext uri="{FF2B5EF4-FFF2-40B4-BE49-F238E27FC236}">
+                <a16:creationId xmlns:a16="http://schemas.microsoft.com/office/drawing/2014/main" id="{4543B088-1CFB-4BA0-8BEE-0CE0C70C3A58}"/>
+              </a:ext>
+            </a:extLst>
+          </p:cNvPr>
+          <p:cNvPicPr>
+            <a:picLocks noChangeAspect="1"/>
+          </p:cNvPicPr>
+          <p:nvPr/>
+        </p:nvPicPr>
+        <p:blipFill>
+          <a:blip r:embed="rId5"/>
+          <a:stretch>
+            <a:fillRect/>
+          </a:stretch>
+        </p:blipFill>
+        <p:spPr>
+          <a:xfrm>
+            <a:off x="414973" y="2420360"/>
+            <a:ext cx="5201646" cy="4015274"/>
+          </a:xfrm>
+          <a:prstGeom prst="rect">
+            <a:avLst/>
+          </a:prstGeom>
+        </p:spPr>
+      </p:pic>
+    </p:spTree>
+    <p:extLst>
+      <p:ext uri="{BB962C8B-B14F-4D97-AF65-F5344CB8AC3E}">
+        <p14:creationId xmlns:p14="http://schemas.microsoft.com/office/powerpoint/2010/main" val="2735727133"/>
+      </p:ext>
+    </p:extLst>
+  </p:cSld>
+  <p:clrMapOvr>
+    <a:masterClrMapping/>
+  </p:clrMapOvr>
+</p:sld>
+</file>
+
+<file path=ppt/slides/slide7.xml><?xml version="1.0" encoding="utf-8"?>
+<p:sld xmlns:a="http://schemas.openxmlformats.org/drawingml/2006/main" xmlns:r="http://schemas.openxmlformats.org/officeDocument/2006/relationships" xmlns:p="http://schemas.openxmlformats.org/presentationml/2006/main">
+  <p:cSld>
+    <p:bg>
+      <p:bgPr>
+        <a:solidFill>
+          <a:schemeClr val="bg1"/>
+        </a:solidFill>
+        <a:effectLst/>
+      </p:bgPr>
+    </p:bg>
+    <p:spTree>
+      <p:nvGrpSpPr>
+        <p:cNvPr id="1" name=""/>
+        <p:cNvGrpSpPr/>
+        <p:nvPr/>
+      </p:nvGrpSpPr>
+      <p:grpSpPr>
+        <a:xfrm>
+          <a:off x="0" y="0"/>
+          <a:ext cx="0" cy="0"/>
+          <a:chOff x="0" y="0"/>
+          <a:chExt cx="0" cy="0"/>
+        </a:xfrm>
+      </p:grpSpPr>
+      <p:sp>
+        <p:nvSpPr>
+          <p:cNvPr id="9" name="Rectangle 8">
+            <a:extLst>
+              <a:ext uri="{FF2B5EF4-FFF2-40B4-BE49-F238E27FC236}">
+                <a16:creationId xmlns:a16="http://schemas.microsoft.com/office/drawing/2014/main" id="{1707FC24-6981-43D9-B525-C7832BA22463}"/>
+              </a:ext>
+              <a:ext uri="{C183D7F6-B498-43B3-948B-1728B52AA6E4}">
+                <adec:decorative xmlns:adec="http://schemas.microsoft.com/office/drawing/2017/decorative" val="1"/>
+              </a:ext>
+            </a:extLst>
+          </p:cNvPr>
+          <p:cNvSpPr>
+            <a:spLocks noGrp="1" noRot="1" noChangeAspect="1" noMove="1" noResize="1" noEditPoints="1" noAdjustHandles="1" noChangeArrowheads="1" noChangeShapeType="1" noTextEdit="1"/>
+          </p:cNvSpPr>
+          <p:nvPr>
+            <p:extLst>
+              <p:ext uri="{386F3935-93C4-4BCD-93E2-E3B085C9AB24}">
+                <p16:designElem xmlns:p16="http://schemas.microsoft.com/office/powerpoint/2015/main" val="1"/>
+              </p:ext>
+            </p:extLst>
+          </p:nvPr>
+        </p:nvSpPr>
+        <p:spPr bwMode="ltGray">
+          <a:xfrm>
+            <a:off x="336884" y="311449"/>
+            <a:ext cx="4332307" cy="6179552"/>
+          </a:xfrm>
+          <a:prstGeom prst="rect">
+            <a:avLst/>
+          </a:prstGeom>
+          <a:solidFill>
+            <a:srgbClr val="404040"/>
+          </a:solidFill>
+          <a:ln w="127000" cap="sq" cmpd="thinThick">
+            <a:solidFill>
+              <a:srgbClr val="404040"/>
+            </a:solidFill>
+          </a:ln>
+        </p:spPr>
+        <p:style>
+          <a:lnRef idx="2">
+            <a:schemeClr val="accent1">
+              <a:shade val="50000"/>
+            </a:schemeClr>
+          </a:lnRef>
+          <a:fillRef idx="1">
+            <a:schemeClr val="accent1"/>
+          </a:fillRef>
+          <a:effectRef idx="0">
+            <a:schemeClr val="accent1"/>
+          </a:effectRef>
+          <a:fontRef idx="minor">
+            <a:schemeClr val="lt1"/>
+          </a:fontRef>
+        </p:style>
+        <p:txBody>
+          <a:bodyPr rtlCol="0" anchor="ctr"/>
+          <a:lstStyle/>
+          <a:p>
+            <a:pPr algn="ctr"/>
+            <a:endParaRPr lang="en-US"/>
+          </a:p>
+        </p:txBody>
+      </p:sp>
+      <p:sp>
+        <p:nvSpPr>
+          <p:cNvPr id="2" name="Title 1">
+            <a:extLst>
+              <a:ext uri="{FF2B5EF4-FFF2-40B4-BE49-F238E27FC236}">
+                <a16:creationId xmlns:a16="http://schemas.microsoft.com/office/drawing/2014/main" id="{F658B580-CF60-4026-B8D8-5EEDFCFED2B7}"/>
+              </a:ext>
+            </a:extLst>
+          </p:cNvPr>
+          <p:cNvSpPr>
+            <a:spLocks noGrp="1"/>
+          </p:cNvSpPr>
+          <p:nvPr>
+            <p:ph type="title"/>
+          </p:nvPr>
+        </p:nvSpPr>
+        <p:spPr>
+          <a:xfrm>
+            <a:off x="336884" y="742951"/>
+            <a:ext cx="4332307" cy="4962524"/>
+          </a:xfrm>
+        </p:spPr>
+        <p:txBody>
+          <a:bodyPr vert="horz" lIns="91440" tIns="45720" rIns="91440" bIns="45720" rtlCol="0" anchor="ctr">
+            <a:normAutofit/>
+          </a:bodyPr>
+          <a:lstStyle/>
+          <a:p>
+            <a:pPr algn="ctr"/>
+            <a:r>
+              <a:rPr lang="en-US" sz="4800" b="1" kern="1200" dirty="0" err="1">
+                <a:solidFill>
+                  <a:srgbClr val="FFFFFF"/>
+                </a:solidFill>
+                <a:latin typeface="+mj-lt"/>
+                <a:ea typeface="+mj-ea"/>
+                <a:cs typeface="+mj-cs"/>
+              </a:rPr>
+              <a:t>Naloga</a:t>
+            </a:r>
+            <a:r>
+              <a:rPr lang="en-US" sz="4800" b="1" kern="1200" dirty="0">
+                <a:solidFill>
+                  <a:srgbClr val="FFFFFF"/>
+                </a:solidFill>
+                <a:latin typeface="+mj-lt"/>
+                <a:ea typeface="+mj-ea"/>
+                <a:cs typeface="+mj-cs"/>
+              </a:rPr>
+              <a:t> 3 </a:t>
+            </a:r>
+            <a:r>
+              <a:rPr lang="en-US" sz="4800" kern="1200" dirty="0">
+                <a:solidFill>
+                  <a:srgbClr val="FFFFFF"/>
+                </a:solidFill>
+                <a:latin typeface="+mj-lt"/>
+                <a:ea typeface="+mj-ea"/>
+                <a:cs typeface="+mj-cs"/>
+              </a:rPr>
+              <a:t>program </a:t>
+            </a:r>
+            <a:r>
+              <a:rPr lang="en-US" sz="4800" kern="1200" dirty="0" err="1">
+                <a:solidFill>
+                  <a:srgbClr val="FFFFFF"/>
+                </a:solidFill>
+                <a:latin typeface="+mj-lt"/>
+                <a:ea typeface="+mj-ea"/>
+                <a:cs typeface="+mj-cs"/>
+              </a:rPr>
+              <a:t>simulacije</a:t>
+            </a:r>
+            <a:r>
+              <a:rPr lang="en-US" sz="4800" kern="1200" dirty="0">
+                <a:solidFill>
+                  <a:srgbClr val="FFFFFF"/>
+                </a:solidFill>
+                <a:latin typeface="+mj-lt"/>
+                <a:ea typeface="+mj-ea"/>
+                <a:cs typeface="+mj-cs"/>
+              </a:rPr>
+              <a:t> </a:t>
+            </a:r>
+            <a:r>
+              <a:rPr lang="en-US" sz="4800" kern="1200" dirty="0" err="1">
+                <a:solidFill>
+                  <a:srgbClr val="FFFFFF"/>
+                </a:solidFill>
+                <a:latin typeface="+mj-lt"/>
+                <a:ea typeface="+mj-ea"/>
+                <a:cs typeface="+mj-cs"/>
+              </a:rPr>
+              <a:t>ekosistema</a:t>
+            </a:r>
+            <a:endParaRPr lang="en-US" sz="4800" kern="1200" dirty="0">
+              <a:solidFill>
+                <a:srgbClr val="FFFFFF"/>
+              </a:solidFill>
+              <a:latin typeface="+mj-lt"/>
+              <a:ea typeface="+mj-ea"/>
+              <a:cs typeface="+mj-cs"/>
+            </a:endParaRPr>
+          </a:p>
+        </p:txBody>
+      </p:sp>
+      <p:pic>
+        <p:nvPicPr>
+          <p:cNvPr id="4" name="Picture 3">
+            <a:extLst>
+              <a:ext uri="{FF2B5EF4-FFF2-40B4-BE49-F238E27FC236}">
+                <a16:creationId xmlns:a16="http://schemas.microsoft.com/office/drawing/2014/main" id="{207FC827-E773-4F54-9AB5-7911051FDA6E}"/>
+              </a:ext>
+            </a:extLst>
+          </p:cNvPr>
+          <p:cNvPicPr>
+            <a:picLocks noChangeAspect="1"/>
+          </p:cNvPicPr>
+          <p:nvPr/>
+        </p:nvPicPr>
+        <p:blipFill>
+          <a:blip r:embed="rId2"/>
+          <a:stretch>
+            <a:fillRect/>
+          </a:stretch>
+        </p:blipFill>
+        <p:spPr>
+          <a:xfrm>
+            <a:off x="5153822" y="1914091"/>
+            <a:ext cx="6553545" cy="3037760"/>
+          </a:xfrm>
+          <a:prstGeom prst="rect">
+            <a:avLst/>
+          </a:prstGeom>
+        </p:spPr>
+      </p:pic>
+    </p:spTree>
+    <p:extLst>
+      <p:ext uri="{BB962C8B-B14F-4D97-AF65-F5344CB8AC3E}">
+        <p14:creationId xmlns:p14="http://schemas.microsoft.com/office/powerpoint/2010/main" val="619676478"/>
+      </p:ext>
+    </p:extLst>
+  </p:cSld>
+  <p:clrMapOvr>
+    <a:masterClrMapping/>
+  </p:clrMapOvr>
+</p:sld>
+</file>
+
+<file path=ppt/slides/slide8.xml><?xml version="1.0" encoding="utf-8"?>
+<p:sld xmlns:a="http://schemas.openxmlformats.org/drawingml/2006/main" xmlns:r="http://schemas.openxmlformats.org/officeDocument/2006/relationships" xmlns:p="http://schemas.openxmlformats.org/presentationml/2006/main">
+  <p:cSld>
+    <p:bg>
+      <p:bgPr>
+        <a:solidFill>
+          <a:schemeClr val="bg1"/>
+        </a:solidFill>
+        <a:effectLst/>
+      </p:bgPr>
+    </p:bg>
+    <p:spTree>
+      <p:nvGrpSpPr>
+        <p:cNvPr id="1" name=""/>
+        <p:cNvGrpSpPr/>
+        <p:nvPr/>
+      </p:nvGrpSpPr>
+      <p:grpSpPr>
+        <a:xfrm>
+          <a:off x="0" y="0"/>
+          <a:ext cx="0" cy="0"/>
+          <a:chOff x="0" y="0"/>
+          <a:chExt cx="0" cy="0"/>
+        </a:xfrm>
+      </p:grpSpPr>
+      <p:sp>
+        <p:nvSpPr>
+          <p:cNvPr id="17" name="Rectangle 16">
+            <a:extLst>
+              <a:ext uri="{FF2B5EF4-FFF2-40B4-BE49-F238E27FC236}">
+                <a16:creationId xmlns:a16="http://schemas.microsoft.com/office/drawing/2014/main" id="{EBF87945-A001-489F-9D9B-7D9435F0B9CA}"/>
+              </a:ext>
+              <a:ext uri="{C183D7F6-B498-43B3-948B-1728B52AA6E4}">
+                <adec:decorative xmlns:adec="http://schemas.microsoft.com/office/drawing/2017/decorative" val="1"/>
+              </a:ext>
+            </a:extLst>
+          </p:cNvPr>
+          <p:cNvSpPr>
+            <a:spLocks noGrp="1" noRot="1" noChangeAspect="1" noMove="1" noResize="1" noEditPoints="1" noAdjustHandles="1" noChangeArrowheads="1" noChangeShapeType="1" noTextEdit="1"/>
+          </p:cNvSpPr>
+          <p:nvPr>
+            <p:extLst>
+              <p:ext uri="{386F3935-93C4-4BCD-93E2-E3B085C9AB24}">
+                <p16:designElem xmlns:p16="http://schemas.microsoft.com/office/powerpoint/2015/main" val="1"/>
+              </p:ext>
+            </p:extLst>
+          </p:nvPr>
+        </p:nvSpPr>
+        <p:spPr>
+          <a:xfrm>
+            <a:off x="548639" y="347471"/>
+            <a:ext cx="11100816" cy="1801368"/>
+          </a:xfrm>
+          <a:prstGeom prst="rect">
+            <a:avLst/>
+          </a:prstGeom>
+          <a:solidFill>
+            <a:schemeClr val="tx1">
+              <a:lumMod val="75000"/>
+              <a:lumOff val="25000"/>
+            </a:schemeClr>
+          </a:solidFill>
+          <a:ln>
+            <a:noFill/>
+          </a:ln>
+        </p:spPr>
+        <p:style>
+          <a:lnRef idx="2">
+            <a:schemeClr val="accent1">
+              <a:shade val="50000"/>
+            </a:schemeClr>
+          </a:lnRef>
+          <a:fillRef idx="1">
+            <a:schemeClr val="accent1"/>
+          </a:fillRef>
+          <a:effectRef idx="0">
+            <a:schemeClr val="accent1"/>
+          </a:effectRef>
+          <a:fontRef idx="minor">
+            <a:schemeClr val="lt1"/>
+          </a:fontRef>
+        </p:style>
+        <p:txBody>
+          <a:bodyPr rtlCol="0" anchor="ctr"/>
+          <a:lstStyle/>
+          <a:p>
+            <a:pPr algn="ctr"/>
+            <a:endParaRPr lang="en-US"/>
+          </a:p>
+        </p:txBody>
+      </p:sp>
+      <p:sp>
+        <p:nvSpPr>
+          <p:cNvPr id="2" name="Title 1">
+            <a:extLst>
+              <a:ext uri="{FF2B5EF4-FFF2-40B4-BE49-F238E27FC236}">
+                <a16:creationId xmlns:a16="http://schemas.microsoft.com/office/drawing/2014/main" id="{0887AE57-EE5D-4182-81CB-22C60326DE5C}"/>
+              </a:ext>
+            </a:extLst>
+          </p:cNvPr>
+          <p:cNvSpPr>
+            <a:spLocks noGrp="1"/>
+          </p:cNvSpPr>
+          <p:nvPr>
+            <p:ph type="title"/>
+          </p:nvPr>
+        </p:nvSpPr>
+        <p:spPr>
+          <a:xfrm>
+            <a:off x="838200" y="585216"/>
+            <a:ext cx="10515600" cy="1325563"/>
+          </a:xfrm>
+        </p:spPr>
+        <p:txBody>
+          <a:bodyPr>
+            <a:normAutofit/>
+          </a:bodyPr>
+          <a:lstStyle/>
+          <a:p>
+            <a:pPr algn="ctr"/>
+            <a:r>
+              <a:rPr lang="sl-SI" b="1" dirty="0">
+                <a:solidFill>
+                  <a:schemeClr val="bg1"/>
+                </a:solidFill>
+              </a:rPr>
+              <a:t>Naloga 4</a:t>
+            </a:r>
+            <a:br>
+              <a:rPr lang="sl-SI" dirty="0">
+                <a:solidFill>
+                  <a:schemeClr val="bg1"/>
+                </a:solidFill>
+              </a:rPr>
+            </a:br>
+            <a:r>
+              <a:rPr lang="sl-SI" dirty="0">
+                <a:solidFill>
+                  <a:schemeClr val="bg1"/>
+                </a:solidFill>
+              </a:rPr>
+              <a:t>simulacija okoli stacionarne točke</a:t>
+            </a:r>
+            <a:endParaRPr lang="en-SI" dirty="0">
+              <a:solidFill>
+                <a:schemeClr val="bg1"/>
+              </a:solidFill>
+            </a:endParaRPr>
+          </a:p>
+        </p:txBody>
+      </p:sp>
+      <p:pic>
+        <p:nvPicPr>
+          <p:cNvPr id="12" name="Content Placeholder 3">
+            <a:extLst>
+              <a:ext uri="{FF2B5EF4-FFF2-40B4-BE49-F238E27FC236}">
+                <a16:creationId xmlns:a16="http://schemas.microsoft.com/office/drawing/2014/main" id="{45CFE81E-9BB3-4CEB-91B2-DD35BD92CA97}"/>
+              </a:ext>
+            </a:extLst>
+          </p:cNvPr>
+          <p:cNvPicPr>
+            <a:picLocks noChangeAspect="1"/>
+          </p:cNvPicPr>
+          <p:nvPr/>
+        </p:nvPicPr>
+        <p:blipFill rotWithShape="1">
+          <a:blip r:embed="rId2"/>
+          <a:srcRect t="23942" r="3" b="1054"/>
+          <a:stretch/>
+        </p:blipFill>
+        <p:spPr>
+          <a:xfrm>
+            <a:off x="2479351" y="2586461"/>
+            <a:ext cx="7233297" cy="4245401"/>
+          </a:xfrm>
+          <a:prstGeom prst="rect">
+            <a:avLst/>
+          </a:prstGeom>
+        </p:spPr>
+      </p:pic>
+    </p:spTree>
+    <p:extLst>
+      <p:ext uri="{BB962C8B-B14F-4D97-AF65-F5344CB8AC3E}">
+        <p14:creationId xmlns:p14="http://schemas.microsoft.com/office/powerpoint/2010/main" val="2801314826"/>
+      </p:ext>
+    </p:extLst>
+  </p:cSld>
+  <p:clrMapOvr>
+    <a:masterClrMapping/>
+  </p:clrMapOvr>
+</p:sld>
+</file>
+
+<file path=ppt/slides/slide9.xml><?xml version="1.0" encoding="utf-8"?>
 <p:sld xmlns:a="http://schemas.openxmlformats.org/drawingml/2006/main" xmlns:r="http://schemas.openxmlformats.org/officeDocument/2006/relationships" xmlns:p="http://schemas.openxmlformats.org/presentationml/2006/main">
   <p:cSld>
     <p:spTree>
@@ -3431,94 +6738,239 @@
           <a:chExt cx="0" cy="0"/>
         </a:xfrm>
       </p:grpSpPr>
-      <p:sp>
-        <p:nvSpPr>
-          <p:cNvPr id="2" name="Title 1">
-            <a:extLst>
-              <a:ext uri="{FF2B5EF4-FFF2-40B4-BE49-F238E27FC236}">
-                <a16:creationId xmlns:a16="http://schemas.microsoft.com/office/drawing/2014/main" id="{F011C09D-0161-4695-AF48-34DE45D4815E}"/>
-              </a:ext>
-            </a:extLst>
-          </p:cNvPr>
-          <p:cNvSpPr>
-            <a:spLocks noGrp="1"/>
-          </p:cNvSpPr>
-          <p:nvPr>
-            <p:ph type="title"/>
-          </p:nvPr>
-        </p:nvSpPr>
-        <p:spPr/>
-        <p:txBody>
-          <a:bodyPr/>
-          <a:lstStyle/>
-          <a:p>
-            <a:r>
-              <a:rPr lang="sl-SI" dirty="0"/>
-              <a:t>Problem</a:t>
-            </a:r>
-            <a:endParaRPr lang="en-SI" dirty="0"/>
-          </a:p>
-        </p:txBody>
-      </p:sp>
-      <p:sp>
-        <p:nvSpPr>
-          <p:cNvPr id="3" name="Content Placeholder 2">
-            <a:extLst>
-              <a:ext uri="{FF2B5EF4-FFF2-40B4-BE49-F238E27FC236}">
-                <a16:creationId xmlns:a16="http://schemas.microsoft.com/office/drawing/2014/main" id="{A848E14C-4E73-4097-AC9D-D9209D2ED4D8}"/>
-              </a:ext>
-            </a:extLst>
-          </p:cNvPr>
-          <p:cNvSpPr>
-            <a:spLocks noGrp="1"/>
-          </p:cNvSpPr>
-          <p:nvPr>
-            <p:ph idx="1"/>
-          </p:nvPr>
-        </p:nvSpPr>
-        <p:spPr/>
-        <p:txBody>
-          <a:bodyPr/>
-          <a:lstStyle/>
-          <a:p>
-            <a:endParaRPr lang="en-SI" dirty="0"/>
-          </a:p>
-        </p:txBody>
-      </p:sp>
       <p:pic>
         <p:nvPicPr>
-          <p:cNvPr id="4" name="Picture 3">
-            <a:extLst>
-              <a:ext uri="{FF2B5EF4-FFF2-40B4-BE49-F238E27FC236}">
-                <a16:creationId xmlns:a16="http://schemas.microsoft.com/office/drawing/2014/main" id="{A8B5A65A-4D43-4511-B2A8-74E51E5B9721}"/>
+          <p:cNvPr id="1032" name="Picture 8">
+            <a:extLst>
+              <a:ext uri="{FF2B5EF4-FFF2-40B4-BE49-F238E27FC236}">
+                <a16:creationId xmlns:a16="http://schemas.microsoft.com/office/drawing/2014/main" id="{6517F2BC-A176-4ABE-8A72-573FFB2786B5}"/>
               </a:ext>
             </a:extLst>
           </p:cNvPr>
           <p:cNvPicPr>
-            <a:picLocks noChangeAspect="1"/>
+            <a:picLocks noChangeAspect="1" noChangeArrowheads="1"/>
           </p:cNvPicPr>
           <p:nvPr/>
         </p:nvPicPr>
         <p:blipFill>
-          <a:blip r:embed="rId2"/>
+          <a:blip r:embed="rId3">
+            <a:extLst>
+              <a:ext uri="{28A0092B-C50C-407E-A947-70E740481C1C}">
+                <a14:useLocalDpi xmlns:a14="http://schemas.microsoft.com/office/drawing/2010/main" val="0"/>
+              </a:ext>
+            </a:extLst>
+          </a:blip>
+          <a:srcRect/>
           <a:stretch>
             <a:fillRect/>
           </a:stretch>
         </p:blipFill>
-        <p:spPr>
-          <a:xfrm>
-            <a:off x="4514461" y="2086769"/>
-            <a:ext cx="7429500" cy="3829050"/>
+        <p:spPr bwMode="auto">
+          <a:xfrm>
+            <a:off x="6060816" y="3596045"/>
+            <a:ext cx="6096000" cy="3246438"/>
           </a:xfrm>
           <a:prstGeom prst="rect">
             <a:avLst/>
           </a:prstGeom>
+          <a:noFill/>
+          <a:extLst>
+            <a:ext uri="{909E8E84-426E-40DD-AFC4-6F175D3DCCD1}">
+              <a14:hiddenFill xmlns:a14="http://schemas.microsoft.com/office/drawing/2010/main">
+                <a:solidFill>
+                  <a:srgbClr val="FFFFFF"/>
+                </a:solidFill>
+              </a14:hiddenFill>
+            </a:ext>
+          </a:extLst>
         </p:spPr>
       </p:pic>
+      <p:pic>
+        <p:nvPicPr>
+          <p:cNvPr id="1030" name="Picture 6">
+            <a:extLst>
+              <a:ext uri="{FF2B5EF4-FFF2-40B4-BE49-F238E27FC236}">
+                <a16:creationId xmlns:a16="http://schemas.microsoft.com/office/drawing/2014/main" id="{846141A1-997E-49F0-9EDC-08B1C7CF72D7}"/>
+              </a:ext>
+            </a:extLst>
+          </p:cNvPr>
+          <p:cNvPicPr>
+            <a:picLocks noChangeAspect="1" noChangeArrowheads="1"/>
+          </p:cNvPicPr>
+          <p:nvPr/>
+        </p:nvPicPr>
+        <p:blipFill>
+          <a:blip r:embed="rId4">
+            <a:extLst>
+              <a:ext uri="{28A0092B-C50C-407E-A947-70E740481C1C}">
+                <a14:useLocalDpi xmlns:a14="http://schemas.microsoft.com/office/drawing/2010/main" val="0"/>
+              </a:ext>
+            </a:extLst>
+          </a:blip>
+          <a:srcRect/>
+          <a:stretch>
+            <a:fillRect/>
+          </a:stretch>
+        </p:blipFill>
+        <p:spPr bwMode="auto">
+          <a:xfrm>
+            <a:off x="0" y="3618004"/>
+            <a:ext cx="6025630" cy="3239997"/>
+          </a:xfrm>
+          <a:prstGeom prst="rect">
+            <a:avLst/>
+          </a:prstGeom>
+          <a:noFill/>
+          <a:extLst>
+            <a:ext uri="{909E8E84-426E-40DD-AFC4-6F175D3DCCD1}">
+              <a14:hiddenFill xmlns:a14="http://schemas.microsoft.com/office/drawing/2010/main">
+                <a:solidFill>
+                  <a:srgbClr val="FFFFFF"/>
+                </a:solidFill>
+              </a14:hiddenFill>
+            </a:ext>
+          </a:extLst>
+        </p:spPr>
+      </p:pic>
+      <p:pic>
+        <p:nvPicPr>
+          <p:cNvPr id="1026" name="Picture 2">
+            <a:extLst>
+              <a:ext uri="{FF2B5EF4-FFF2-40B4-BE49-F238E27FC236}">
+                <a16:creationId xmlns:a16="http://schemas.microsoft.com/office/drawing/2014/main" id="{60346915-3533-4057-BA0D-4820E4309C08}"/>
+              </a:ext>
+            </a:extLst>
+          </p:cNvPr>
+          <p:cNvPicPr>
+            <a:picLocks noGrp="1" noChangeAspect="1" noChangeArrowheads="1"/>
+          </p:cNvPicPr>
+          <p:nvPr>
+            <p:ph idx="1"/>
+          </p:nvPr>
+        </p:nvPicPr>
+        <p:blipFill>
+          <a:blip r:embed="rId5">
+            <a:extLst>
+              <a:ext uri="{28A0092B-C50C-407E-A947-70E740481C1C}">
+                <a14:useLocalDpi xmlns:a14="http://schemas.microsoft.com/office/drawing/2010/main" val="0"/>
+              </a:ext>
+            </a:extLst>
+          </a:blip>
+          <a:srcRect/>
+          <a:stretch>
+            <a:fillRect/>
+          </a:stretch>
+        </p:blipFill>
+        <p:spPr bwMode="auto">
+          <a:xfrm>
+            <a:off x="-401507" y="-21960"/>
+            <a:ext cx="6444730" cy="3618005"/>
+          </a:xfrm>
+          <a:prstGeom prst="rect">
+            <a:avLst/>
+          </a:prstGeom>
+          <a:noFill/>
+          <a:extLst>
+            <a:ext uri="{909E8E84-426E-40DD-AFC4-6F175D3DCCD1}">
+              <a14:hiddenFill xmlns:a14="http://schemas.microsoft.com/office/drawing/2010/main">
+                <a:solidFill>
+                  <a:srgbClr val="FFFFFF"/>
+                </a:solidFill>
+              </a14:hiddenFill>
+            </a:ext>
+          </a:extLst>
+        </p:spPr>
+      </p:pic>
+      <p:pic>
+        <p:nvPicPr>
+          <p:cNvPr id="1028" name="Picture 4">
+            <a:extLst>
+              <a:ext uri="{FF2B5EF4-FFF2-40B4-BE49-F238E27FC236}">
+                <a16:creationId xmlns:a16="http://schemas.microsoft.com/office/drawing/2014/main" id="{AF00373C-CC6C-49D9-9AF9-D63FEE1BA7AD}"/>
+              </a:ext>
+            </a:extLst>
+          </p:cNvPr>
+          <p:cNvPicPr>
+            <a:picLocks noChangeAspect="1" noChangeArrowheads="1"/>
+          </p:cNvPicPr>
+          <p:nvPr/>
+        </p:nvPicPr>
+        <p:blipFill>
+          <a:blip r:embed="rId6">
+            <a:extLst>
+              <a:ext uri="{28A0092B-C50C-407E-A947-70E740481C1C}">
+                <a14:useLocalDpi xmlns:a14="http://schemas.microsoft.com/office/drawing/2010/main" val="0"/>
+              </a:ext>
+            </a:extLst>
+          </a:blip>
+          <a:srcRect/>
+          <a:stretch>
+            <a:fillRect/>
+          </a:stretch>
+        </p:blipFill>
+        <p:spPr bwMode="auto">
+          <a:xfrm>
+            <a:off x="6060816" y="-2"/>
+            <a:ext cx="6096000" cy="3555969"/>
+          </a:xfrm>
+          <a:prstGeom prst="rect">
+            <a:avLst/>
+          </a:prstGeom>
+          <a:noFill/>
+          <a:extLst>
+            <a:ext uri="{909E8E84-426E-40DD-AFC4-6F175D3DCCD1}">
+              <a14:hiddenFill xmlns:a14="http://schemas.microsoft.com/office/drawing/2010/main">
+                <a:solidFill>
+                  <a:srgbClr val="FFFFFF"/>
+                </a:solidFill>
+              </a14:hiddenFill>
+            </a:ext>
+          </a:extLst>
+        </p:spPr>
+      </p:pic>
+      <p:sp>
+        <p:nvSpPr>
+          <p:cNvPr id="2" name="Title 1">
+            <a:extLst>
+              <a:ext uri="{FF2B5EF4-FFF2-40B4-BE49-F238E27FC236}">
+                <a16:creationId xmlns:a16="http://schemas.microsoft.com/office/drawing/2014/main" id="{974FCF30-68D8-48F1-933E-C371712B3339}"/>
+              </a:ext>
+            </a:extLst>
+          </p:cNvPr>
+          <p:cNvSpPr>
+            <a:spLocks noGrp="1"/>
+          </p:cNvSpPr>
+          <p:nvPr>
+            <p:ph type="title"/>
+          </p:nvPr>
+        </p:nvSpPr>
+        <p:spPr>
+          <a:xfrm>
+            <a:off x="105556" y="2995301"/>
+            <a:ext cx="12121632" cy="1325563"/>
+          </a:xfrm>
+        </p:spPr>
+        <p:txBody>
+          <a:bodyPr/>
+          <a:lstStyle/>
+          <a:p>
+            <a:pPr algn="ctr"/>
+            <a:r>
+              <a:rPr lang="sl-SI" sz="5000" b="1" dirty="0"/>
+              <a:t>Naloga</a:t>
+            </a:r>
+            <a:r>
+              <a:rPr lang="sl-SI" b="1" dirty="0"/>
+              <a:t> 5</a:t>
+            </a:r>
+            <a:endParaRPr lang="en-SI" dirty="0"/>
+          </a:p>
+        </p:txBody>
+      </p:sp>
     </p:spTree>
     <p:extLst>
       <p:ext uri="{BB962C8B-B14F-4D97-AF65-F5344CB8AC3E}">
-        <p14:creationId xmlns:p14="http://schemas.microsoft.com/office/powerpoint/2010/main" val="3050416763"/>
+        <p14:creationId xmlns:p14="http://schemas.microsoft.com/office/powerpoint/2010/main" val="3188408770"/>
       </p:ext>
     </p:extLst>
   </p:cSld>
@@ -3821,4 +7273,299 @@
     </a:ext>
   </a:extLst>
 </a:theme>
+</file>
+
+<file path=ppt/theme/theme2.xml><?xml version="1.0" encoding="utf-8"?>
+<a:theme xmlns:a="http://schemas.openxmlformats.org/drawingml/2006/main" name="Office Theme">
+  <a:themeElements>
+    <a:clrScheme name="Office">
+      <a:dk1>
+        <a:sysClr val="windowText" lastClr="000000"/>
+      </a:dk1>
+      <a:lt1>
+        <a:sysClr val="window" lastClr="FFFFFF"/>
+      </a:lt1>
+      <a:dk2>
+        <a:srgbClr val="44546A"/>
+      </a:dk2>
+      <a:lt2>
+        <a:srgbClr val="E7E6E6"/>
+      </a:lt2>
+      <a:accent1>
+        <a:srgbClr val="4472C4"/>
+      </a:accent1>
+      <a:accent2>
+        <a:srgbClr val="ED7D31"/>
+      </a:accent2>
+      <a:accent3>
+        <a:srgbClr val="A5A5A5"/>
+      </a:accent3>
+      <a:accent4>
+        <a:srgbClr val="FFC000"/>
+      </a:accent4>
+      <a:accent5>
+        <a:srgbClr val="5B9BD5"/>
+      </a:accent5>
+      <a:accent6>
+        <a:srgbClr val="70AD47"/>
+      </a:accent6>
+      <a:hlink>
+        <a:srgbClr val="0563C1"/>
+      </a:hlink>
+      <a:folHlink>
+        <a:srgbClr val="954F72"/>
+      </a:folHlink>
+    </a:clrScheme>
+    <a:fontScheme name="Office">
+      <a:majorFont>
+        <a:latin typeface="Calibri Light" panose="020F0302020204030204"/>
+        <a:ea typeface=""/>
+        <a:cs typeface=""/>
+        <a:font script="Jpan" typeface="游ゴシック Light"/>
+        <a:font script="Hang" typeface="맑은 고딕"/>
+        <a:font script="Hans" typeface="等线 Light"/>
+        <a:font script="Hant" typeface="新細明體"/>
+        <a:font script="Arab" typeface="Times New Roman"/>
+        <a:font script="Hebr" typeface="Times New Roman"/>
+        <a:font script="Thai" typeface="Angsana New"/>
+        <a:font script="Ethi" typeface="Nyala"/>
+        <a:font script="Beng" typeface="Vrinda"/>
+        <a:font script="Gujr" typeface="Shruti"/>
+        <a:font script="Khmr" typeface="MoolBoran"/>
+        <a:font script="Knda" typeface="Tunga"/>
+        <a:font script="Guru" typeface="Raavi"/>
+        <a:font script="Cans" typeface="Euphemia"/>
+        <a:font script="Cher" typeface="Plantagenet Cherokee"/>
+        <a:font script="Yiii" typeface="Microsoft Yi Baiti"/>
+        <a:font script="Tibt" typeface="Microsoft Himalaya"/>
+        <a:font script="Thaa" typeface="MV Boli"/>
+        <a:font script="Deva" typeface="Mangal"/>
+        <a:font script="Telu" typeface="Gautami"/>
+        <a:font script="Taml" typeface="Latha"/>
+        <a:font script="Syrc" typeface="Estrangelo Edessa"/>
+        <a:font script="Orya" typeface="Kalinga"/>
+        <a:font script="Mlym" typeface="Kartika"/>
+        <a:font script="Laoo" typeface="DokChampa"/>
+        <a:font script="Sinh" typeface="Iskoola Pota"/>
+        <a:font script="Mong" typeface="Mongolian Baiti"/>
+        <a:font script="Viet" typeface="Times New Roman"/>
+        <a:font script="Uigh" typeface="Microsoft Uighur"/>
+        <a:font script="Geor" typeface="Sylfaen"/>
+        <a:font script="Armn" typeface="Arial"/>
+        <a:font script="Bugi" typeface="Leelawadee UI"/>
+        <a:font script="Bopo" typeface="Microsoft JhengHei"/>
+        <a:font script="Java" typeface="Javanese Text"/>
+        <a:font script="Lisu" typeface="Segoe UI"/>
+        <a:font script="Mymr" typeface="Myanmar Text"/>
+        <a:font script="Nkoo" typeface="Ebrima"/>
+        <a:font script="Olck" typeface="Nirmala UI"/>
+        <a:font script="Osma" typeface="Ebrima"/>
+        <a:font script="Phag" typeface="Phagspa"/>
+        <a:font script="Syrn" typeface="Estrangelo Edessa"/>
+        <a:font script="Syrj" typeface="Estrangelo Edessa"/>
+        <a:font script="Syre" typeface="Estrangelo Edessa"/>
+        <a:font script="Sora" typeface="Nirmala UI"/>
+        <a:font script="Tale" typeface="Microsoft Tai Le"/>
+        <a:font script="Talu" typeface="Microsoft New Tai Lue"/>
+        <a:font script="Tfng" typeface="Ebrima"/>
+      </a:majorFont>
+      <a:minorFont>
+        <a:latin typeface="Calibri" panose="020F0502020204030204"/>
+        <a:ea typeface=""/>
+        <a:cs typeface=""/>
+        <a:font script="Jpan" typeface="游ゴシック"/>
+        <a:font script="Hang" typeface="맑은 고딕"/>
+        <a:font script="Hans" typeface="等线"/>
+        <a:font script="Hant" typeface="新細明體"/>
+        <a:font script="Arab" typeface="Arial"/>
+        <a:font script="Hebr" typeface="Arial"/>
+        <a:font script="Thai" typeface="Cordia New"/>
+        <a:font script="Ethi" typeface="Nyala"/>
+        <a:font script="Beng" typeface="Vrinda"/>
+        <a:font script="Gujr" typeface="Shruti"/>
+        <a:font script="Khmr" typeface="DaunPenh"/>
+        <a:font script="Knda" typeface="Tunga"/>
+        <a:font script="Guru" typeface="Raavi"/>
+        <a:font script="Cans" typeface="Euphemia"/>
+        <a:font script="Cher" typeface="Plantagenet Cherokee"/>
+        <a:font script="Yiii" typeface="Microsoft Yi Baiti"/>
+        <a:font script="Tibt" typeface="Microsoft Himalaya"/>
+        <a:font script="Thaa" typeface="MV Boli"/>
+        <a:font script="Deva" typeface="Mangal"/>
+        <a:font script="Telu" typeface="Gautami"/>
+        <a:font script="Taml" typeface="Latha"/>
+        <a:font script="Syrc" typeface="Estrangelo Edessa"/>
+        <a:font script="Orya" typeface="Kalinga"/>
+        <a:font script="Mlym" typeface="Kartika"/>
+        <a:font script="Laoo" typeface="DokChampa"/>
+        <a:font script="Sinh" typeface="Iskoola Pota"/>
+        <a:font script="Mong" typeface="Mongolian Baiti"/>
+        <a:font script="Viet" typeface="Arial"/>
+        <a:font script="Uigh" typeface="Microsoft Uighur"/>
+        <a:font script="Geor" typeface="Sylfaen"/>
+        <a:font script="Armn" typeface="Arial"/>
+        <a:font script="Bugi" typeface="Leelawadee UI"/>
+        <a:font script="Bopo" typeface="Microsoft JhengHei"/>
+        <a:font script="Java" typeface="Javanese Text"/>
+        <a:font script="Lisu" typeface="Segoe UI"/>
+        <a:font script="Mymr" typeface="Myanmar Text"/>
+        <a:font script="Nkoo" typeface="Ebrima"/>
+        <a:font script="Olck" typeface="Nirmala UI"/>
+        <a:font script="Osma" typeface="Ebrima"/>
+        <a:font script="Phag" typeface="Phagspa"/>
+        <a:font script="Syrn" typeface="Estrangelo Edessa"/>
+        <a:font script="Syrj" typeface="Estrangelo Edessa"/>
+        <a:font script="Syre" typeface="Estrangelo Edessa"/>
+        <a:font script="Sora" typeface="Nirmala UI"/>
+        <a:font script="Tale" typeface="Microsoft Tai Le"/>
+        <a:font script="Talu" typeface="Microsoft New Tai Lue"/>
+        <a:font script="Tfng" typeface="Ebrima"/>
+      </a:minorFont>
+    </a:fontScheme>
+    <a:fmtScheme name="Office">
+      <a:fillStyleLst>
+        <a:solidFill>
+          <a:schemeClr val="phClr"/>
+        </a:solidFill>
+        <a:gradFill rotWithShape="1">
+          <a:gsLst>
+            <a:gs pos="0">
+              <a:schemeClr val="phClr">
+                <a:lumMod val="110000"/>
+                <a:satMod val="105000"/>
+                <a:tint val="67000"/>
+              </a:schemeClr>
+            </a:gs>
+            <a:gs pos="50000">
+              <a:schemeClr val="phClr">
+                <a:lumMod val="105000"/>
+                <a:satMod val="103000"/>
+                <a:tint val="73000"/>
+              </a:schemeClr>
+            </a:gs>
+            <a:gs pos="100000">
+              <a:schemeClr val="phClr">
+                <a:lumMod val="105000"/>
+                <a:satMod val="109000"/>
+                <a:tint val="81000"/>
+              </a:schemeClr>
+            </a:gs>
+          </a:gsLst>
+          <a:lin ang="5400000" scaled="0"/>
+        </a:gradFill>
+        <a:gradFill rotWithShape="1">
+          <a:gsLst>
+            <a:gs pos="0">
+              <a:schemeClr val="phClr">
+                <a:satMod val="103000"/>
+                <a:lumMod val="102000"/>
+                <a:tint val="94000"/>
+              </a:schemeClr>
+            </a:gs>
+            <a:gs pos="50000">
+              <a:schemeClr val="phClr">
+                <a:satMod val="110000"/>
+                <a:lumMod val="100000"/>
+                <a:shade val="100000"/>
+              </a:schemeClr>
+            </a:gs>
+            <a:gs pos="100000">
+              <a:schemeClr val="phClr">
+                <a:lumMod val="99000"/>
+                <a:satMod val="120000"/>
+                <a:shade val="78000"/>
+              </a:schemeClr>
+            </a:gs>
+          </a:gsLst>
+          <a:lin ang="5400000" scaled="0"/>
+        </a:gradFill>
+      </a:fillStyleLst>
+      <a:lnStyleLst>
+        <a:ln w="6350" cap="flat" cmpd="sng" algn="ctr">
+          <a:solidFill>
+            <a:schemeClr val="phClr"/>
+          </a:solidFill>
+          <a:prstDash val="solid"/>
+          <a:miter lim="800000"/>
+        </a:ln>
+        <a:ln w="12700" cap="flat" cmpd="sng" algn="ctr">
+          <a:solidFill>
+            <a:schemeClr val="phClr"/>
+          </a:solidFill>
+          <a:prstDash val="solid"/>
+          <a:miter lim="800000"/>
+        </a:ln>
+        <a:ln w="19050" cap="flat" cmpd="sng" algn="ctr">
+          <a:solidFill>
+            <a:schemeClr val="phClr"/>
+          </a:solidFill>
+          <a:prstDash val="solid"/>
+          <a:miter lim="800000"/>
+        </a:ln>
+      </a:lnStyleLst>
+      <a:effectStyleLst>
+        <a:effectStyle>
+          <a:effectLst/>
+        </a:effectStyle>
+        <a:effectStyle>
+          <a:effectLst/>
+        </a:effectStyle>
+        <a:effectStyle>
+          <a:effectLst>
+            <a:outerShdw blurRad="57150" dist="19050" dir="5400000" algn="ctr" rotWithShape="0">
+              <a:srgbClr val="000000">
+                <a:alpha val="63000"/>
+              </a:srgbClr>
+            </a:outerShdw>
+          </a:effectLst>
+        </a:effectStyle>
+      </a:effectStyleLst>
+      <a:bgFillStyleLst>
+        <a:solidFill>
+          <a:schemeClr val="phClr"/>
+        </a:solidFill>
+        <a:solidFill>
+          <a:schemeClr val="phClr">
+            <a:tint val="95000"/>
+            <a:satMod val="170000"/>
+          </a:schemeClr>
+        </a:solidFill>
+        <a:gradFill rotWithShape="1">
+          <a:gsLst>
+            <a:gs pos="0">
+              <a:schemeClr val="phClr">
+                <a:tint val="93000"/>
+                <a:satMod val="150000"/>
+                <a:shade val="98000"/>
+                <a:lumMod val="102000"/>
+              </a:schemeClr>
+            </a:gs>
+            <a:gs pos="50000">
+              <a:schemeClr val="phClr">
+                <a:tint val="98000"/>
+                <a:satMod val="130000"/>
+                <a:shade val="90000"/>
+                <a:lumMod val="103000"/>
+              </a:schemeClr>
+            </a:gs>
+            <a:gs pos="100000">
+              <a:schemeClr val="phClr">
+                <a:shade val="63000"/>
+                <a:satMod val="120000"/>
+              </a:schemeClr>
+            </a:gs>
+          </a:gsLst>
+          <a:lin ang="5400000" scaled="0"/>
+        </a:gradFill>
+      </a:bgFillStyleLst>
+    </a:fmtScheme>
+  </a:themeElements>
+  <a:objectDefaults/>
+  <a:extraClrSchemeLst/>
+  <a:extLst>
+    <a:ext uri="{05A4C25C-085E-4340-85A3-A5531E510DB2}">
+      <thm15:themeFamily xmlns:thm15="http://schemas.microsoft.com/office/thememl/2012/main" name="Office Theme" id="{62F939B6-93AF-4DB8-9C6B-D6C7DFDC589F}" vid="{4A3C46E8-61CC-4603-A589-7422A47A8E4A}"/>
+    </a:ext>
+  </a:extLst>
+</a:theme>
 </file>
--- a/docs/predstavitev_Ekosistem.pptx
+++ b/docs/predstavitev_Ekosistem.pptx
@@ -5,7 +5,7 @@
     <p:sldMasterId id="2147483648" r:id="rId1"/>
   </p:sldMasterIdLst>
   <p:notesMasterIdLst>
-    <p:notesMasterId r:id="rId15"/>
+    <p:notesMasterId r:id="rId16"/>
   </p:notesMasterIdLst>
   <p:sldIdLst>
     <p:sldId id="256" r:id="rId2"/>
@@ -15,18 +15,19 @@
     <p:sldId id="260" r:id="rId6"/>
     <p:sldId id="261" r:id="rId7"/>
     <p:sldId id="262" r:id="rId8"/>
-    <p:sldId id="263" r:id="rId9"/>
-    <p:sldId id="264" r:id="rId10"/>
-    <p:sldId id="265" r:id="rId11"/>
-    <p:sldId id="266" r:id="rId12"/>
-    <p:sldId id="267" r:id="rId13"/>
-    <p:sldId id="268" r:id="rId14"/>
+    <p:sldId id="269" r:id="rId9"/>
+    <p:sldId id="263" r:id="rId10"/>
+    <p:sldId id="264" r:id="rId11"/>
+    <p:sldId id="265" r:id="rId12"/>
+    <p:sldId id="266" r:id="rId13"/>
+    <p:sldId id="267" r:id="rId14"/>
+    <p:sldId id="268" r:id="rId15"/>
   </p:sldIdLst>
   <p:sldSz cx="12192000" cy="6858000"/>
   <p:notesSz cx="6858000" cy="9144000"/>
   <p:defaultTextStyle>
     <a:defPPr>
-      <a:defRPr lang="en-SI"/>
+      <a:defRPr lang="x-none"/>
     </a:defPPr>
     <a:lvl1pPr marL="0" algn="l" defTabSz="914400" rtl="0" eaLnBrk="1" latinLnBrk="0" hangingPunct="1">
       <a:defRPr sz="1800" kern="1200">
@@ -121,7 +122,7 @@
   </p:defaultTextStyle>
   <p:extLst>
     <p:ext uri="{EFAFB233-063F-42B5-8137-9DF3F51BA10A}">
-      <p15:sldGuideLst xmlns:p15="http://schemas.microsoft.com/office/powerpoint/2012/main"/>
+      <p15:sldGuideLst xmlns:p15="http://schemas.microsoft.com/office/powerpoint/2012/main" xmlns=""/>
     </p:ext>
   </p:extLst>
 </p:presentation>
@@ -176,7 +177,7 @@
             </a:lvl1pPr>
           </a:lstStyle>
           <a:p>
-            <a:endParaRPr lang="en-SI"/>
+            <a:endParaRPr lang="x-none"/>
           </a:p>
         </p:txBody>
       </p:sp>
@@ -208,10 +209,10 @@
           </a:lstStyle>
           <a:p>
             <a:fld id="{F7B1BDCC-CEB1-4FE8-94A2-7F5EED408CF9}" type="datetimeFigureOut">
-              <a:rPr lang="en-SI" smtClean="0"/>
-              <a:t>23/05/2020</a:t>
+              <a:rPr lang="x-none" smtClean="0"/>
+              <a:t>28-May-20</a:t>
             </a:fld>
-            <a:endParaRPr lang="en-SI"/>
+            <a:endParaRPr lang="x-none"/>
           </a:p>
         </p:txBody>
       </p:sp>
@@ -244,7 +245,7 @@
           <a:bodyPr vert="horz" lIns="91440" tIns="45720" rIns="91440" bIns="45720" rtlCol="0" anchor="ctr"/>
           <a:lstStyle/>
           <a:p>
-            <a:endParaRPr lang="en-SI"/>
+            <a:endParaRPr lang="x-none"/>
           </a:p>
         </p:txBody>
       </p:sp>
@@ -304,7 +305,7 @@
               <a:rPr lang="en-US"/>
               <a:t>Fifth level</a:t>
             </a:r>
-            <a:endParaRPr lang="en-SI"/>
+            <a:endParaRPr lang="x-none"/>
           </a:p>
         </p:txBody>
       </p:sp>
@@ -335,7 +336,7 @@
             </a:lvl1pPr>
           </a:lstStyle>
           <a:p>
-            <a:endParaRPr lang="en-SI"/>
+            <a:endParaRPr lang="x-none"/>
           </a:p>
         </p:txBody>
       </p:sp>
@@ -367,10 +368,10 @@
           </a:lstStyle>
           <a:p>
             <a:fld id="{F4C9CC57-99B3-4CC3-809D-5CF774772836}" type="slidenum">
-              <a:rPr lang="en-SI" smtClean="0"/>
+              <a:rPr lang="x-none" smtClean="0"/>
               <a:t>‹#›</a:t>
             </a:fld>
-            <a:endParaRPr lang="en-SI"/>
+            <a:endParaRPr lang="x-none"/>
           </a:p>
         </p:txBody>
       </p:sp>
@@ -521,7 +522,7 @@
           <a:bodyPr/>
           <a:lstStyle/>
           <a:p>
-            <a:endParaRPr lang="en-SI" dirty="0"/>
+            <a:endParaRPr lang="x-none" dirty="0"/>
           </a:p>
         </p:txBody>
       </p:sp>
@@ -541,10 +542,10 @@
           <a:lstStyle/>
           <a:p>
             <a:fld id="{F4C9CC57-99B3-4CC3-809D-5CF774772836}" type="slidenum">
-              <a:rPr lang="en-SI" smtClean="0"/>
-              <a:t>9</a:t>
+              <a:rPr lang="x-none" smtClean="0"/>
+              <a:t>10</a:t>
             </a:fld>
-            <a:endParaRPr lang="en-SI"/>
+            <a:endParaRPr lang="x-none"/>
           </a:p>
         </p:txBody>
       </p:sp>
@@ -583,7 +584,7 @@
           <p:cNvPr id="2" name="Title 1">
             <a:extLst>
               <a:ext uri="{FF2B5EF4-FFF2-40B4-BE49-F238E27FC236}">
-                <a16:creationId xmlns:a16="http://schemas.microsoft.com/office/drawing/2014/main" id="{A7D78D52-C1AE-4B99-9D80-0CC6BE10D9E7}"/>
+                <a16:creationId xmlns:a16="http://schemas.microsoft.com/office/drawing/2014/main" xmlns="" id="{A7D78D52-C1AE-4B99-9D80-0CC6BE10D9E7}"/>
               </a:ext>
             </a:extLst>
           </p:cNvPr>
@@ -612,7 +613,7 @@
               <a:rPr lang="en-US"/>
               <a:t>Click to edit Master title style</a:t>
             </a:r>
-            <a:endParaRPr lang="en-SI"/>
+            <a:endParaRPr lang="x-none"/>
           </a:p>
         </p:txBody>
       </p:sp>
@@ -621,7 +622,7 @@
           <p:cNvPr id="3" name="Subtitle 2">
             <a:extLst>
               <a:ext uri="{FF2B5EF4-FFF2-40B4-BE49-F238E27FC236}">
-                <a16:creationId xmlns:a16="http://schemas.microsoft.com/office/drawing/2014/main" id="{16A96ED7-2C4E-4A86-A098-BF37967527D2}"/>
+                <a16:creationId xmlns:a16="http://schemas.microsoft.com/office/drawing/2014/main" xmlns="" id="{16A96ED7-2C4E-4A86-A098-BF37967527D2}"/>
               </a:ext>
             </a:extLst>
           </p:cNvPr>
@@ -683,7 +684,7 @@
               <a:rPr lang="en-US"/>
               <a:t>Click to edit Master subtitle style</a:t>
             </a:r>
-            <a:endParaRPr lang="en-SI"/>
+            <a:endParaRPr lang="x-none"/>
           </a:p>
         </p:txBody>
       </p:sp>
@@ -692,7 +693,7 @@
           <p:cNvPr id="4" name="Date Placeholder 3">
             <a:extLst>
               <a:ext uri="{FF2B5EF4-FFF2-40B4-BE49-F238E27FC236}">
-                <a16:creationId xmlns:a16="http://schemas.microsoft.com/office/drawing/2014/main" id="{821635A7-AF6B-47B3-BC7A-1875584E4D79}"/>
+                <a16:creationId xmlns:a16="http://schemas.microsoft.com/office/drawing/2014/main" xmlns="" id="{821635A7-AF6B-47B3-BC7A-1875584E4D79}"/>
               </a:ext>
             </a:extLst>
           </p:cNvPr>
@@ -709,10 +710,10 @@
           <a:lstStyle/>
           <a:p>
             <a:fld id="{8FC252FD-C355-4DC5-9311-933EE66BE56D}" type="datetimeFigureOut">
-              <a:rPr lang="en-SI" smtClean="0"/>
-              <a:t>23/05/2020</a:t>
+              <a:rPr lang="x-none" smtClean="0"/>
+              <a:t>28-May-20</a:t>
             </a:fld>
-            <a:endParaRPr lang="en-SI"/>
+            <a:endParaRPr lang="x-none"/>
           </a:p>
         </p:txBody>
       </p:sp>
@@ -721,7 +722,7 @@
           <p:cNvPr id="5" name="Footer Placeholder 4">
             <a:extLst>
               <a:ext uri="{FF2B5EF4-FFF2-40B4-BE49-F238E27FC236}">
-                <a16:creationId xmlns:a16="http://schemas.microsoft.com/office/drawing/2014/main" id="{065FC707-72DD-45A3-AE00-5AEE6A51BA33}"/>
+                <a16:creationId xmlns:a16="http://schemas.microsoft.com/office/drawing/2014/main" xmlns="" id="{065FC707-72DD-45A3-AE00-5AEE6A51BA33}"/>
               </a:ext>
             </a:extLst>
           </p:cNvPr>
@@ -737,7 +738,7 @@
           <a:bodyPr/>
           <a:lstStyle/>
           <a:p>
-            <a:endParaRPr lang="en-SI"/>
+            <a:endParaRPr lang="x-none"/>
           </a:p>
         </p:txBody>
       </p:sp>
@@ -746,7 +747,7 @@
           <p:cNvPr id="6" name="Slide Number Placeholder 5">
             <a:extLst>
               <a:ext uri="{FF2B5EF4-FFF2-40B4-BE49-F238E27FC236}">
-                <a16:creationId xmlns:a16="http://schemas.microsoft.com/office/drawing/2014/main" id="{9C9B8682-9A04-474B-AABC-457278658F02}"/>
+                <a16:creationId xmlns:a16="http://schemas.microsoft.com/office/drawing/2014/main" xmlns="" id="{9C9B8682-9A04-474B-AABC-457278658F02}"/>
               </a:ext>
             </a:extLst>
           </p:cNvPr>
@@ -763,10 +764,10 @@
           <a:lstStyle/>
           <a:p>
             <a:fld id="{0A447BD6-444B-47D4-9347-B68E9B07D266}" type="slidenum">
-              <a:rPr lang="en-SI" smtClean="0"/>
+              <a:rPr lang="x-none" smtClean="0"/>
               <a:t>‹#›</a:t>
             </a:fld>
-            <a:endParaRPr lang="en-SI"/>
+            <a:endParaRPr lang="x-none"/>
           </a:p>
         </p:txBody>
       </p:sp>
@@ -805,7 +806,7 @@
           <p:cNvPr id="2" name="Title 1">
             <a:extLst>
               <a:ext uri="{FF2B5EF4-FFF2-40B4-BE49-F238E27FC236}">
-                <a16:creationId xmlns:a16="http://schemas.microsoft.com/office/drawing/2014/main" id="{9C9E44FC-60B7-4476-AF2E-76A8BC587EAE}"/>
+                <a16:creationId xmlns:a16="http://schemas.microsoft.com/office/drawing/2014/main" xmlns="" id="{9C9E44FC-60B7-4476-AF2E-76A8BC587EAE}"/>
               </a:ext>
             </a:extLst>
           </p:cNvPr>
@@ -825,7 +826,7 @@
               <a:rPr lang="en-US"/>
               <a:t>Click to edit Master title style</a:t>
             </a:r>
-            <a:endParaRPr lang="en-SI"/>
+            <a:endParaRPr lang="x-none"/>
           </a:p>
         </p:txBody>
       </p:sp>
@@ -834,7 +835,7 @@
           <p:cNvPr id="3" name="Vertical Text Placeholder 2">
             <a:extLst>
               <a:ext uri="{FF2B5EF4-FFF2-40B4-BE49-F238E27FC236}">
-                <a16:creationId xmlns:a16="http://schemas.microsoft.com/office/drawing/2014/main" id="{59F2B7E2-6EC0-401D-A724-FEFC85BB8730}"/>
+                <a16:creationId xmlns:a16="http://schemas.microsoft.com/office/drawing/2014/main" xmlns="" id="{59F2B7E2-6EC0-401D-A724-FEFC85BB8730}"/>
               </a:ext>
             </a:extLst>
           </p:cNvPr>
@@ -883,7 +884,7 @@
               <a:rPr lang="en-US"/>
               <a:t>Fifth level</a:t>
             </a:r>
-            <a:endParaRPr lang="en-SI"/>
+            <a:endParaRPr lang="x-none"/>
           </a:p>
         </p:txBody>
       </p:sp>
@@ -892,7 +893,7 @@
           <p:cNvPr id="4" name="Date Placeholder 3">
             <a:extLst>
               <a:ext uri="{FF2B5EF4-FFF2-40B4-BE49-F238E27FC236}">
-                <a16:creationId xmlns:a16="http://schemas.microsoft.com/office/drawing/2014/main" id="{76F8B524-9F6D-46D6-B920-FF1D7B739F94}"/>
+                <a16:creationId xmlns:a16="http://schemas.microsoft.com/office/drawing/2014/main" xmlns="" id="{76F8B524-9F6D-46D6-B920-FF1D7B739F94}"/>
               </a:ext>
             </a:extLst>
           </p:cNvPr>
@@ -909,10 +910,10 @@
           <a:lstStyle/>
           <a:p>
             <a:fld id="{8FC252FD-C355-4DC5-9311-933EE66BE56D}" type="datetimeFigureOut">
-              <a:rPr lang="en-SI" smtClean="0"/>
-              <a:t>23/05/2020</a:t>
+              <a:rPr lang="x-none" smtClean="0"/>
+              <a:t>28-May-20</a:t>
             </a:fld>
-            <a:endParaRPr lang="en-SI"/>
+            <a:endParaRPr lang="x-none"/>
           </a:p>
         </p:txBody>
       </p:sp>
@@ -921,7 +922,7 @@
           <p:cNvPr id="5" name="Footer Placeholder 4">
             <a:extLst>
               <a:ext uri="{FF2B5EF4-FFF2-40B4-BE49-F238E27FC236}">
-                <a16:creationId xmlns:a16="http://schemas.microsoft.com/office/drawing/2014/main" id="{E228784E-5076-4B4A-8397-1F4D6731AE9B}"/>
+                <a16:creationId xmlns:a16="http://schemas.microsoft.com/office/drawing/2014/main" xmlns="" id="{E228784E-5076-4B4A-8397-1F4D6731AE9B}"/>
               </a:ext>
             </a:extLst>
           </p:cNvPr>
@@ -937,7 +938,7 @@
           <a:bodyPr/>
           <a:lstStyle/>
           <a:p>
-            <a:endParaRPr lang="en-SI"/>
+            <a:endParaRPr lang="x-none"/>
           </a:p>
         </p:txBody>
       </p:sp>
@@ -946,7 +947,7 @@
           <p:cNvPr id="6" name="Slide Number Placeholder 5">
             <a:extLst>
               <a:ext uri="{FF2B5EF4-FFF2-40B4-BE49-F238E27FC236}">
-                <a16:creationId xmlns:a16="http://schemas.microsoft.com/office/drawing/2014/main" id="{7A557E18-03A5-4FE8-AD8E-04759D08633D}"/>
+                <a16:creationId xmlns:a16="http://schemas.microsoft.com/office/drawing/2014/main" xmlns="" id="{7A557E18-03A5-4FE8-AD8E-04759D08633D}"/>
               </a:ext>
             </a:extLst>
           </p:cNvPr>
@@ -963,10 +964,10 @@
           <a:lstStyle/>
           <a:p>
             <a:fld id="{0A447BD6-444B-47D4-9347-B68E9B07D266}" type="slidenum">
-              <a:rPr lang="en-SI" smtClean="0"/>
+              <a:rPr lang="x-none" smtClean="0"/>
               <a:t>‹#›</a:t>
             </a:fld>
-            <a:endParaRPr lang="en-SI"/>
+            <a:endParaRPr lang="x-none"/>
           </a:p>
         </p:txBody>
       </p:sp>
@@ -1005,7 +1006,7 @@
           <p:cNvPr id="2" name="Vertical Title 1">
             <a:extLst>
               <a:ext uri="{FF2B5EF4-FFF2-40B4-BE49-F238E27FC236}">
-                <a16:creationId xmlns:a16="http://schemas.microsoft.com/office/drawing/2014/main" id="{E3D33402-4063-405C-A6B3-B522013E56D3}"/>
+                <a16:creationId xmlns:a16="http://schemas.microsoft.com/office/drawing/2014/main" xmlns="" id="{E3D33402-4063-405C-A6B3-B522013E56D3}"/>
               </a:ext>
             </a:extLst>
           </p:cNvPr>
@@ -1030,7 +1031,7 @@
               <a:rPr lang="en-US"/>
               <a:t>Click to edit Master title style</a:t>
             </a:r>
-            <a:endParaRPr lang="en-SI"/>
+            <a:endParaRPr lang="x-none"/>
           </a:p>
         </p:txBody>
       </p:sp>
@@ -1039,7 +1040,7 @@
           <p:cNvPr id="3" name="Vertical Text Placeholder 2">
             <a:extLst>
               <a:ext uri="{FF2B5EF4-FFF2-40B4-BE49-F238E27FC236}">
-                <a16:creationId xmlns:a16="http://schemas.microsoft.com/office/drawing/2014/main" id="{2ED9F81C-4522-43A8-A1DC-F9586252F362}"/>
+                <a16:creationId xmlns:a16="http://schemas.microsoft.com/office/drawing/2014/main" xmlns="" id="{2ED9F81C-4522-43A8-A1DC-F9586252F362}"/>
               </a:ext>
             </a:extLst>
           </p:cNvPr>
@@ -1093,7 +1094,7 @@
               <a:rPr lang="en-US"/>
               <a:t>Fifth level</a:t>
             </a:r>
-            <a:endParaRPr lang="en-SI"/>
+            <a:endParaRPr lang="x-none"/>
           </a:p>
         </p:txBody>
       </p:sp>
@@ -1102,7 +1103,7 @@
           <p:cNvPr id="4" name="Date Placeholder 3">
             <a:extLst>
               <a:ext uri="{FF2B5EF4-FFF2-40B4-BE49-F238E27FC236}">
-                <a16:creationId xmlns:a16="http://schemas.microsoft.com/office/drawing/2014/main" id="{3C8C9C8C-BF20-45C1-A1E3-83C3AB9BF77F}"/>
+                <a16:creationId xmlns:a16="http://schemas.microsoft.com/office/drawing/2014/main" xmlns="" id="{3C8C9C8C-BF20-45C1-A1E3-83C3AB9BF77F}"/>
               </a:ext>
             </a:extLst>
           </p:cNvPr>
@@ -1119,10 +1120,10 @@
           <a:lstStyle/>
           <a:p>
             <a:fld id="{8FC252FD-C355-4DC5-9311-933EE66BE56D}" type="datetimeFigureOut">
-              <a:rPr lang="en-SI" smtClean="0"/>
-              <a:t>23/05/2020</a:t>
+              <a:rPr lang="x-none" smtClean="0"/>
+              <a:t>28-May-20</a:t>
             </a:fld>
-            <a:endParaRPr lang="en-SI"/>
+            <a:endParaRPr lang="x-none"/>
           </a:p>
         </p:txBody>
       </p:sp>
@@ -1131,7 +1132,7 @@
           <p:cNvPr id="5" name="Footer Placeholder 4">
             <a:extLst>
               <a:ext uri="{FF2B5EF4-FFF2-40B4-BE49-F238E27FC236}">
-                <a16:creationId xmlns:a16="http://schemas.microsoft.com/office/drawing/2014/main" id="{75346EB2-AD78-40AF-BD9B-9E3D8D5819C0}"/>
+                <a16:creationId xmlns:a16="http://schemas.microsoft.com/office/drawing/2014/main" xmlns="" id="{75346EB2-AD78-40AF-BD9B-9E3D8D5819C0}"/>
               </a:ext>
             </a:extLst>
           </p:cNvPr>
@@ -1147,7 +1148,7 @@
           <a:bodyPr/>
           <a:lstStyle/>
           <a:p>
-            <a:endParaRPr lang="en-SI"/>
+            <a:endParaRPr lang="x-none"/>
           </a:p>
         </p:txBody>
       </p:sp>
@@ -1156,7 +1157,7 @@
           <p:cNvPr id="6" name="Slide Number Placeholder 5">
             <a:extLst>
               <a:ext uri="{FF2B5EF4-FFF2-40B4-BE49-F238E27FC236}">
-                <a16:creationId xmlns:a16="http://schemas.microsoft.com/office/drawing/2014/main" id="{9D911B81-582C-4E6B-9660-C000E787B239}"/>
+                <a16:creationId xmlns:a16="http://schemas.microsoft.com/office/drawing/2014/main" xmlns="" id="{9D911B81-582C-4E6B-9660-C000E787B239}"/>
               </a:ext>
             </a:extLst>
           </p:cNvPr>
@@ -1173,10 +1174,10 @@
           <a:lstStyle/>
           <a:p>
             <a:fld id="{0A447BD6-444B-47D4-9347-B68E9B07D266}" type="slidenum">
-              <a:rPr lang="en-SI" smtClean="0"/>
+              <a:rPr lang="x-none" smtClean="0"/>
               <a:t>‹#›</a:t>
             </a:fld>
-            <a:endParaRPr lang="en-SI"/>
+            <a:endParaRPr lang="x-none"/>
           </a:p>
         </p:txBody>
       </p:sp>
@@ -1215,7 +1216,7 @@
           <p:cNvPr id="2" name="Title 1">
             <a:extLst>
               <a:ext uri="{FF2B5EF4-FFF2-40B4-BE49-F238E27FC236}">
-                <a16:creationId xmlns:a16="http://schemas.microsoft.com/office/drawing/2014/main" id="{D5553180-F55A-4EF8-9B2B-7E325DFE8A22}"/>
+                <a16:creationId xmlns:a16="http://schemas.microsoft.com/office/drawing/2014/main" xmlns="" id="{D5553180-F55A-4EF8-9B2B-7E325DFE8A22}"/>
               </a:ext>
             </a:extLst>
           </p:cNvPr>
@@ -1235,7 +1236,7 @@
               <a:rPr lang="en-US"/>
               <a:t>Click to edit Master title style</a:t>
             </a:r>
-            <a:endParaRPr lang="en-SI"/>
+            <a:endParaRPr lang="x-none"/>
           </a:p>
         </p:txBody>
       </p:sp>
@@ -1244,7 +1245,7 @@
           <p:cNvPr id="3" name="Content Placeholder 2">
             <a:extLst>
               <a:ext uri="{FF2B5EF4-FFF2-40B4-BE49-F238E27FC236}">
-                <a16:creationId xmlns:a16="http://schemas.microsoft.com/office/drawing/2014/main" id="{1E534359-B0D6-47AE-8308-FFAAC2492735}"/>
+                <a16:creationId xmlns:a16="http://schemas.microsoft.com/office/drawing/2014/main" xmlns="" id="{1E534359-B0D6-47AE-8308-FFAAC2492735}"/>
               </a:ext>
             </a:extLst>
           </p:cNvPr>
@@ -1293,7 +1294,7 @@
               <a:rPr lang="en-US"/>
               <a:t>Fifth level</a:t>
             </a:r>
-            <a:endParaRPr lang="en-SI"/>
+            <a:endParaRPr lang="x-none"/>
           </a:p>
         </p:txBody>
       </p:sp>
@@ -1302,7 +1303,7 @@
           <p:cNvPr id="4" name="Date Placeholder 3">
             <a:extLst>
               <a:ext uri="{FF2B5EF4-FFF2-40B4-BE49-F238E27FC236}">
-                <a16:creationId xmlns:a16="http://schemas.microsoft.com/office/drawing/2014/main" id="{0AF97E45-7622-4C8D-ADDB-A27ACE48FEF5}"/>
+                <a16:creationId xmlns:a16="http://schemas.microsoft.com/office/drawing/2014/main" xmlns="" id="{0AF97E45-7622-4C8D-ADDB-A27ACE48FEF5}"/>
               </a:ext>
             </a:extLst>
           </p:cNvPr>
@@ -1319,10 +1320,10 @@
           <a:lstStyle/>
           <a:p>
             <a:fld id="{8FC252FD-C355-4DC5-9311-933EE66BE56D}" type="datetimeFigureOut">
-              <a:rPr lang="en-SI" smtClean="0"/>
-              <a:t>23/05/2020</a:t>
+              <a:rPr lang="x-none" smtClean="0"/>
+              <a:t>28-May-20</a:t>
             </a:fld>
-            <a:endParaRPr lang="en-SI"/>
+            <a:endParaRPr lang="x-none"/>
           </a:p>
         </p:txBody>
       </p:sp>
@@ -1331,7 +1332,7 @@
           <p:cNvPr id="5" name="Footer Placeholder 4">
             <a:extLst>
               <a:ext uri="{FF2B5EF4-FFF2-40B4-BE49-F238E27FC236}">
-                <a16:creationId xmlns:a16="http://schemas.microsoft.com/office/drawing/2014/main" id="{EBBD40AB-23EA-4180-9777-38EBDD008DE0}"/>
+                <a16:creationId xmlns:a16="http://schemas.microsoft.com/office/drawing/2014/main" xmlns="" id="{EBBD40AB-23EA-4180-9777-38EBDD008DE0}"/>
               </a:ext>
             </a:extLst>
           </p:cNvPr>
@@ -1347,7 +1348,7 @@
           <a:bodyPr/>
           <a:lstStyle/>
           <a:p>
-            <a:endParaRPr lang="en-SI"/>
+            <a:endParaRPr lang="x-none"/>
           </a:p>
         </p:txBody>
       </p:sp>
@@ -1356,7 +1357,7 @@
           <p:cNvPr id="6" name="Slide Number Placeholder 5">
             <a:extLst>
               <a:ext uri="{FF2B5EF4-FFF2-40B4-BE49-F238E27FC236}">
-                <a16:creationId xmlns:a16="http://schemas.microsoft.com/office/drawing/2014/main" id="{7FE73B65-77A3-4C94-8C77-27F54C41CB61}"/>
+                <a16:creationId xmlns:a16="http://schemas.microsoft.com/office/drawing/2014/main" xmlns="" id="{7FE73B65-77A3-4C94-8C77-27F54C41CB61}"/>
               </a:ext>
             </a:extLst>
           </p:cNvPr>
@@ -1373,10 +1374,10 @@
           <a:lstStyle/>
           <a:p>
             <a:fld id="{0A447BD6-444B-47D4-9347-B68E9B07D266}" type="slidenum">
-              <a:rPr lang="en-SI" smtClean="0"/>
+              <a:rPr lang="x-none" smtClean="0"/>
               <a:t>‹#›</a:t>
             </a:fld>
-            <a:endParaRPr lang="en-SI"/>
+            <a:endParaRPr lang="x-none"/>
           </a:p>
         </p:txBody>
       </p:sp>
@@ -1415,7 +1416,7 @@
           <p:cNvPr id="2" name="Title 1">
             <a:extLst>
               <a:ext uri="{FF2B5EF4-FFF2-40B4-BE49-F238E27FC236}">
-                <a16:creationId xmlns:a16="http://schemas.microsoft.com/office/drawing/2014/main" id="{EB0932A7-A484-4B5E-8330-4C936AC11388}"/>
+                <a16:creationId xmlns:a16="http://schemas.microsoft.com/office/drawing/2014/main" xmlns="" id="{EB0932A7-A484-4B5E-8330-4C936AC11388}"/>
               </a:ext>
             </a:extLst>
           </p:cNvPr>
@@ -1444,7 +1445,7 @@
               <a:rPr lang="en-US"/>
               <a:t>Click to edit Master title style</a:t>
             </a:r>
-            <a:endParaRPr lang="en-SI"/>
+            <a:endParaRPr lang="x-none"/>
           </a:p>
         </p:txBody>
       </p:sp>
@@ -1453,7 +1454,7 @@
           <p:cNvPr id="3" name="Text Placeholder 2">
             <a:extLst>
               <a:ext uri="{FF2B5EF4-FFF2-40B4-BE49-F238E27FC236}">
-                <a16:creationId xmlns:a16="http://schemas.microsoft.com/office/drawing/2014/main" id="{0A02BF67-D125-4044-A395-D34EE647FD15}"/>
+                <a16:creationId xmlns:a16="http://schemas.microsoft.com/office/drawing/2014/main" xmlns="" id="{0A02BF67-D125-4044-A395-D34EE647FD15}"/>
               </a:ext>
             </a:extLst>
           </p:cNvPr>
@@ -1578,7 +1579,7 @@
           <p:cNvPr id="4" name="Date Placeholder 3">
             <a:extLst>
               <a:ext uri="{FF2B5EF4-FFF2-40B4-BE49-F238E27FC236}">
-                <a16:creationId xmlns:a16="http://schemas.microsoft.com/office/drawing/2014/main" id="{EB272FD1-FB24-4CD3-BE86-05F4ECF5E99E}"/>
+                <a16:creationId xmlns:a16="http://schemas.microsoft.com/office/drawing/2014/main" xmlns="" id="{EB272FD1-FB24-4CD3-BE86-05F4ECF5E99E}"/>
               </a:ext>
             </a:extLst>
           </p:cNvPr>
@@ -1595,10 +1596,10 @@
           <a:lstStyle/>
           <a:p>
             <a:fld id="{8FC252FD-C355-4DC5-9311-933EE66BE56D}" type="datetimeFigureOut">
-              <a:rPr lang="en-SI" smtClean="0"/>
-              <a:t>23/05/2020</a:t>
+              <a:rPr lang="x-none" smtClean="0"/>
+              <a:t>28-May-20</a:t>
             </a:fld>
-            <a:endParaRPr lang="en-SI"/>
+            <a:endParaRPr lang="x-none"/>
           </a:p>
         </p:txBody>
       </p:sp>
@@ -1607,7 +1608,7 @@
           <p:cNvPr id="5" name="Footer Placeholder 4">
             <a:extLst>
               <a:ext uri="{FF2B5EF4-FFF2-40B4-BE49-F238E27FC236}">
-                <a16:creationId xmlns:a16="http://schemas.microsoft.com/office/drawing/2014/main" id="{B696E0E4-B3B9-4C16-B290-7A9A85F3DC41}"/>
+                <a16:creationId xmlns:a16="http://schemas.microsoft.com/office/drawing/2014/main" xmlns="" id="{B696E0E4-B3B9-4C16-B290-7A9A85F3DC41}"/>
               </a:ext>
             </a:extLst>
           </p:cNvPr>
@@ -1623,7 +1624,7 @@
           <a:bodyPr/>
           <a:lstStyle/>
           <a:p>
-            <a:endParaRPr lang="en-SI"/>
+            <a:endParaRPr lang="x-none"/>
           </a:p>
         </p:txBody>
       </p:sp>
@@ -1632,7 +1633,7 @@
           <p:cNvPr id="6" name="Slide Number Placeholder 5">
             <a:extLst>
               <a:ext uri="{FF2B5EF4-FFF2-40B4-BE49-F238E27FC236}">
-                <a16:creationId xmlns:a16="http://schemas.microsoft.com/office/drawing/2014/main" id="{D6CD684E-C763-499E-B886-AD672608CAD9}"/>
+                <a16:creationId xmlns:a16="http://schemas.microsoft.com/office/drawing/2014/main" xmlns="" id="{D6CD684E-C763-499E-B886-AD672608CAD9}"/>
               </a:ext>
             </a:extLst>
           </p:cNvPr>
@@ -1649,10 +1650,10 @@
           <a:lstStyle/>
           <a:p>
             <a:fld id="{0A447BD6-444B-47D4-9347-B68E9B07D266}" type="slidenum">
-              <a:rPr lang="en-SI" smtClean="0"/>
+              <a:rPr lang="x-none" smtClean="0"/>
               <a:t>‹#›</a:t>
             </a:fld>
-            <a:endParaRPr lang="en-SI"/>
+            <a:endParaRPr lang="x-none"/>
           </a:p>
         </p:txBody>
       </p:sp>
@@ -1691,7 +1692,7 @@
           <p:cNvPr id="2" name="Title 1">
             <a:extLst>
               <a:ext uri="{FF2B5EF4-FFF2-40B4-BE49-F238E27FC236}">
-                <a16:creationId xmlns:a16="http://schemas.microsoft.com/office/drawing/2014/main" id="{D2F25203-A2A7-4DDE-90A6-30BFC288132D}"/>
+                <a16:creationId xmlns:a16="http://schemas.microsoft.com/office/drawing/2014/main" xmlns="" id="{D2F25203-A2A7-4DDE-90A6-30BFC288132D}"/>
               </a:ext>
             </a:extLst>
           </p:cNvPr>
@@ -1711,7 +1712,7 @@
               <a:rPr lang="en-US"/>
               <a:t>Click to edit Master title style</a:t>
             </a:r>
-            <a:endParaRPr lang="en-SI"/>
+            <a:endParaRPr lang="x-none"/>
           </a:p>
         </p:txBody>
       </p:sp>
@@ -1720,7 +1721,7 @@
           <p:cNvPr id="3" name="Content Placeholder 2">
             <a:extLst>
               <a:ext uri="{FF2B5EF4-FFF2-40B4-BE49-F238E27FC236}">
-                <a16:creationId xmlns:a16="http://schemas.microsoft.com/office/drawing/2014/main" id="{4E70C717-B902-4A45-B953-AEE5FCCF9F4F}"/>
+                <a16:creationId xmlns:a16="http://schemas.microsoft.com/office/drawing/2014/main" xmlns="" id="{4E70C717-B902-4A45-B953-AEE5FCCF9F4F}"/>
               </a:ext>
             </a:extLst>
           </p:cNvPr>
@@ -1774,7 +1775,7 @@
               <a:rPr lang="en-US"/>
               <a:t>Fifth level</a:t>
             </a:r>
-            <a:endParaRPr lang="en-SI"/>
+            <a:endParaRPr lang="x-none"/>
           </a:p>
         </p:txBody>
       </p:sp>
@@ -1783,7 +1784,7 @@
           <p:cNvPr id="4" name="Content Placeholder 3">
             <a:extLst>
               <a:ext uri="{FF2B5EF4-FFF2-40B4-BE49-F238E27FC236}">
-                <a16:creationId xmlns:a16="http://schemas.microsoft.com/office/drawing/2014/main" id="{D003AE0F-710A-4CE7-B3F2-FC7613B11C06}"/>
+                <a16:creationId xmlns:a16="http://schemas.microsoft.com/office/drawing/2014/main" xmlns="" id="{D003AE0F-710A-4CE7-B3F2-FC7613B11C06}"/>
               </a:ext>
             </a:extLst>
           </p:cNvPr>
@@ -1837,7 +1838,7 @@
               <a:rPr lang="en-US"/>
               <a:t>Fifth level</a:t>
             </a:r>
-            <a:endParaRPr lang="en-SI"/>
+            <a:endParaRPr lang="x-none"/>
           </a:p>
         </p:txBody>
       </p:sp>
@@ -1846,7 +1847,7 @@
           <p:cNvPr id="5" name="Date Placeholder 4">
             <a:extLst>
               <a:ext uri="{FF2B5EF4-FFF2-40B4-BE49-F238E27FC236}">
-                <a16:creationId xmlns:a16="http://schemas.microsoft.com/office/drawing/2014/main" id="{84137EA8-D849-4FE1-AE8E-A402B4BCAFA5}"/>
+                <a16:creationId xmlns:a16="http://schemas.microsoft.com/office/drawing/2014/main" xmlns="" id="{84137EA8-D849-4FE1-AE8E-A402B4BCAFA5}"/>
               </a:ext>
             </a:extLst>
           </p:cNvPr>
@@ -1863,10 +1864,10 @@
           <a:lstStyle/>
           <a:p>
             <a:fld id="{8FC252FD-C355-4DC5-9311-933EE66BE56D}" type="datetimeFigureOut">
-              <a:rPr lang="en-SI" smtClean="0"/>
-              <a:t>23/05/2020</a:t>
+              <a:rPr lang="x-none" smtClean="0"/>
+              <a:t>28-May-20</a:t>
             </a:fld>
-            <a:endParaRPr lang="en-SI"/>
+            <a:endParaRPr lang="x-none"/>
           </a:p>
         </p:txBody>
       </p:sp>
@@ -1875,7 +1876,7 @@
           <p:cNvPr id="6" name="Footer Placeholder 5">
             <a:extLst>
               <a:ext uri="{FF2B5EF4-FFF2-40B4-BE49-F238E27FC236}">
-                <a16:creationId xmlns:a16="http://schemas.microsoft.com/office/drawing/2014/main" id="{BAC9DAA8-8FED-4107-84FB-D53A27F01181}"/>
+                <a16:creationId xmlns:a16="http://schemas.microsoft.com/office/drawing/2014/main" xmlns="" id="{BAC9DAA8-8FED-4107-84FB-D53A27F01181}"/>
               </a:ext>
             </a:extLst>
           </p:cNvPr>
@@ -1891,7 +1892,7 @@
           <a:bodyPr/>
           <a:lstStyle/>
           <a:p>
-            <a:endParaRPr lang="en-SI"/>
+            <a:endParaRPr lang="x-none"/>
           </a:p>
         </p:txBody>
       </p:sp>
@@ -1900,7 +1901,7 @@
           <p:cNvPr id="7" name="Slide Number Placeholder 6">
             <a:extLst>
               <a:ext uri="{FF2B5EF4-FFF2-40B4-BE49-F238E27FC236}">
-                <a16:creationId xmlns:a16="http://schemas.microsoft.com/office/drawing/2014/main" id="{41D22504-1A65-4930-B626-FDEDF70DE0F3}"/>
+                <a16:creationId xmlns:a16="http://schemas.microsoft.com/office/drawing/2014/main" xmlns="" id="{41D22504-1A65-4930-B626-FDEDF70DE0F3}"/>
               </a:ext>
             </a:extLst>
           </p:cNvPr>
@@ -1917,10 +1918,10 @@
           <a:lstStyle/>
           <a:p>
             <a:fld id="{0A447BD6-444B-47D4-9347-B68E9B07D266}" type="slidenum">
-              <a:rPr lang="en-SI" smtClean="0"/>
+              <a:rPr lang="x-none" smtClean="0"/>
               <a:t>‹#›</a:t>
             </a:fld>
-            <a:endParaRPr lang="en-SI"/>
+            <a:endParaRPr lang="x-none"/>
           </a:p>
         </p:txBody>
       </p:sp>
@@ -1959,7 +1960,7 @@
           <p:cNvPr id="2" name="Title 1">
             <a:extLst>
               <a:ext uri="{FF2B5EF4-FFF2-40B4-BE49-F238E27FC236}">
-                <a16:creationId xmlns:a16="http://schemas.microsoft.com/office/drawing/2014/main" id="{CFF7D384-3A5D-4698-B8B4-FA8679074E82}"/>
+                <a16:creationId xmlns:a16="http://schemas.microsoft.com/office/drawing/2014/main" xmlns="" id="{CFF7D384-3A5D-4698-B8B4-FA8679074E82}"/>
               </a:ext>
             </a:extLst>
           </p:cNvPr>
@@ -1984,7 +1985,7 @@
               <a:rPr lang="en-US"/>
               <a:t>Click to edit Master title style</a:t>
             </a:r>
-            <a:endParaRPr lang="en-SI"/>
+            <a:endParaRPr lang="x-none"/>
           </a:p>
         </p:txBody>
       </p:sp>
@@ -1993,7 +1994,7 @@
           <p:cNvPr id="3" name="Text Placeholder 2">
             <a:extLst>
               <a:ext uri="{FF2B5EF4-FFF2-40B4-BE49-F238E27FC236}">
-                <a16:creationId xmlns:a16="http://schemas.microsoft.com/office/drawing/2014/main" id="{FADF231B-0C7E-49DB-89E9-1A6DE69D5ABD}"/>
+                <a16:creationId xmlns:a16="http://schemas.microsoft.com/office/drawing/2014/main" xmlns="" id="{FADF231B-0C7E-49DB-89E9-1A6DE69D5ABD}"/>
               </a:ext>
             </a:extLst>
           </p:cNvPr>
@@ -2064,7 +2065,7 @@
           <p:cNvPr id="4" name="Content Placeholder 3">
             <a:extLst>
               <a:ext uri="{FF2B5EF4-FFF2-40B4-BE49-F238E27FC236}">
-                <a16:creationId xmlns:a16="http://schemas.microsoft.com/office/drawing/2014/main" id="{92CECE93-D26D-4E1A-AE69-D012C47B61E0}"/>
+                <a16:creationId xmlns:a16="http://schemas.microsoft.com/office/drawing/2014/main" xmlns="" id="{92CECE93-D26D-4E1A-AE69-D012C47B61E0}"/>
               </a:ext>
             </a:extLst>
           </p:cNvPr>
@@ -2118,7 +2119,7 @@
               <a:rPr lang="en-US"/>
               <a:t>Fifth level</a:t>
             </a:r>
-            <a:endParaRPr lang="en-SI"/>
+            <a:endParaRPr lang="x-none"/>
           </a:p>
         </p:txBody>
       </p:sp>
@@ -2127,7 +2128,7 @@
           <p:cNvPr id="5" name="Text Placeholder 4">
             <a:extLst>
               <a:ext uri="{FF2B5EF4-FFF2-40B4-BE49-F238E27FC236}">
-                <a16:creationId xmlns:a16="http://schemas.microsoft.com/office/drawing/2014/main" id="{9EBEF46E-4661-4808-B833-D7FAB3552C53}"/>
+                <a16:creationId xmlns:a16="http://schemas.microsoft.com/office/drawing/2014/main" xmlns="" id="{9EBEF46E-4661-4808-B833-D7FAB3552C53}"/>
               </a:ext>
             </a:extLst>
           </p:cNvPr>
@@ -2198,7 +2199,7 @@
           <p:cNvPr id="6" name="Content Placeholder 5">
             <a:extLst>
               <a:ext uri="{FF2B5EF4-FFF2-40B4-BE49-F238E27FC236}">
-                <a16:creationId xmlns:a16="http://schemas.microsoft.com/office/drawing/2014/main" id="{630AFADE-B587-435E-A1A9-C541CF639012}"/>
+                <a16:creationId xmlns:a16="http://schemas.microsoft.com/office/drawing/2014/main" xmlns="" id="{630AFADE-B587-435E-A1A9-C541CF639012}"/>
               </a:ext>
             </a:extLst>
           </p:cNvPr>
@@ -2252,7 +2253,7 @@
               <a:rPr lang="en-US"/>
               <a:t>Fifth level</a:t>
             </a:r>
-            <a:endParaRPr lang="en-SI"/>
+            <a:endParaRPr lang="x-none"/>
           </a:p>
         </p:txBody>
       </p:sp>
@@ -2261,7 +2262,7 @@
           <p:cNvPr id="7" name="Date Placeholder 6">
             <a:extLst>
               <a:ext uri="{FF2B5EF4-FFF2-40B4-BE49-F238E27FC236}">
-                <a16:creationId xmlns:a16="http://schemas.microsoft.com/office/drawing/2014/main" id="{B939195B-99E1-429E-8706-85B2F70F531C}"/>
+                <a16:creationId xmlns:a16="http://schemas.microsoft.com/office/drawing/2014/main" xmlns="" id="{B939195B-99E1-429E-8706-85B2F70F531C}"/>
               </a:ext>
             </a:extLst>
           </p:cNvPr>
@@ -2278,10 +2279,10 @@
           <a:lstStyle/>
           <a:p>
             <a:fld id="{8FC252FD-C355-4DC5-9311-933EE66BE56D}" type="datetimeFigureOut">
-              <a:rPr lang="en-SI" smtClean="0"/>
-              <a:t>23/05/2020</a:t>
+              <a:rPr lang="x-none" smtClean="0"/>
+              <a:t>28-May-20</a:t>
             </a:fld>
-            <a:endParaRPr lang="en-SI"/>
+            <a:endParaRPr lang="x-none"/>
           </a:p>
         </p:txBody>
       </p:sp>
@@ -2290,7 +2291,7 @@
           <p:cNvPr id="8" name="Footer Placeholder 7">
             <a:extLst>
               <a:ext uri="{FF2B5EF4-FFF2-40B4-BE49-F238E27FC236}">
-                <a16:creationId xmlns:a16="http://schemas.microsoft.com/office/drawing/2014/main" id="{A34D82B3-DE96-42D9-899C-499179F88D8E}"/>
+                <a16:creationId xmlns:a16="http://schemas.microsoft.com/office/drawing/2014/main" xmlns="" id="{A34D82B3-DE96-42D9-899C-499179F88D8E}"/>
               </a:ext>
             </a:extLst>
           </p:cNvPr>
@@ -2306,7 +2307,7 @@
           <a:bodyPr/>
           <a:lstStyle/>
           <a:p>
-            <a:endParaRPr lang="en-SI"/>
+            <a:endParaRPr lang="x-none"/>
           </a:p>
         </p:txBody>
       </p:sp>
@@ -2315,7 +2316,7 @@
           <p:cNvPr id="9" name="Slide Number Placeholder 8">
             <a:extLst>
               <a:ext uri="{FF2B5EF4-FFF2-40B4-BE49-F238E27FC236}">
-                <a16:creationId xmlns:a16="http://schemas.microsoft.com/office/drawing/2014/main" id="{C97A4599-BDEF-4424-A2D5-7DE5591DE866}"/>
+                <a16:creationId xmlns:a16="http://schemas.microsoft.com/office/drawing/2014/main" xmlns="" id="{C97A4599-BDEF-4424-A2D5-7DE5591DE866}"/>
               </a:ext>
             </a:extLst>
           </p:cNvPr>
@@ -2332,10 +2333,10 @@
           <a:lstStyle/>
           <a:p>
             <a:fld id="{0A447BD6-444B-47D4-9347-B68E9B07D266}" type="slidenum">
-              <a:rPr lang="en-SI" smtClean="0"/>
+              <a:rPr lang="x-none" smtClean="0"/>
               <a:t>‹#›</a:t>
             </a:fld>
-            <a:endParaRPr lang="en-SI"/>
+            <a:endParaRPr lang="x-none"/>
           </a:p>
         </p:txBody>
       </p:sp>
@@ -2374,7 +2375,7 @@
           <p:cNvPr id="2" name="Title 1">
             <a:extLst>
               <a:ext uri="{FF2B5EF4-FFF2-40B4-BE49-F238E27FC236}">
-                <a16:creationId xmlns:a16="http://schemas.microsoft.com/office/drawing/2014/main" id="{163C6A2C-8409-4EE7-85B8-3BCDC40EE623}"/>
+                <a16:creationId xmlns:a16="http://schemas.microsoft.com/office/drawing/2014/main" xmlns="" id="{163C6A2C-8409-4EE7-85B8-3BCDC40EE623}"/>
               </a:ext>
             </a:extLst>
           </p:cNvPr>
@@ -2394,7 +2395,7 @@
               <a:rPr lang="en-US"/>
               <a:t>Click to edit Master title style</a:t>
             </a:r>
-            <a:endParaRPr lang="en-SI"/>
+            <a:endParaRPr lang="x-none"/>
           </a:p>
         </p:txBody>
       </p:sp>
@@ -2403,7 +2404,7 @@
           <p:cNvPr id="3" name="Date Placeholder 2">
             <a:extLst>
               <a:ext uri="{FF2B5EF4-FFF2-40B4-BE49-F238E27FC236}">
-                <a16:creationId xmlns:a16="http://schemas.microsoft.com/office/drawing/2014/main" id="{5A8F7A1B-85D7-45DA-948E-04B6DA703FF4}"/>
+                <a16:creationId xmlns:a16="http://schemas.microsoft.com/office/drawing/2014/main" xmlns="" id="{5A8F7A1B-85D7-45DA-948E-04B6DA703FF4}"/>
               </a:ext>
             </a:extLst>
           </p:cNvPr>
@@ -2420,10 +2421,10 @@
           <a:lstStyle/>
           <a:p>
             <a:fld id="{8FC252FD-C355-4DC5-9311-933EE66BE56D}" type="datetimeFigureOut">
-              <a:rPr lang="en-SI" smtClean="0"/>
-              <a:t>23/05/2020</a:t>
+              <a:rPr lang="x-none" smtClean="0"/>
+              <a:t>28-May-20</a:t>
             </a:fld>
-            <a:endParaRPr lang="en-SI"/>
+            <a:endParaRPr lang="x-none"/>
           </a:p>
         </p:txBody>
       </p:sp>
@@ -2432,7 +2433,7 @@
           <p:cNvPr id="4" name="Footer Placeholder 3">
             <a:extLst>
               <a:ext uri="{FF2B5EF4-FFF2-40B4-BE49-F238E27FC236}">
-                <a16:creationId xmlns:a16="http://schemas.microsoft.com/office/drawing/2014/main" id="{7B7CF8DC-4F1D-47CF-AAB5-1BBAC278C4E3}"/>
+                <a16:creationId xmlns:a16="http://schemas.microsoft.com/office/drawing/2014/main" xmlns="" id="{7B7CF8DC-4F1D-47CF-AAB5-1BBAC278C4E3}"/>
               </a:ext>
             </a:extLst>
           </p:cNvPr>
@@ -2448,7 +2449,7 @@
           <a:bodyPr/>
           <a:lstStyle/>
           <a:p>
-            <a:endParaRPr lang="en-SI"/>
+            <a:endParaRPr lang="x-none"/>
           </a:p>
         </p:txBody>
       </p:sp>
@@ -2457,7 +2458,7 @@
           <p:cNvPr id="5" name="Slide Number Placeholder 4">
             <a:extLst>
               <a:ext uri="{FF2B5EF4-FFF2-40B4-BE49-F238E27FC236}">
-                <a16:creationId xmlns:a16="http://schemas.microsoft.com/office/drawing/2014/main" id="{904C5162-2A50-4CD2-8C4C-DFC77BFF6A08}"/>
+                <a16:creationId xmlns:a16="http://schemas.microsoft.com/office/drawing/2014/main" xmlns="" id="{904C5162-2A50-4CD2-8C4C-DFC77BFF6A08}"/>
               </a:ext>
             </a:extLst>
           </p:cNvPr>
@@ -2474,10 +2475,10 @@
           <a:lstStyle/>
           <a:p>
             <a:fld id="{0A447BD6-444B-47D4-9347-B68E9B07D266}" type="slidenum">
-              <a:rPr lang="en-SI" smtClean="0"/>
+              <a:rPr lang="x-none" smtClean="0"/>
               <a:t>‹#›</a:t>
             </a:fld>
-            <a:endParaRPr lang="en-SI"/>
+            <a:endParaRPr lang="x-none"/>
           </a:p>
         </p:txBody>
       </p:sp>
@@ -2516,7 +2517,7 @@
           <p:cNvPr id="2" name="Date Placeholder 1">
             <a:extLst>
               <a:ext uri="{FF2B5EF4-FFF2-40B4-BE49-F238E27FC236}">
-                <a16:creationId xmlns:a16="http://schemas.microsoft.com/office/drawing/2014/main" id="{6E2E5F0D-C456-4BF4-9F66-F72E64EE4D52}"/>
+                <a16:creationId xmlns:a16="http://schemas.microsoft.com/office/drawing/2014/main" xmlns="" id="{6E2E5F0D-C456-4BF4-9F66-F72E64EE4D52}"/>
               </a:ext>
             </a:extLst>
           </p:cNvPr>
@@ -2533,10 +2534,10 @@
           <a:lstStyle/>
           <a:p>
             <a:fld id="{8FC252FD-C355-4DC5-9311-933EE66BE56D}" type="datetimeFigureOut">
-              <a:rPr lang="en-SI" smtClean="0"/>
-              <a:t>23/05/2020</a:t>
+              <a:rPr lang="x-none" smtClean="0"/>
+              <a:t>28-May-20</a:t>
             </a:fld>
-            <a:endParaRPr lang="en-SI"/>
+            <a:endParaRPr lang="x-none"/>
           </a:p>
         </p:txBody>
       </p:sp>
@@ -2545,7 +2546,7 @@
           <p:cNvPr id="3" name="Footer Placeholder 2">
             <a:extLst>
               <a:ext uri="{FF2B5EF4-FFF2-40B4-BE49-F238E27FC236}">
-                <a16:creationId xmlns:a16="http://schemas.microsoft.com/office/drawing/2014/main" id="{088487AC-C9E3-48CF-97B1-119474C292D5}"/>
+                <a16:creationId xmlns:a16="http://schemas.microsoft.com/office/drawing/2014/main" xmlns="" id="{088487AC-C9E3-48CF-97B1-119474C292D5}"/>
               </a:ext>
             </a:extLst>
           </p:cNvPr>
@@ -2561,7 +2562,7 @@
           <a:bodyPr/>
           <a:lstStyle/>
           <a:p>
-            <a:endParaRPr lang="en-SI"/>
+            <a:endParaRPr lang="x-none"/>
           </a:p>
         </p:txBody>
       </p:sp>
@@ -2570,7 +2571,7 @@
           <p:cNvPr id="4" name="Slide Number Placeholder 3">
             <a:extLst>
               <a:ext uri="{FF2B5EF4-FFF2-40B4-BE49-F238E27FC236}">
-                <a16:creationId xmlns:a16="http://schemas.microsoft.com/office/drawing/2014/main" id="{20E96B53-95CF-4413-B3BF-6232949A382D}"/>
+                <a16:creationId xmlns:a16="http://schemas.microsoft.com/office/drawing/2014/main" xmlns="" id="{20E96B53-95CF-4413-B3BF-6232949A382D}"/>
               </a:ext>
             </a:extLst>
           </p:cNvPr>
@@ -2587,10 +2588,10 @@
           <a:lstStyle/>
           <a:p>
             <a:fld id="{0A447BD6-444B-47D4-9347-B68E9B07D266}" type="slidenum">
-              <a:rPr lang="en-SI" smtClean="0"/>
+              <a:rPr lang="x-none" smtClean="0"/>
               <a:t>‹#›</a:t>
             </a:fld>
-            <a:endParaRPr lang="en-SI"/>
+            <a:endParaRPr lang="x-none"/>
           </a:p>
         </p:txBody>
       </p:sp>
@@ -2629,7 +2630,7 @@
           <p:cNvPr id="2" name="Title 1">
             <a:extLst>
               <a:ext uri="{FF2B5EF4-FFF2-40B4-BE49-F238E27FC236}">
-                <a16:creationId xmlns:a16="http://schemas.microsoft.com/office/drawing/2014/main" id="{71E1FAC5-5E70-4D1D-8FE2-3E2F60D9B1A0}"/>
+                <a16:creationId xmlns:a16="http://schemas.microsoft.com/office/drawing/2014/main" xmlns="" id="{71E1FAC5-5E70-4D1D-8FE2-3E2F60D9B1A0}"/>
               </a:ext>
             </a:extLst>
           </p:cNvPr>
@@ -2658,7 +2659,7 @@
               <a:rPr lang="en-US"/>
               <a:t>Click to edit Master title style</a:t>
             </a:r>
-            <a:endParaRPr lang="en-SI"/>
+            <a:endParaRPr lang="x-none"/>
           </a:p>
         </p:txBody>
       </p:sp>
@@ -2667,7 +2668,7 @@
           <p:cNvPr id="3" name="Content Placeholder 2">
             <a:extLst>
               <a:ext uri="{FF2B5EF4-FFF2-40B4-BE49-F238E27FC236}">
-                <a16:creationId xmlns:a16="http://schemas.microsoft.com/office/drawing/2014/main" id="{2878FB28-94CE-48C1-9337-92C12A362183}"/>
+                <a16:creationId xmlns:a16="http://schemas.microsoft.com/office/drawing/2014/main" xmlns="" id="{2878FB28-94CE-48C1-9337-92C12A362183}"/>
               </a:ext>
             </a:extLst>
           </p:cNvPr>
@@ -2749,7 +2750,7 @@
               <a:rPr lang="en-US"/>
               <a:t>Fifth level</a:t>
             </a:r>
-            <a:endParaRPr lang="en-SI"/>
+            <a:endParaRPr lang="x-none"/>
           </a:p>
         </p:txBody>
       </p:sp>
@@ -2758,7 +2759,7 @@
           <p:cNvPr id="4" name="Text Placeholder 3">
             <a:extLst>
               <a:ext uri="{FF2B5EF4-FFF2-40B4-BE49-F238E27FC236}">
-                <a16:creationId xmlns:a16="http://schemas.microsoft.com/office/drawing/2014/main" id="{FF7CBB35-6CD1-4841-B757-3ACEACB56746}"/>
+                <a16:creationId xmlns:a16="http://schemas.microsoft.com/office/drawing/2014/main" xmlns="" id="{FF7CBB35-6CD1-4841-B757-3ACEACB56746}"/>
               </a:ext>
             </a:extLst>
           </p:cNvPr>
@@ -2829,7 +2830,7 @@
           <p:cNvPr id="5" name="Date Placeholder 4">
             <a:extLst>
               <a:ext uri="{FF2B5EF4-FFF2-40B4-BE49-F238E27FC236}">
-                <a16:creationId xmlns:a16="http://schemas.microsoft.com/office/drawing/2014/main" id="{496F40FF-C5EE-4ED4-80A9-9B801B62098A}"/>
+                <a16:creationId xmlns:a16="http://schemas.microsoft.com/office/drawing/2014/main" xmlns="" id="{496F40FF-C5EE-4ED4-80A9-9B801B62098A}"/>
               </a:ext>
             </a:extLst>
           </p:cNvPr>
@@ -2846,10 +2847,10 @@
           <a:lstStyle/>
           <a:p>
             <a:fld id="{8FC252FD-C355-4DC5-9311-933EE66BE56D}" type="datetimeFigureOut">
-              <a:rPr lang="en-SI" smtClean="0"/>
-              <a:t>23/05/2020</a:t>
+              <a:rPr lang="x-none" smtClean="0"/>
+              <a:t>28-May-20</a:t>
             </a:fld>
-            <a:endParaRPr lang="en-SI"/>
+            <a:endParaRPr lang="x-none"/>
           </a:p>
         </p:txBody>
       </p:sp>
@@ -2858,7 +2859,7 @@
           <p:cNvPr id="6" name="Footer Placeholder 5">
             <a:extLst>
               <a:ext uri="{FF2B5EF4-FFF2-40B4-BE49-F238E27FC236}">
-                <a16:creationId xmlns:a16="http://schemas.microsoft.com/office/drawing/2014/main" id="{B3716287-ABD8-42F4-84F9-81FBA2488829}"/>
+                <a16:creationId xmlns:a16="http://schemas.microsoft.com/office/drawing/2014/main" xmlns="" id="{B3716287-ABD8-42F4-84F9-81FBA2488829}"/>
               </a:ext>
             </a:extLst>
           </p:cNvPr>
@@ -2874,7 +2875,7 @@
           <a:bodyPr/>
           <a:lstStyle/>
           <a:p>
-            <a:endParaRPr lang="en-SI"/>
+            <a:endParaRPr lang="x-none"/>
           </a:p>
         </p:txBody>
       </p:sp>
@@ -2883,7 +2884,7 @@
           <p:cNvPr id="7" name="Slide Number Placeholder 6">
             <a:extLst>
               <a:ext uri="{FF2B5EF4-FFF2-40B4-BE49-F238E27FC236}">
-                <a16:creationId xmlns:a16="http://schemas.microsoft.com/office/drawing/2014/main" id="{206A516B-C44F-4CA4-A1D3-A20646FF9EF8}"/>
+                <a16:creationId xmlns:a16="http://schemas.microsoft.com/office/drawing/2014/main" xmlns="" id="{206A516B-C44F-4CA4-A1D3-A20646FF9EF8}"/>
               </a:ext>
             </a:extLst>
           </p:cNvPr>
@@ -2900,10 +2901,10 @@
           <a:lstStyle/>
           <a:p>
             <a:fld id="{0A447BD6-444B-47D4-9347-B68E9B07D266}" type="slidenum">
-              <a:rPr lang="en-SI" smtClean="0"/>
+              <a:rPr lang="x-none" smtClean="0"/>
               <a:t>‹#›</a:t>
             </a:fld>
-            <a:endParaRPr lang="en-SI"/>
+            <a:endParaRPr lang="x-none"/>
           </a:p>
         </p:txBody>
       </p:sp>
@@ -2942,7 +2943,7 @@
           <p:cNvPr id="2" name="Title 1">
             <a:extLst>
               <a:ext uri="{FF2B5EF4-FFF2-40B4-BE49-F238E27FC236}">
-                <a16:creationId xmlns:a16="http://schemas.microsoft.com/office/drawing/2014/main" id="{1B9A2003-46AC-459E-91B3-080DA9F26196}"/>
+                <a16:creationId xmlns:a16="http://schemas.microsoft.com/office/drawing/2014/main" xmlns="" id="{1B9A2003-46AC-459E-91B3-080DA9F26196}"/>
               </a:ext>
             </a:extLst>
           </p:cNvPr>
@@ -2971,7 +2972,7 @@
               <a:rPr lang="en-US"/>
               <a:t>Click to edit Master title style</a:t>
             </a:r>
-            <a:endParaRPr lang="en-SI"/>
+            <a:endParaRPr lang="x-none"/>
           </a:p>
         </p:txBody>
       </p:sp>
@@ -2980,7 +2981,7 @@
           <p:cNvPr id="3" name="Picture Placeholder 2">
             <a:extLst>
               <a:ext uri="{FF2B5EF4-FFF2-40B4-BE49-F238E27FC236}">
-                <a16:creationId xmlns:a16="http://schemas.microsoft.com/office/drawing/2014/main" id="{AB00D37C-AE20-4097-B23A-5175C4CD93C2}"/>
+                <a16:creationId xmlns:a16="http://schemas.microsoft.com/office/drawing/2014/main" xmlns="" id="{AB00D37C-AE20-4097-B23A-5175C4CD93C2}"/>
               </a:ext>
             </a:extLst>
           </p:cNvPr>
@@ -3038,7 +3039,7 @@
             </a:lvl9pPr>
           </a:lstStyle>
           <a:p>
-            <a:endParaRPr lang="en-SI"/>
+            <a:endParaRPr lang="x-none"/>
           </a:p>
         </p:txBody>
       </p:sp>
@@ -3047,7 +3048,7 @@
           <p:cNvPr id="4" name="Text Placeholder 3">
             <a:extLst>
               <a:ext uri="{FF2B5EF4-FFF2-40B4-BE49-F238E27FC236}">
-                <a16:creationId xmlns:a16="http://schemas.microsoft.com/office/drawing/2014/main" id="{F39AB21D-5680-4D57-AE07-85AD1B1A8D81}"/>
+                <a16:creationId xmlns:a16="http://schemas.microsoft.com/office/drawing/2014/main" xmlns="" id="{F39AB21D-5680-4D57-AE07-85AD1B1A8D81}"/>
               </a:ext>
             </a:extLst>
           </p:cNvPr>
@@ -3118,7 +3119,7 @@
           <p:cNvPr id="5" name="Date Placeholder 4">
             <a:extLst>
               <a:ext uri="{FF2B5EF4-FFF2-40B4-BE49-F238E27FC236}">
-                <a16:creationId xmlns:a16="http://schemas.microsoft.com/office/drawing/2014/main" id="{2AB0D912-DCE5-4FAA-9213-48B095978C8C}"/>
+                <a16:creationId xmlns:a16="http://schemas.microsoft.com/office/drawing/2014/main" xmlns="" id="{2AB0D912-DCE5-4FAA-9213-48B095978C8C}"/>
               </a:ext>
             </a:extLst>
           </p:cNvPr>
@@ -3135,10 +3136,10 @@
           <a:lstStyle/>
           <a:p>
             <a:fld id="{8FC252FD-C355-4DC5-9311-933EE66BE56D}" type="datetimeFigureOut">
-              <a:rPr lang="en-SI" smtClean="0"/>
-              <a:t>23/05/2020</a:t>
+              <a:rPr lang="x-none" smtClean="0"/>
+              <a:t>28-May-20</a:t>
             </a:fld>
-            <a:endParaRPr lang="en-SI"/>
+            <a:endParaRPr lang="x-none"/>
           </a:p>
         </p:txBody>
       </p:sp>
@@ -3147,7 +3148,7 @@
           <p:cNvPr id="6" name="Footer Placeholder 5">
             <a:extLst>
               <a:ext uri="{FF2B5EF4-FFF2-40B4-BE49-F238E27FC236}">
-                <a16:creationId xmlns:a16="http://schemas.microsoft.com/office/drawing/2014/main" id="{F684B040-CA22-4C47-837E-F6F7A3E47A06}"/>
+                <a16:creationId xmlns:a16="http://schemas.microsoft.com/office/drawing/2014/main" xmlns="" id="{F684B040-CA22-4C47-837E-F6F7A3E47A06}"/>
               </a:ext>
             </a:extLst>
           </p:cNvPr>
@@ -3163,7 +3164,7 @@
           <a:bodyPr/>
           <a:lstStyle/>
           <a:p>
-            <a:endParaRPr lang="en-SI"/>
+            <a:endParaRPr lang="x-none"/>
           </a:p>
         </p:txBody>
       </p:sp>
@@ -3172,7 +3173,7 @@
           <p:cNvPr id="7" name="Slide Number Placeholder 6">
             <a:extLst>
               <a:ext uri="{FF2B5EF4-FFF2-40B4-BE49-F238E27FC236}">
-                <a16:creationId xmlns:a16="http://schemas.microsoft.com/office/drawing/2014/main" id="{0D4C71D9-D6C5-4CDC-B9EE-812876BAEF0B}"/>
+                <a16:creationId xmlns:a16="http://schemas.microsoft.com/office/drawing/2014/main" xmlns="" id="{0D4C71D9-D6C5-4CDC-B9EE-812876BAEF0B}"/>
               </a:ext>
             </a:extLst>
           </p:cNvPr>
@@ -3189,10 +3190,10 @@
           <a:lstStyle/>
           <a:p>
             <a:fld id="{0A447BD6-444B-47D4-9347-B68E9B07D266}" type="slidenum">
-              <a:rPr lang="en-SI" smtClean="0"/>
+              <a:rPr lang="x-none" smtClean="0"/>
               <a:t>‹#›</a:t>
             </a:fld>
-            <a:endParaRPr lang="en-SI"/>
+            <a:endParaRPr lang="x-none"/>
           </a:p>
         </p:txBody>
       </p:sp>
@@ -3236,7 +3237,7 @@
           <p:cNvPr id="2" name="Title Placeholder 1">
             <a:extLst>
               <a:ext uri="{FF2B5EF4-FFF2-40B4-BE49-F238E27FC236}">
-                <a16:creationId xmlns:a16="http://schemas.microsoft.com/office/drawing/2014/main" id="{D1374DCA-6C61-4464-B0B2-0706E2E121AC}"/>
+                <a16:creationId xmlns:a16="http://schemas.microsoft.com/office/drawing/2014/main" xmlns="" id="{D1374DCA-6C61-4464-B0B2-0706E2E121AC}"/>
               </a:ext>
             </a:extLst>
           </p:cNvPr>
@@ -3266,7 +3267,7 @@
               <a:rPr lang="en-US"/>
               <a:t>Click to edit Master title style</a:t>
             </a:r>
-            <a:endParaRPr lang="en-SI"/>
+            <a:endParaRPr lang="x-none"/>
           </a:p>
         </p:txBody>
       </p:sp>
@@ -3275,7 +3276,7 @@
           <p:cNvPr id="3" name="Text Placeholder 2">
             <a:extLst>
               <a:ext uri="{FF2B5EF4-FFF2-40B4-BE49-F238E27FC236}">
-                <a16:creationId xmlns:a16="http://schemas.microsoft.com/office/drawing/2014/main" id="{D3139061-EA0C-490C-AC9E-15133484D8BF}"/>
+                <a16:creationId xmlns:a16="http://schemas.microsoft.com/office/drawing/2014/main" xmlns="" id="{D3139061-EA0C-490C-AC9E-15133484D8BF}"/>
               </a:ext>
             </a:extLst>
           </p:cNvPr>
@@ -3334,7 +3335,7 @@
               <a:rPr lang="en-US"/>
               <a:t>Fifth level</a:t>
             </a:r>
-            <a:endParaRPr lang="en-SI"/>
+            <a:endParaRPr lang="x-none"/>
           </a:p>
         </p:txBody>
       </p:sp>
@@ -3343,7 +3344,7 @@
           <p:cNvPr id="4" name="Date Placeholder 3">
             <a:extLst>
               <a:ext uri="{FF2B5EF4-FFF2-40B4-BE49-F238E27FC236}">
-                <a16:creationId xmlns:a16="http://schemas.microsoft.com/office/drawing/2014/main" id="{23731BF4-E690-421C-B741-88E7D4A2E1C7}"/>
+                <a16:creationId xmlns:a16="http://schemas.microsoft.com/office/drawing/2014/main" xmlns="" id="{23731BF4-E690-421C-B741-88E7D4A2E1C7}"/>
               </a:ext>
             </a:extLst>
           </p:cNvPr>
@@ -3378,10 +3379,10 @@
           </a:lstStyle>
           <a:p>
             <a:fld id="{8FC252FD-C355-4DC5-9311-933EE66BE56D}" type="datetimeFigureOut">
-              <a:rPr lang="en-SI" smtClean="0"/>
-              <a:t>23/05/2020</a:t>
+              <a:rPr lang="x-none" smtClean="0"/>
+              <a:t>28-May-20</a:t>
             </a:fld>
-            <a:endParaRPr lang="en-SI"/>
+            <a:endParaRPr lang="x-none"/>
           </a:p>
         </p:txBody>
       </p:sp>
@@ -3390,7 +3391,7 @@
           <p:cNvPr id="5" name="Footer Placeholder 4">
             <a:extLst>
               <a:ext uri="{FF2B5EF4-FFF2-40B4-BE49-F238E27FC236}">
-                <a16:creationId xmlns:a16="http://schemas.microsoft.com/office/drawing/2014/main" id="{2160EF14-7F6F-4BCE-8512-58952704E096}"/>
+                <a16:creationId xmlns:a16="http://schemas.microsoft.com/office/drawing/2014/main" xmlns="" id="{2160EF14-7F6F-4BCE-8512-58952704E096}"/>
               </a:ext>
             </a:extLst>
           </p:cNvPr>
@@ -3424,7 +3425,7 @@
             </a:lvl1pPr>
           </a:lstStyle>
           <a:p>
-            <a:endParaRPr lang="en-SI"/>
+            <a:endParaRPr lang="x-none"/>
           </a:p>
         </p:txBody>
       </p:sp>
@@ -3433,7 +3434,7 @@
           <p:cNvPr id="6" name="Slide Number Placeholder 5">
             <a:extLst>
               <a:ext uri="{FF2B5EF4-FFF2-40B4-BE49-F238E27FC236}">
-                <a16:creationId xmlns:a16="http://schemas.microsoft.com/office/drawing/2014/main" id="{44ABFB4E-6E95-4A83-A601-7AD5A010BC44}"/>
+                <a16:creationId xmlns:a16="http://schemas.microsoft.com/office/drawing/2014/main" xmlns="" id="{44ABFB4E-6E95-4A83-A601-7AD5A010BC44}"/>
               </a:ext>
             </a:extLst>
           </p:cNvPr>
@@ -3468,10 +3469,10 @@
           </a:lstStyle>
           <a:p>
             <a:fld id="{0A447BD6-444B-47D4-9347-B68E9B07D266}" type="slidenum">
-              <a:rPr lang="en-SI" smtClean="0"/>
+              <a:rPr lang="x-none" smtClean="0"/>
               <a:t>‹#›</a:t>
             </a:fld>
-            <a:endParaRPr lang="en-SI"/>
+            <a:endParaRPr lang="x-none"/>
           </a:p>
         </p:txBody>
       </p:sp>
@@ -3682,7 +3683,7 @@
     </p:bodyStyle>
     <p:otherStyle>
       <a:defPPr>
-        <a:defRPr lang="en-SI"/>
+        <a:defRPr lang="x-none"/>
       </a:defPPr>
       <a:lvl1pPr marL="0" algn="l" defTabSz="914400" rtl="0" eaLnBrk="1" latinLnBrk="0" hangingPunct="1">
         <a:defRPr sz="1800" kern="1200">
@@ -3809,10 +3810,10 @@
           <p:cNvPr id="24" name="Rectangle 23">
             <a:extLst>
               <a:ext uri="{FF2B5EF4-FFF2-40B4-BE49-F238E27FC236}">
-                <a16:creationId xmlns:a16="http://schemas.microsoft.com/office/drawing/2014/main" id="{2A8AA5BC-4F7A-4226-8F99-6D824B226A97}"/>
+                <a16:creationId xmlns:a16="http://schemas.microsoft.com/office/drawing/2014/main" xmlns="" id="{2A8AA5BC-4F7A-4226-8F99-6D824B226A97}"/>
               </a:ext>
               <a:ext uri="{C183D7F6-B498-43B3-948B-1728B52AA6E4}">
-                <adec:decorative xmlns:adec="http://schemas.microsoft.com/office/drawing/2017/decorative" val="1"/>
+                <adec:decorative xmlns:adec="http://schemas.microsoft.com/office/drawing/2017/decorative" xmlns="" val="1"/>
               </a:ext>
             </a:extLst>
           </p:cNvPr>
@@ -3822,7 +3823,7 @@
           <p:nvPr>
             <p:extLst>
               <p:ext uri="{386F3935-93C4-4BCD-93E2-E3B085C9AB24}">
-                <p16:designElem xmlns:p16="http://schemas.microsoft.com/office/powerpoint/2015/main" val="1"/>
+                <p16:designElem xmlns:p16="http://schemas.microsoft.com/office/powerpoint/2015/main" xmlns="" val="1"/>
               </p:ext>
             </p:extLst>
           </p:nvPr>
@@ -3904,10 +3905,10 @@
           <p:cNvPr id="26" name="Straight Connector 25">
             <a:extLst>
               <a:ext uri="{FF2B5EF4-FFF2-40B4-BE49-F238E27FC236}">
-                <a16:creationId xmlns:a16="http://schemas.microsoft.com/office/drawing/2014/main" id="{911DBBF1-3229-4BD9-B3D1-B4CA571E7431}"/>
+                <a16:creationId xmlns:a16="http://schemas.microsoft.com/office/drawing/2014/main" xmlns="" id="{911DBBF1-3229-4BD9-B3D1-B4CA571E7431}"/>
               </a:ext>
               <a:ext uri="{C183D7F6-B498-43B3-948B-1728B52AA6E4}">
-                <adec:decorative xmlns:adec="http://schemas.microsoft.com/office/drawing/2017/decorative" val="1"/>
+                <adec:decorative xmlns:adec="http://schemas.microsoft.com/office/drawing/2017/decorative" xmlns="" val="1"/>
               </a:ext>
             </a:extLst>
           </p:cNvPr>
@@ -3917,7 +3918,7 @@
           <p:nvPr>
             <p:extLst>
               <p:ext uri="{386F3935-93C4-4BCD-93E2-E3B085C9AB24}">
-                <p16:designElem xmlns:p16="http://schemas.microsoft.com/office/powerpoint/2015/main" val="1"/>
+                <p16:designElem xmlns:p16="http://schemas.microsoft.com/office/powerpoint/2015/main" xmlns="" val="1"/>
               </p:ext>
             </p:extLst>
           </p:nvPr>
@@ -3956,10 +3957,10 @@
           <p:cNvPr id="28" name="Rectangle 27">
             <a:extLst>
               <a:ext uri="{FF2B5EF4-FFF2-40B4-BE49-F238E27FC236}">
-                <a16:creationId xmlns:a16="http://schemas.microsoft.com/office/drawing/2014/main" id="{5BC87C3E-1040-4EE4-9BDB-9537F7A1B335}"/>
+                <a16:creationId xmlns:a16="http://schemas.microsoft.com/office/drawing/2014/main" xmlns="" id="{5BC87C3E-1040-4EE4-9BDB-9537F7A1B335}"/>
               </a:ext>
               <a:ext uri="{C183D7F6-B498-43B3-948B-1728B52AA6E4}">
-                <adec:decorative xmlns:adec="http://schemas.microsoft.com/office/drawing/2017/decorative" val="1"/>
+                <adec:decorative xmlns:adec="http://schemas.microsoft.com/office/drawing/2017/decorative" xmlns="" val="1"/>
               </a:ext>
             </a:extLst>
           </p:cNvPr>
@@ -3969,7 +3970,7 @@
           <p:nvPr>
             <p:extLst>
               <p:ext uri="{386F3935-93C4-4BCD-93E2-E3B085C9AB24}">
-                <p16:designElem xmlns:p16="http://schemas.microsoft.com/office/powerpoint/2015/main" val="1"/>
+                <p16:designElem xmlns:p16="http://schemas.microsoft.com/office/powerpoint/2015/main" xmlns="" val="1"/>
               </p:ext>
             </p:extLst>
           </p:nvPr>
@@ -4019,7 +4020,7 @@
           <p:cNvPr id="2" name="Title 1">
             <a:extLst>
               <a:ext uri="{FF2B5EF4-FFF2-40B4-BE49-F238E27FC236}">
-                <a16:creationId xmlns:a16="http://schemas.microsoft.com/office/drawing/2014/main" id="{BCF2741A-0981-4309-8FD9-C07735E5DC43}"/>
+                <a16:creationId xmlns:a16="http://schemas.microsoft.com/office/drawing/2014/main" xmlns="" id="{BCF2741A-0981-4309-8FD9-C07735E5DC43}"/>
               </a:ext>
             </a:extLst>
           </p:cNvPr>
@@ -4046,7 +4047,7 @@
               <a:rPr lang="sl-SI" sz="6600"/>
               <a:t>Ekosistem</a:t>
             </a:r>
-            <a:endParaRPr lang="en-SI" sz="6600"/>
+            <a:endParaRPr lang="x-none" sz="6600"/>
           </a:p>
         </p:txBody>
       </p:sp>
@@ -4055,7 +4056,7 @@
           <p:cNvPr id="3" name="Subtitle 2">
             <a:extLst>
               <a:ext uri="{FF2B5EF4-FFF2-40B4-BE49-F238E27FC236}">
-                <a16:creationId xmlns:a16="http://schemas.microsoft.com/office/drawing/2014/main" id="{5BFD82B4-5754-451B-B181-16730336C3BD}"/>
+                <a16:creationId xmlns:a16="http://schemas.microsoft.com/office/drawing/2014/main" xmlns="" id="{5BFD82B4-5754-451B-B181-16730336C3BD}"/>
               </a:ext>
             </a:extLst>
           </p:cNvPr>
@@ -4082,7 +4083,7 @@
               <a:rPr lang="sl-SI"/>
               <a:t>Avtorji: Cundrič Larsen, Grabus Mustafa, Mohorčič Domen</a:t>
             </a:r>
-            <a:endParaRPr lang="en-SI" dirty="0"/>
+            <a:endParaRPr lang="x-none" dirty="0"/>
           </a:p>
         </p:txBody>
       </p:sp>
@@ -4091,10 +4092,10 @@
           <p:cNvPr id="30" name="Straight Connector 29">
             <a:extLst>
               <a:ext uri="{FF2B5EF4-FFF2-40B4-BE49-F238E27FC236}">
-                <a16:creationId xmlns:a16="http://schemas.microsoft.com/office/drawing/2014/main" id="{42CDBECE-872A-4C73-9DC1-BB4E805E2CF5}"/>
+                <a16:creationId xmlns:a16="http://schemas.microsoft.com/office/drawing/2014/main" xmlns="" id="{42CDBECE-872A-4C73-9DC1-BB4E805E2CF5}"/>
               </a:ext>
               <a:ext uri="{C183D7F6-B498-43B3-948B-1728B52AA6E4}">
-                <adec:decorative xmlns:adec="http://schemas.microsoft.com/office/drawing/2017/decorative" val="1"/>
+                <adec:decorative xmlns:adec="http://schemas.microsoft.com/office/drawing/2017/decorative" xmlns="" val="1"/>
               </a:ext>
             </a:extLst>
           </p:cNvPr>
@@ -4104,7 +4105,7 @@
           <p:nvPr>
             <p:extLst>
               <p:ext uri="{386F3935-93C4-4BCD-93E2-E3B085C9AB24}">
-                <p16:designElem xmlns:p16="http://schemas.microsoft.com/office/powerpoint/2015/main" val="1"/>
+                <p16:designElem xmlns:p16="http://schemas.microsoft.com/office/powerpoint/2015/main" xmlns="" val="1"/>
               </p:ext>
             </p:extLst>
           </p:nvPr>
@@ -4146,10 +4147,10 @@
           <p:cNvPr id="32" name="Straight Connector 31">
             <a:extLst>
               <a:ext uri="{FF2B5EF4-FFF2-40B4-BE49-F238E27FC236}">
-                <a16:creationId xmlns:a16="http://schemas.microsoft.com/office/drawing/2014/main" id="{F5CD5A0B-CDD7-427C-AA42-2EECFDFA1811}"/>
+                <a16:creationId xmlns:a16="http://schemas.microsoft.com/office/drawing/2014/main" xmlns="" id="{F5CD5A0B-CDD7-427C-AA42-2EECFDFA1811}"/>
               </a:ext>
               <a:ext uri="{C183D7F6-B498-43B3-948B-1728B52AA6E4}">
-                <adec:decorative xmlns:adec="http://schemas.microsoft.com/office/drawing/2017/decorative" val="1"/>
+                <adec:decorative xmlns:adec="http://schemas.microsoft.com/office/drawing/2017/decorative" xmlns="" val="1"/>
               </a:ext>
             </a:extLst>
           </p:cNvPr>
@@ -4159,7 +4160,7 @@
           <p:nvPr>
             <p:extLst>
               <p:ext uri="{386F3935-93C4-4BCD-93E2-E3B085C9AB24}">
-                <p16:designElem xmlns:p16="http://schemas.microsoft.com/office/powerpoint/2015/main" val="1"/>
+                <p16:designElem xmlns:p16="http://schemas.microsoft.com/office/powerpoint/2015/main" xmlns="" val="1"/>
               </p:ext>
             </p:extLst>
           </p:nvPr>
@@ -4209,14 +4210,6 @@
 <file path=ppt/slides/slide10.xml><?xml version="1.0" encoding="utf-8"?>
 <p:sld xmlns:a="http://schemas.openxmlformats.org/drawingml/2006/main" xmlns:r="http://schemas.openxmlformats.org/officeDocument/2006/relationships" xmlns:p="http://schemas.openxmlformats.org/presentationml/2006/main">
   <p:cSld>
-    <p:bg>
-      <p:bgPr>
-        <a:solidFill>
-          <a:schemeClr val="bg1"/>
-        </a:solidFill>
-        <a:effectLst/>
-      </p:bgPr>
-    </p:bg>
     <p:spTree>
       <p:nvGrpSpPr>
         <p:cNvPr id="1" name=""/>
@@ -4231,178 +4224,239 @@
           <a:chExt cx="0" cy="0"/>
         </a:xfrm>
       </p:grpSpPr>
-      <p:sp>
-        <p:nvSpPr>
-          <p:cNvPr id="15" name="Rectangle 14">
-            <a:extLst>
-              <a:ext uri="{FF2B5EF4-FFF2-40B4-BE49-F238E27FC236}">
-                <a16:creationId xmlns:a16="http://schemas.microsoft.com/office/drawing/2014/main" id="{1707FC24-6981-43D9-B525-C7832BA22463}"/>
-              </a:ext>
-              <a:ext uri="{C183D7F6-B498-43B3-948B-1728B52AA6E4}">
-                <adec:decorative xmlns:adec="http://schemas.microsoft.com/office/drawing/2017/decorative" val="1"/>
-              </a:ext>
-            </a:extLst>
-          </p:cNvPr>
-          <p:cNvSpPr>
-            <a:spLocks noGrp="1" noRot="1" noChangeAspect="1" noMove="1" noResize="1" noEditPoints="1" noAdjustHandles="1" noChangeArrowheads="1" noChangeShapeType="1" noTextEdit="1"/>
-          </p:cNvSpPr>
-          <p:nvPr>
-            <p:extLst>
-              <p:ext uri="{386F3935-93C4-4BCD-93E2-E3B085C9AB24}">
-                <p16:designElem xmlns:p16="http://schemas.microsoft.com/office/powerpoint/2015/main" val="1"/>
-              </p:ext>
-            </p:extLst>
-          </p:nvPr>
-        </p:nvSpPr>
-        <p:spPr bwMode="ltGray">
-          <a:xfrm>
-            <a:off x="336884" y="311449"/>
-            <a:ext cx="4332307" cy="6179552"/>
-          </a:xfrm>
-          <a:prstGeom prst="rect">
-            <a:avLst/>
-          </a:prstGeom>
-          <a:solidFill>
-            <a:srgbClr val="404040"/>
-          </a:solidFill>
-          <a:ln w="127000" cap="sq" cmpd="thinThick">
-            <a:solidFill>
-              <a:srgbClr val="404040"/>
-            </a:solidFill>
-          </a:ln>
-        </p:spPr>
-        <p:style>
-          <a:lnRef idx="2">
-            <a:schemeClr val="accent1">
-              <a:shade val="50000"/>
-            </a:schemeClr>
-          </a:lnRef>
-          <a:fillRef idx="1">
-            <a:schemeClr val="accent1"/>
-          </a:fillRef>
-          <a:effectRef idx="0">
-            <a:schemeClr val="accent1"/>
-          </a:effectRef>
-          <a:fontRef idx="minor">
-            <a:schemeClr val="lt1"/>
-          </a:fontRef>
-        </p:style>
-        <p:txBody>
-          <a:bodyPr rtlCol="0" anchor="ctr"/>
-          <a:lstStyle/>
-          <a:p>
-            <a:pPr algn="ctr"/>
-            <a:endParaRPr lang="en-US"/>
-          </a:p>
-        </p:txBody>
-      </p:sp>
-      <p:sp>
-        <p:nvSpPr>
-          <p:cNvPr id="2" name="Title 1">
-            <a:extLst>
-              <a:ext uri="{FF2B5EF4-FFF2-40B4-BE49-F238E27FC236}">
-                <a16:creationId xmlns:a16="http://schemas.microsoft.com/office/drawing/2014/main" id="{7C12CEA0-316C-4505-AE4F-96F4B6A806D6}"/>
-              </a:ext>
-            </a:extLst>
-          </p:cNvPr>
-          <p:cNvSpPr>
-            <a:spLocks noGrp="1"/>
-          </p:cNvSpPr>
-          <p:nvPr>
-            <p:ph type="title"/>
-          </p:nvPr>
-        </p:nvSpPr>
-        <p:spPr>
-          <a:xfrm>
-            <a:off x="742950" y="742951"/>
-            <a:ext cx="3476625" cy="4962524"/>
-          </a:xfrm>
-        </p:spPr>
-        <p:txBody>
-          <a:bodyPr vert="horz" lIns="91440" tIns="45720" rIns="91440" bIns="45720" rtlCol="0" anchor="ctr">
-            <a:normAutofit/>
-          </a:bodyPr>
-          <a:lstStyle/>
-          <a:p>
-            <a:pPr algn="ctr"/>
-            <a:r>
-              <a:rPr lang="en-US" sz="4800" kern="1200">
-                <a:solidFill>
-                  <a:srgbClr val="FFFFFF"/>
-                </a:solidFill>
-                <a:latin typeface="+mj-lt"/>
-                <a:ea typeface="+mj-ea"/>
-                <a:cs typeface="+mj-cs"/>
-              </a:rPr>
-              <a:t>Jacobijeva matrika</a:t>
-            </a:r>
-          </a:p>
-        </p:txBody>
-      </p:sp>
       <p:pic>
         <p:nvPicPr>
-          <p:cNvPr id="10" name="Picture 9">
-            <a:extLst>
-              <a:ext uri="{FF2B5EF4-FFF2-40B4-BE49-F238E27FC236}">
-                <a16:creationId xmlns:a16="http://schemas.microsoft.com/office/drawing/2014/main" id="{5224320D-77A3-42C5-ABC1-954D5C15DED2}"/>
+          <p:cNvPr id="1032" name="Picture 8">
+            <a:extLst>
+              <a:ext uri="{FF2B5EF4-FFF2-40B4-BE49-F238E27FC236}">
+                <a16:creationId xmlns:a16="http://schemas.microsoft.com/office/drawing/2014/main" xmlns="" id="{6517F2BC-A176-4ABE-8A72-573FFB2786B5}"/>
               </a:ext>
             </a:extLst>
           </p:cNvPr>
           <p:cNvPicPr>
-            <a:picLocks noChangeAspect="1"/>
+            <a:picLocks noChangeAspect="1" noChangeArrowheads="1"/>
           </p:cNvPicPr>
           <p:nvPr/>
         </p:nvPicPr>
         <p:blipFill>
-          <a:blip r:embed="rId2"/>
+          <a:blip r:embed="rId3" cstate="print">
+            <a:extLst>
+              <a:ext uri="{28A0092B-C50C-407E-A947-70E740481C1C}">
+                <a14:useLocalDpi xmlns:a14="http://schemas.microsoft.com/office/drawing/2010/main" val="0"/>
+              </a:ext>
+            </a:extLst>
+          </a:blip>
+          <a:srcRect/>
           <a:stretch>
             <a:fillRect/>
           </a:stretch>
         </p:blipFill>
-        <p:spPr>
-          <a:xfrm>
-            <a:off x="4895505" y="1208998"/>
-            <a:ext cx="6553545" cy="2015215"/>
+        <p:spPr bwMode="auto">
+          <a:xfrm>
+            <a:off x="6060816" y="3596045"/>
+            <a:ext cx="6096000" cy="3246438"/>
           </a:xfrm>
           <a:prstGeom prst="rect">
             <a:avLst/>
           </a:prstGeom>
+          <a:noFill/>
+          <a:extLst>
+            <a:ext uri="{909E8E84-426E-40DD-AFC4-6F175D3DCCD1}">
+              <a14:hiddenFill xmlns:a14="http://schemas.microsoft.com/office/drawing/2010/main">
+                <a:solidFill>
+                  <a:srgbClr val="FFFFFF"/>
+                </a:solidFill>
+              </a14:hiddenFill>
+            </a:ext>
+          </a:extLst>
         </p:spPr>
       </p:pic>
       <p:pic>
         <p:nvPicPr>
-          <p:cNvPr id="9" name="Picture 8">
-            <a:extLst>
-              <a:ext uri="{FF2B5EF4-FFF2-40B4-BE49-F238E27FC236}">
-                <a16:creationId xmlns:a16="http://schemas.microsoft.com/office/drawing/2014/main" id="{475AAA2F-192E-42ED-8A92-1B3537F3C4FB}"/>
+          <p:cNvPr id="1030" name="Picture 6">
+            <a:extLst>
+              <a:ext uri="{FF2B5EF4-FFF2-40B4-BE49-F238E27FC236}">
+                <a16:creationId xmlns:a16="http://schemas.microsoft.com/office/drawing/2014/main" xmlns="" id="{846141A1-997E-49F0-9EDC-08B1C7CF72D7}"/>
               </a:ext>
             </a:extLst>
           </p:cNvPr>
           <p:cNvPicPr>
-            <a:picLocks noChangeAspect="1"/>
+            <a:picLocks noChangeAspect="1" noChangeArrowheads="1"/>
           </p:cNvPicPr>
           <p:nvPr/>
         </p:nvPicPr>
         <p:blipFill>
-          <a:blip r:embed="rId3"/>
+          <a:blip r:embed="rId4" cstate="print">
+            <a:extLst>
+              <a:ext uri="{28A0092B-C50C-407E-A947-70E740481C1C}">
+                <a14:useLocalDpi xmlns:a14="http://schemas.microsoft.com/office/drawing/2010/main" val="0"/>
+              </a:ext>
+            </a:extLst>
+          </a:blip>
+          <a:srcRect/>
           <a:stretch>
             <a:fillRect/>
           </a:stretch>
         </p:blipFill>
-        <p:spPr>
-          <a:xfrm>
-            <a:off x="5295900" y="4271962"/>
-            <a:ext cx="6153150" cy="926583"/>
+        <p:spPr bwMode="auto">
+          <a:xfrm>
+            <a:off x="0" y="3618004"/>
+            <a:ext cx="6025630" cy="3239997"/>
           </a:xfrm>
           <a:prstGeom prst="rect">
             <a:avLst/>
           </a:prstGeom>
+          <a:noFill/>
+          <a:extLst>
+            <a:ext uri="{909E8E84-426E-40DD-AFC4-6F175D3DCCD1}">
+              <a14:hiddenFill xmlns:a14="http://schemas.microsoft.com/office/drawing/2010/main">
+                <a:solidFill>
+                  <a:srgbClr val="FFFFFF"/>
+                </a:solidFill>
+              </a14:hiddenFill>
+            </a:ext>
+          </a:extLst>
         </p:spPr>
       </p:pic>
+      <p:pic>
+        <p:nvPicPr>
+          <p:cNvPr id="1026" name="Picture 2">
+            <a:extLst>
+              <a:ext uri="{FF2B5EF4-FFF2-40B4-BE49-F238E27FC236}">
+                <a16:creationId xmlns:a16="http://schemas.microsoft.com/office/drawing/2014/main" xmlns="" id="{60346915-3533-4057-BA0D-4820E4309C08}"/>
+              </a:ext>
+            </a:extLst>
+          </p:cNvPr>
+          <p:cNvPicPr>
+            <a:picLocks noGrp="1" noChangeAspect="1" noChangeArrowheads="1"/>
+          </p:cNvPicPr>
+          <p:nvPr>
+            <p:ph idx="1"/>
+          </p:nvPr>
+        </p:nvPicPr>
+        <p:blipFill>
+          <a:blip r:embed="rId5">
+            <a:extLst>
+              <a:ext uri="{28A0092B-C50C-407E-A947-70E740481C1C}">
+                <a14:useLocalDpi xmlns:a14="http://schemas.microsoft.com/office/drawing/2010/main" val="0"/>
+              </a:ext>
+            </a:extLst>
+          </a:blip>
+          <a:srcRect/>
+          <a:stretch>
+            <a:fillRect/>
+          </a:stretch>
+        </p:blipFill>
+        <p:spPr bwMode="auto">
+          <a:xfrm>
+            <a:off x="-401507" y="-21960"/>
+            <a:ext cx="6444730" cy="3618005"/>
+          </a:xfrm>
+          <a:prstGeom prst="rect">
+            <a:avLst/>
+          </a:prstGeom>
+          <a:noFill/>
+          <a:extLst>
+            <a:ext uri="{909E8E84-426E-40DD-AFC4-6F175D3DCCD1}">
+              <a14:hiddenFill xmlns:a14="http://schemas.microsoft.com/office/drawing/2010/main">
+                <a:solidFill>
+                  <a:srgbClr val="FFFFFF"/>
+                </a:solidFill>
+              </a14:hiddenFill>
+            </a:ext>
+          </a:extLst>
+        </p:spPr>
+      </p:pic>
+      <p:pic>
+        <p:nvPicPr>
+          <p:cNvPr id="1028" name="Picture 4">
+            <a:extLst>
+              <a:ext uri="{FF2B5EF4-FFF2-40B4-BE49-F238E27FC236}">
+                <a16:creationId xmlns:a16="http://schemas.microsoft.com/office/drawing/2014/main" xmlns="" id="{AF00373C-CC6C-49D9-9AF9-D63FEE1BA7AD}"/>
+              </a:ext>
+            </a:extLst>
+          </p:cNvPr>
+          <p:cNvPicPr>
+            <a:picLocks noChangeAspect="1" noChangeArrowheads="1"/>
+          </p:cNvPicPr>
+          <p:nvPr/>
+        </p:nvPicPr>
+        <p:blipFill>
+          <a:blip r:embed="rId6">
+            <a:extLst>
+              <a:ext uri="{28A0092B-C50C-407E-A947-70E740481C1C}">
+                <a14:useLocalDpi xmlns:a14="http://schemas.microsoft.com/office/drawing/2010/main" val="0"/>
+              </a:ext>
+            </a:extLst>
+          </a:blip>
+          <a:srcRect/>
+          <a:stretch>
+            <a:fillRect/>
+          </a:stretch>
+        </p:blipFill>
+        <p:spPr bwMode="auto">
+          <a:xfrm>
+            <a:off x="6060816" y="-2"/>
+            <a:ext cx="6096000" cy="3555969"/>
+          </a:xfrm>
+          <a:prstGeom prst="rect">
+            <a:avLst/>
+          </a:prstGeom>
+          <a:noFill/>
+          <a:extLst>
+            <a:ext uri="{909E8E84-426E-40DD-AFC4-6F175D3DCCD1}">
+              <a14:hiddenFill xmlns:a14="http://schemas.microsoft.com/office/drawing/2010/main">
+                <a:solidFill>
+                  <a:srgbClr val="FFFFFF"/>
+                </a:solidFill>
+              </a14:hiddenFill>
+            </a:ext>
+          </a:extLst>
+        </p:spPr>
+      </p:pic>
+      <p:sp>
+        <p:nvSpPr>
+          <p:cNvPr id="2" name="Title 1">
+            <a:extLst>
+              <a:ext uri="{FF2B5EF4-FFF2-40B4-BE49-F238E27FC236}">
+                <a16:creationId xmlns:a16="http://schemas.microsoft.com/office/drawing/2014/main" xmlns="" id="{974FCF30-68D8-48F1-933E-C371712B3339}"/>
+              </a:ext>
+            </a:extLst>
+          </p:cNvPr>
+          <p:cNvSpPr>
+            <a:spLocks noGrp="1"/>
+          </p:cNvSpPr>
+          <p:nvPr>
+            <p:ph type="title"/>
+          </p:nvPr>
+        </p:nvSpPr>
+        <p:spPr>
+          <a:xfrm>
+            <a:off x="105556" y="2995301"/>
+            <a:ext cx="12121632" cy="1325563"/>
+          </a:xfrm>
+        </p:spPr>
+        <p:txBody>
+          <a:bodyPr/>
+          <a:lstStyle/>
+          <a:p>
+            <a:pPr algn="ctr"/>
+            <a:r>
+              <a:rPr lang="sl-SI" sz="5000" b="1" dirty="0"/>
+              <a:t>Naloga</a:t>
+            </a:r>
+            <a:r>
+              <a:rPr lang="sl-SI" b="1" dirty="0"/>
+              <a:t> 5</a:t>
+            </a:r>
+            <a:endParaRPr lang="x-none" dirty="0"/>
+          </a:p>
+        </p:txBody>
+      </p:sp>
     </p:spTree>
     <p:extLst>
       <p:ext uri="{BB962C8B-B14F-4D97-AF65-F5344CB8AC3E}">
-        <p14:creationId xmlns:p14="http://schemas.microsoft.com/office/powerpoint/2010/main" val="2556624793"/>
+        <p14:creationId xmlns:p14="http://schemas.microsoft.com/office/powerpoint/2010/main" val="3188408770"/>
       </p:ext>
     </p:extLst>
   </p:cSld>
@@ -4439,13 +4493,13 @@
       </p:grpSpPr>
       <p:sp>
         <p:nvSpPr>
-          <p:cNvPr id="25" name="Rectangle 24">
-            <a:extLst>
-              <a:ext uri="{FF2B5EF4-FFF2-40B4-BE49-F238E27FC236}">
-                <a16:creationId xmlns:a16="http://schemas.microsoft.com/office/drawing/2014/main" id="{A4AC5506-6312-4701-8D3C-40187889A947}"/>
+          <p:cNvPr id="15" name="Rectangle 14">
+            <a:extLst>
+              <a:ext uri="{FF2B5EF4-FFF2-40B4-BE49-F238E27FC236}">
+                <a16:creationId xmlns:a16="http://schemas.microsoft.com/office/drawing/2014/main" xmlns="" id="{1707FC24-6981-43D9-B525-C7832BA22463}"/>
               </a:ext>
               <a:ext uri="{C183D7F6-B498-43B3-948B-1728B52AA6E4}">
-                <adec:decorative xmlns:adec="http://schemas.microsoft.com/office/drawing/2017/decorative" val="1"/>
+                <adec:decorative xmlns:adec="http://schemas.microsoft.com/office/drawing/2017/decorative" xmlns="" val="1"/>
               </a:ext>
             </a:extLst>
           </p:cNvPr>
@@ -4455,24 +4509,26 @@
           <p:nvPr>
             <p:extLst>
               <p:ext uri="{386F3935-93C4-4BCD-93E2-E3B085C9AB24}">
-                <p16:designElem xmlns:p16="http://schemas.microsoft.com/office/powerpoint/2015/main" val="1"/>
+                <p16:designElem xmlns:p16="http://schemas.microsoft.com/office/powerpoint/2015/main" xmlns="" val="1"/>
               </p:ext>
             </p:extLst>
           </p:nvPr>
         </p:nvSpPr>
-        <p:spPr>
-          <a:xfrm>
-            <a:off x="0" y="651752"/>
-            <a:ext cx="12192000" cy="736551"/>
+        <p:spPr bwMode="ltGray">
+          <a:xfrm>
+            <a:off x="336884" y="311449"/>
+            <a:ext cx="4332307" cy="6179552"/>
           </a:xfrm>
           <a:prstGeom prst="rect">
             <a:avLst/>
           </a:prstGeom>
           <a:solidFill>
-            <a:schemeClr val="tx1"/>
+            <a:srgbClr val="404040"/>
           </a:solidFill>
-          <a:ln>
-            <a:noFill/>
+          <a:ln w="127000" cap="sq" cmpd="thinThick">
+            <a:solidFill>
+              <a:srgbClr val="404040"/>
+            </a:solidFill>
           </a:ln>
         </p:spPr>
         <p:style>
@@ -4505,7 +4561,7 @@
           <p:cNvPr id="2" name="Title 1">
             <a:extLst>
               <a:ext uri="{FF2B5EF4-FFF2-40B4-BE49-F238E27FC236}">
-                <a16:creationId xmlns:a16="http://schemas.microsoft.com/office/drawing/2014/main" id="{AE2186BD-C379-406F-BE8A-51312B078220}"/>
+                <a16:creationId xmlns:a16="http://schemas.microsoft.com/office/drawing/2014/main" xmlns="" id="{7C12CEA0-316C-4505-AE4F-96F4B6A806D6}"/>
               </a:ext>
             </a:extLst>
           </p:cNvPr>
@@ -4518,8 +4574,8 @@
         </p:nvSpPr>
         <p:spPr>
           <a:xfrm>
-            <a:off x="556532" y="643467"/>
-            <a:ext cx="11210925" cy="744836"/>
+            <a:off x="742950" y="742951"/>
+            <a:ext cx="3476625" cy="4962524"/>
           </a:xfrm>
         </p:spPr>
         <p:txBody>
@@ -4530,25 +4586,25 @@
           <a:p>
             <a:pPr algn="ctr"/>
             <a:r>
-              <a:rPr lang="en-US" sz="3200" kern="1200">
+              <a:rPr lang="en-US" sz="4800" kern="1200">
                 <a:solidFill>
-                  <a:schemeClr val="bg1"/>
+                  <a:srgbClr val="FFFFFF"/>
                 </a:solidFill>
                 <a:latin typeface="+mj-lt"/>
                 <a:ea typeface="+mj-ea"/>
                 <a:cs typeface="+mj-cs"/>
               </a:rPr>
-              <a:t>Ciklično obnašanje - CENTER</a:t>
+              <a:t>Jacobijeva matrika</a:t>
             </a:r>
           </a:p>
         </p:txBody>
       </p:sp>
       <p:pic>
         <p:nvPicPr>
-          <p:cNvPr id="11" name="Content Placeholder 4" descr="A screenshot of a social media post&#10;&#10;Description automatically generated">
-            <a:extLst>
-              <a:ext uri="{FF2B5EF4-FFF2-40B4-BE49-F238E27FC236}">
-                <a16:creationId xmlns:a16="http://schemas.microsoft.com/office/drawing/2014/main" id="{5BB22C63-26F2-4906-88E1-E47ED01C9773}"/>
+          <p:cNvPr id="10" name="Picture 9">
+            <a:extLst>
+              <a:ext uri="{FF2B5EF4-FFF2-40B4-BE49-F238E27FC236}">
+                <a16:creationId xmlns:a16="http://schemas.microsoft.com/office/drawing/2014/main" xmlns="" id="{5224320D-77A3-42C5-ABC1-954D5C15DED2}"/>
               </a:ext>
             </a:extLst>
           </p:cNvPr>
@@ -4557,21 +4613,46 @@
           </p:cNvPicPr>
           <p:nvPr/>
         </p:nvPicPr>
-        <p:blipFill rotWithShape="1">
-          <a:blip r:embed="rId2">
-            <a:extLst>
-              <a:ext uri="{28A0092B-C50C-407E-A947-70E740481C1C}">
-                <a14:useLocalDpi xmlns:a14="http://schemas.microsoft.com/office/drawing/2010/main" val="0"/>
-              </a:ext>
-            </a:extLst>
-          </a:blip>
-          <a:srcRect r="2" b="5226"/>
-          <a:stretch/>
+        <p:blipFill>
+          <a:blip r:embed="rId2"/>
+          <a:stretch>
+            <a:fillRect/>
+          </a:stretch>
         </p:blipFill>
         <p:spPr>
           <a:xfrm>
-            <a:off x="2602138" y="1548988"/>
-            <a:ext cx="6987724" cy="5099462"/>
+            <a:off x="4895505" y="1208998"/>
+            <a:ext cx="6553545" cy="2015215"/>
+          </a:xfrm>
+          <a:prstGeom prst="rect">
+            <a:avLst/>
+          </a:prstGeom>
+        </p:spPr>
+      </p:pic>
+      <p:pic>
+        <p:nvPicPr>
+          <p:cNvPr id="9" name="Picture 8">
+            <a:extLst>
+              <a:ext uri="{FF2B5EF4-FFF2-40B4-BE49-F238E27FC236}">
+                <a16:creationId xmlns:a16="http://schemas.microsoft.com/office/drawing/2014/main" xmlns="" id="{475AAA2F-192E-42ED-8A92-1B3537F3C4FB}"/>
+              </a:ext>
+            </a:extLst>
+          </p:cNvPr>
+          <p:cNvPicPr>
+            <a:picLocks noChangeAspect="1"/>
+          </p:cNvPicPr>
+          <p:nvPr/>
+        </p:nvPicPr>
+        <p:blipFill>
+          <a:blip r:embed="rId3"/>
+          <a:stretch>
+            <a:fillRect/>
+          </a:stretch>
+        </p:blipFill>
+        <p:spPr>
+          <a:xfrm>
+            <a:off x="5295900" y="4271962"/>
+            <a:ext cx="6153150" cy="926583"/>
           </a:xfrm>
           <a:prstGeom prst="rect">
             <a:avLst/>
@@ -4581,7 +4662,7 @@
     </p:spTree>
     <p:extLst>
       <p:ext uri="{BB962C8B-B14F-4D97-AF65-F5344CB8AC3E}">
-        <p14:creationId xmlns:p14="http://schemas.microsoft.com/office/powerpoint/2010/main" val="2788916109"/>
+        <p14:creationId xmlns:p14="http://schemas.microsoft.com/office/powerpoint/2010/main" val="2556624793"/>
       </p:ext>
     </p:extLst>
   </p:cSld>
@@ -4618,13 +4699,13 @@
       </p:grpSpPr>
       <p:sp>
         <p:nvSpPr>
-          <p:cNvPr id="17" name="Rectangle 16">
-            <a:extLst>
-              <a:ext uri="{FF2B5EF4-FFF2-40B4-BE49-F238E27FC236}">
-                <a16:creationId xmlns:a16="http://schemas.microsoft.com/office/drawing/2014/main" id="{A4AC5506-6312-4701-8D3C-40187889A947}"/>
+          <p:cNvPr id="25" name="Rectangle 24">
+            <a:extLst>
+              <a:ext uri="{FF2B5EF4-FFF2-40B4-BE49-F238E27FC236}">
+                <a16:creationId xmlns:a16="http://schemas.microsoft.com/office/drawing/2014/main" xmlns="" id="{A4AC5506-6312-4701-8D3C-40187889A947}"/>
               </a:ext>
               <a:ext uri="{C183D7F6-B498-43B3-948B-1728B52AA6E4}">
-                <adec:decorative xmlns:adec="http://schemas.microsoft.com/office/drawing/2017/decorative" val="1"/>
+                <adec:decorative xmlns:adec="http://schemas.microsoft.com/office/drawing/2017/decorative" xmlns="" val="1"/>
               </a:ext>
             </a:extLst>
           </p:cNvPr>
@@ -4634,7 +4715,7 @@
           <p:nvPr>
             <p:extLst>
               <p:ext uri="{386F3935-93C4-4BCD-93E2-E3B085C9AB24}">
-                <p16:designElem xmlns:p16="http://schemas.microsoft.com/office/powerpoint/2015/main" val="1"/>
+                <p16:designElem xmlns:p16="http://schemas.microsoft.com/office/powerpoint/2015/main" xmlns="" val="1"/>
               </p:ext>
             </p:extLst>
           </p:nvPr>
@@ -4684,7 +4765,7 @@
           <p:cNvPr id="2" name="Title 1">
             <a:extLst>
               <a:ext uri="{FF2B5EF4-FFF2-40B4-BE49-F238E27FC236}">
-                <a16:creationId xmlns:a16="http://schemas.microsoft.com/office/drawing/2014/main" id="{B43319B9-89FC-45BE-8D08-60B2BA5A062E}"/>
+                <a16:creationId xmlns:a16="http://schemas.microsoft.com/office/drawing/2014/main" xmlns="" id="{AE2186BD-C379-406F-BE8A-51312B078220}"/>
               </a:ext>
             </a:extLst>
           </p:cNvPr>
@@ -4717,26 +4798,26 @@
                 <a:ea typeface="+mj-ea"/>
                 <a:cs typeface="+mj-cs"/>
               </a:rPr>
-              <a:t>Asimptotično ciklično obnašanje – SPIRALNI LIJAK </a:t>
+              <a:t>Ciklično obnašanje - CENTER</a:t>
             </a:r>
           </a:p>
         </p:txBody>
       </p:sp>
       <p:pic>
         <p:nvPicPr>
-          <p:cNvPr id="5" name="Picture 2">
-            <a:extLst>
-              <a:ext uri="{FF2B5EF4-FFF2-40B4-BE49-F238E27FC236}">
-                <a16:creationId xmlns:a16="http://schemas.microsoft.com/office/drawing/2014/main" id="{675B614B-1F2E-4B22-8B9D-2B31BDC2E27A}"/>
+          <p:cNvPr id="11" name="Content Placeholder 4" descr="A screenshot of a social media post&#10;&#10;Description automatically generated">
+            <a:extLst>
+              <a:ext uri="{FF2B5EF4-FFF2-40B4-BE49-F238E27FC236}">
+                <a16:creationId xmlns:a16="http://schemas.microsoft.com/office/drawing/2014/main" xmlns="" id="{5BB22C63-26F2-4906-88E1-E47ED01C9773}"/>
               </a:ext>
             </a:extLst>
           </p:cNvPr>
           <p:cNvPicPr>
-            <a:picLocks noChangeAspect="1" noChangeArrowheads="1"/>
+            <a:picLocks noChangeAspect="1"/>
           </p:cNvPicPr>
           <p:nvPr/>
         </p:nvPicPr>
-        <p:blipFill>
+        <p:blipFill rotWithShape="1">
           <a:blip r:embed="rId2">
             <a:extLst>
               <a:ext uri="{28A0092B-C50C-407E-A947-70E740481C1C}">
@@ -4744,34 +4825,23 @@
               </a:ext>
             </a:extLst>
           </a:blip>
-          <a:stretch>
-            <a:fillRect/>
-          </a:stretch>
+          <a:srcRect r="2" b="5226"/>
+          <a:stretch/>
         </p:blipFill>
-        <p:spPr bwMode="auto">
-          <a:xfrm>
-            <a:off x="1486095" y="1621549"/>
-            <a:ext cx="9219810" cy="4817351"/>
+        <p:spPr>
+          <a:xfrm>
+            <a:off x="2602138" y="1548988"/>
+            <a:ext cx="6987724" cy="5099462"/>
           </a:xfrm>
           <a:prstGeom prst="rect">
             <a:avLst/>
           </a:prstGeom>
-          <a:noFill/>
-          <a:extLst>
-            <a:ext uri="{909E8E84-426E-40DD-AFC4-6F175D3DCCD1}">
-              <a14:hiddenFill xmlns:a14="http://schemas.microsoft.com/office/drawing/2010/main">
-                <a:solidFill>
-                  <a:srgbClr val="FFFFFF"/>
-                </a:solidFill>
-              </a14:hiddenFill>
-            </a:ext>
-          </a:extLst>
         </p:spPr>
       </p:pic>
     </p:spTree>
     <p:extLst>
       <p:ext uri="{BB962C8B-B14F-4D97-AF65-F5344CB8AC3E}">
-        <p14:creationId xmlns:p14="http://schemas.microsoft.com/office/powerpoint/2010/main" val="2180251644"/>
+        <p14:creationId xmlns:p14="http://schemas.microsoft.com/office/powerpoint/2010/main" val="2788916109"/>
       </p:ext>
     </p:extLst>
   </p:cSld>
@@ -4808,13 +4878,13 @@
       </p:grpSpPr>
       <p:sp>
         <p:nvSpPr>
-          <p:cNvPr id="19" name="Rectangle 18">
-            <a:extLst>
-              <a:ext uri="{FF2B5EF4-FFF2-40B4-BE49-F238E27FC236}">
-                <a16:creationId xmlns:a16="http://schemas.microsoft.com/office/drawing/2014/main" id="{A4AC5506-6312-4701-8D3C-40187889A947}"/>
+          <p:cNvPr id="17" name="Rectangle 16">
+            <a:extLst>
+              <a:ext uri="{FF2B5EF4-FFF2-40B4-BE49-F238E27FC236}">
+                <a16:creationId xmlns:a16="http://schemas.microsoft.com/office/drawing/2014/main" xmlns="" id="{A4AC5506-6312-4701-8D3C-40187889A947}"/>
               </a:ext>
               <a:ext uri="{C183D7F6-B498-43B3-948B-1728B52AA6E4}">
-                <adec:decorative xmlns:adec="http://schemas.microsoft.com/office/drawing/2017/decorative" val="1"/>
+                <adec:decorative xmlns:adec="http://schemas.microsoft.com/office/drawing/2017/decorative" xmlns="" val="1"/>
               </a:ext>
             </a:extLst>
           </p:cNvPr>
@@ -4824,7 +4894,7 @@
           <p:nvPr>
             <p:extLst>
               <p:ext uri="{386F3935-93C4-4BCD-93E2-E3B085C9AB24}">
-                <p16:designElem xmlns:p16="http://schemas.microsoft.com/office/powerpoint/2015/main" val="1"/>
+                <p16:designElem xmlns:p16="http://schemas.microsoft.com/office/powerpoint/2015/main" xmlns="" val="1"/>
               </p:ext>
             </p:extLst>
           </p:nvPr>
@@ -4874,7 +4944,197 @@
           <p:cNvPr id="2" name="Title 1">
             <a:extLst>
               <a:ext uri="{FF2B5EF4-FFF2-40B4-BE49-F238E27FC236}">
-                <a16:creationId xmlns:a16="http://schemas.microsoft.com/office/drawing/2014/main" id="{BCAD9FEC-CFAE-43AD-827B-C7D24D9C520C}"/>
+                <a16:creationId xmlns:a16="http://schemas.microsoft.com/office/drawing/2014/main" xmlns="" id="{B43319B9-89FC-45BE-8D08-60B2BA5A062E}"/>
+              </a:ext>
+            </a:extLst>
+          </p:cNvPr>
+          <p:cNvSpPr>
+            <a:spLocks noGrp="1"/>
+          </p:cNvSpPr>
+          <p:nvPr>
+            <p:ph type="title"/>
+          </p:nvPr>
+        </p:nvSpPr>
+        <p:spPr>
+          <a:xfrm>
+            <a:off x="556532" y="643467"/>
+            <a:ext cx="11210925" cy="744836"/>
+          </a:xfrm>
+        </p:spPr>
+        <p:txBody>
+          <a:bodyPr vert="horz" lIns="91440" tIns="45720" rIns="91440" bIns="45720" rtlCol="0" anchor="ctr">
+            <a:normAutofit/>
+          </a:bodyPr>
+          <a:lstStyle/>
+          <a:p>
+            <a:pPr algn="ctr"/>
+            <a:r>
+              <a:rPr lang="en-US" sz="3200" kern="1200">
+                <a:solidFill>
+                  <a:schemeClr val="bg1"/>
+                </a:solidFill>
+                <a:latin typeface="+mj-lt"/>
+                <a:ea typeface="+mj-ea"/>
+                <a:cs typeface="+mj-cs"/>
+              </a:rPr>
+              <a:t>Asimptotično ciklično obnašanje – SPIRALNI LIJAK </a:t>
+            </a:r>
+          </a:p>
+        </p:txBody>
+      </p:sp>
+      <p:pic>
+        <p:nvPicPr>
+          <p:cNvPr id="5" name="Picture 2">
+            <a:extLst>
+              <a:ext uri="{FF2B5EF4-FFF2-40B4-BE49-F238E27FC236}">
+                <a16:creationId xmlns:a16="http://schemas.microsoft.com/office/drawing/2014/main" xmlns="" id="{675B614B-1F2E-4B22-8B9D-2B31BDC2E27A}"/>
+              </a:ext>
+            </a:extLst>
+          </p:cNvPr>
+          <p:cNvPicPr>
+            <a:picLocks noChangeAspect="1" noChangeArrowheads="1"/>
+          </p:cNvPicPr>
+          <p:nvPr/>
+        </p:nvPicPr>
+        <p:blipFill>
+          <a:blip r:embed="rId2">
+            <a:extLst>
+              <a:ext uri="{28A0092B-C50C-407E-A947-70E740481C1C}">
+                <a14:useLocalDpi xmlns:a14="http://schemas.microsoft.com/office/drawing/2010/main" val="0"/>
+              </a:ext>
+            </a:extLst>
+          </a:blip>
+          <a:stretch>
+            <a:fillRect/>
+          </a:stretch>
+        </p:blipFill>
+        <p:spPr bwMode="auto">
+          <a:xfrm>
+            <a:off x="1486095" y="1621549"/>
+            <a:ext cx="9219810" cy="4817351"/>
+          </a:xfrm>
+          <a:prstGeom prst="rect">
+            <a:avLst/>
+          </a:prstGeom>
+          <a:noFill/>
+          <a:extLst>
+            <a:ext uri="{909E8E84-426E-40DD-AFC4-6F175D3DCCD1}">
+              <a14:hiddenFill xmlns:a14="http://schemas.microsoft.com/office/drawing/2010/main">
+                <a:solidFill>
+                  <a:srgbClr val="FFFFFF"/>
+                </a:solidFill>
+              </a14:hiddenFill>
+            </a:ext>
+          </a:extLst>
+        </p:spPr>
+      </p:pic>
+    </p:spTree>
+    <p:extLst>
+      <p:ext uri="{BB962C8B-B14F-4D97-AF65-F5344CB8AC3E}">
+        <p14:creationId xmlns:p14="http://schemas.microsoft.com/office/powerpoint/2010/main" val="2180251644"/>
+      </p:ext>
+    </p:extLst>
+  </p:cSld>
+  <p:clrMapOvr>
+    <a:masterClrMapping/>
+  </p:clrMapOvr>
+</p:sld>
+</file>
+
+<file path=ppt/slides/slide14.xml><?xml version="1.0" encoding="utf-8"?>
+<p:sld xmlns:a="http://schemas.openxmlformats.org/drawingml/2006/main" xmlns:r="http://schemas.openxmlformats.org/officeDocument/2006/relationships" xmlns:p="http://schemas.openxmlformats.org/presentationml/2006/main">
+  <p:cSld>
+    <p:bg>
+      <p:bgPr>
+        <a:solidFill>
+          <a:schemeClr val="bg1"/>
+        </a:solidFill>
+        <a:effectLst/>
+      </p:bgPr>
+    </p:bg>
+    <p:spTree>
+      <p:nvGrpSpPr>
+        <p:cNvPr id="1" name=""/>
+        <p:cNvGrpSpPr/>
+        <p:nvPr/>
+      </p:nvGrpSpPr>
+      <p:grpSpPr>
+        <a:xfrm>
+          <a:off x="0" y="0"/>
+          <a:ext cx="0" cy="0"/>
+          <a:chOff x="0" y="0"/>
+          <a:chExt cx="0" cy="0"/>
+        </a:xfrm>
+      </p:grpSpPr>
+      <p:sp>
+        <p:nvSpPr>
+          <p:cNvPr id="19" name="Rectangle 18">
+            <a:extLst>
+              <a:ext uri="{FF2B5EF4-FFF2-40B4-BE49-F238E27FC236}">
+                <a16:creationId xmlns:a16="http://schemas.microsoft.com/office/drawing/2014/main" xmlns="" id="{A4AC5506-6312-4701-8D3C-40187889A947}"/>
+              </a:ext>
+              <a:ext uri="{C183D7F6-B498-43B3-948B-1728B52AA6E4}">
+                <adec:decorative xmlns:adec="http://schemas.microsoft.com/office/drawing/2017/decorative" xmlns="" val="1"/>
+              </a:ext>
+            </a:extLst>
+          </p:cNvPr>
+          <p:cNvSpPr>
+            <a:spLocks noGrp="1" noRot="1" noChangeAspect="1" noMove="1" noResize="1" noEditPoints="1" noAdjustHandles="1" noChangeArrowheads="1" noChangeShapeType="1" noTextEdit="1"/>
+          </p:cNvSpPr>
+          <p:nvPr>
+            <p:extLst>
+              <p:ext uri="{386F3935-93C4-4BCD-93E2-E3B085C9AB24}">
+                <p16:designElem xmlns:p16="http://schemas.microsoft.com/office/powerpoint/2015/main" xmlns="" val="1"/>
+              </p:ext>
+            </p:extLst>
+          </p:nvPr>
+        </p:nvSpPr>
+        <p:spPr>
+          <a:xfrm>
+            <a:off x="0" y="651752"/>
+            <a:ext cx="12192000" cy="736551"/>
+          </a:xfrm>
+          <a:prstGeom prst="rect">
+            <a:avLst/>
+          </a:prstGeom>
+          <a:solidFill>
+            <a:schemeClr val="tx1"/>
+          </a:solidFill>
+          <a:ln>
+            <a:noFill/>
+          </a:ln>
+        </p:spPr>
+        <p:style>
+          <a:lnRef idx="2">
+            <a:schemeClr val="accent1">
+              <a:shade val="50000"/>
+            </a:schemeClr>
+          </a:lnRef>
+          <a:fillRef idx="1">
+            <a:schemeClr val="accent1"/>
+          </a:fillRef>
+          <a:effectRef idx="0">
+            <a:schemeClr val="accent1"/>
+          </a:effectRef>
+          <a:fontRef idx="minor">
+            <a:schemeClr val="lt1"/>
+          </a:fontRef>
+        </p:style>
+        <p:txBody>
+          <a:bodyPr rtlCol="0" anchor="ctr"/>
+          <a:lstStyle/>
+          <a:p>
+            <a:pPr algn="ctr"/>
+            <a:endParaRPr lang="en-US"/>
+          </a:p>
+        </p:txBody>
+      </p:sp>
+      <p:sp>
+        <p:nvSpPr>
+          <p:cNvPr id="2" name="Title 1">
+            <a:extLst>
+              <a:ext uri="{FF2B5EF4-FFF2-40B4-BE49-F238E27FC236}">
+                <a16:creationId xmlns:a16="http://schemas.microsoft.com/office/drawing/2014/main" xmlns="" id="{BCAD9FEC-CFAE-43AD-827B-C7D24D9C520C}"/>
               </a:ext>
             </a:extLst>
           </p:cNvPr>
@@ -4917,7 +5177,7 @@
           <p:cNvPr id="5" name="Content Placeholder 4" descr="A screenshot of a cell phone&#10;&#10;Description automatically generated">
             <a:extLst>
               <a:ext uri="{FF2B5EF4-FFF2-40B4-BE49-F238E27FC236}">
-                <a16:creationId xmlns:a16="http://schemas.microsoft.com/office/drawing/2014/main" id="{579E80C8-65FE-4542-9921-C421F748062D}"/>
+                <a16:creationId xmlns:a16="http://schemas.microsoft.com/office/drawing/2014/main" xmlns="" id="{579E80C8-65FE-4542-9921-C421F748062D}"/>
               </a:ext>
             </a:extLst>
           </p:cNvPr>
@@ -4990,10 +5250,10 @@
           <p:cNvPr id="9" name="Rectangle 8">
             <a:extLst>
               <a:ext uri="{FF2B5EF4-FFF2-40B4-BE49-F238E27FC236}">
-                <a16:creationId xmlns:a16="http://schemas.microsoft.com/office/drawing/2014/main" id="{1707FC24-6981-43D9-B525-C7832BA22463}"/>
+                <a16:creationId xmlns:a16="http://schemas.microsoft.com/office/drawing/2014/main" xmlns="" id="{1707FC24-6981-43D9-B525-C7832BA22463}"/>
               </a:ext>
               <a:ext uri="{C183D7F6-B498-43B3-948B-1728B52AA6E4}">
-                <adec:decorative xmlns:adec="http://schemas.microsoft.com/office/drawing/2017/decorative" val="1"/>
+                <adec:decorative xmlns:adec="http://schemas.microsoft.com/office/drawing/2017/decorative" xmlns="" val="1"/>
               </a:ext>
             </a:extLst>
           </p:cNvPr>
@@ -5003,7 +5263,7 @@
           <p:nvPr>
             <p:extLst>
               <p:ext uri="{386F3935-93C4-4BCD-93E2-E3B085C9AB24}">
-                <p16:designElem xmlns:p16="http://schemas.microsoft.com/office/powerpoint/2015/main" val="1"/>
+                <p16:designElem xmlns:p16="http://schemas.microsoft.com/office/powerpoint/2015/main" xmlns="" val="1"/>
               </p:ext>
             </p:extLst>
           </p:nvPr>
@@ -5055,7 +5315,7 @@
           <p:cNvPr id="2" name="Title 1">
             <a:extLst>
               <a:ext uri="{FF2B5EF4-FFF2-40B4-BE49-F238E27FC236}">
-                <a16:creationId xmlns:a16="http://schemas.microsoft.com/office/drawing/2014/main" id="{F011C09D-0161-4695-AF48-34DE45D4815E}"/>
+                <a16:creationId xmlns:a16="http://schemas.microsoft.com/office/drawing/2014/main" xmlns="" id="{F011C09D-0161-4695-AF48-34DE45D4815E}"/>
               </a:ext>
             </a:extLst>
           </p:cNvPr>
@@ -5194,7 +5454,7 @@
           <p:cNvPr id="4" name="Picture 3">
             <a:extLst>
               <a:ext uri="{FF2B5EF4-FFF2-40B4-BE49-F238E27FC236}">
-                <a16:creationId xmlns:a16="http://schemas.microsoft.com/office/drawing/2014/main" id="{A8B5A65A-4D43-4511-B2A8-74E51E5B9721}"/>
+                <a16:creationId xmlns:a16="http://schemas.microsoft.com/office/drawing/2014/main" xmlns="" id="{A8B5A65A-4D43-4511-B2A8-74E51E5B9721}"/>
               </a:ext>
             </a:extLst>
           </p:cNvPr>
@@ -5262,10 +5522,10 @@
           <p:cNvPr id="14" name="Rectangle 13">
             <a:extLst>
               <a:ext uri="{FF2B5EF4-FFF2-40B4-BE49-F238E27FC236}">
-                <a16:creationId xmlns:a16="http://schemas.microsoft.com/office/drawing/2014/main" id="{EBF87945-A001-489F-9D9B-7D9435F0B9CA}"/>
+                <a16:creationId xmlns:a16="http://schemas.microsoft.com/office/drawing/2014/main" xmlns="" id="{EBF87945-A001-489F-9D9B-7D9435F0B9CA}"/>
               </a:ext>
               <a:ext uri="{C183D7F6-B498-43B3-948B-1728B52AA6E4}">
-                <adec:decorative xmlns:adec="http://schemas.microsoft.com/office/drawing/2017/decorative" val="1"/>
+                <adec:decorative xmlns:adec="http://schemas.microsoft.com/office/drawing/2017/decorative" xmlns="" val="1"/>
               </a:ext>
             </a:extLst>
           </p:cNvPr>
@@ -5275,7 +5535,7 @@
           <p:nvPr>
             <p:extLst>
               <p:ext uri="{386F3935-93C4-4BCD-93E2-E3B085C9AB24}">
-                <p16:designElem xmlns:p16="http://schemas.microsoft.com/office/powerpoint/2015/main" val="1"/>
+                <p16:designElem xmlns:p16="http://schemas.microsoft.com/office/powerpoint/2015/main" xmlns="" val="1"/>
               </p:ext>
             </p:extLst>
           </p:nvPr>
@@ -5328,7 +5588,7 @@
           <p:cNvPr id="2" name="Title 1">
             <a:extLst>
               <a:ext uri="{FF2B5EF4-FFF2-40B4-BE49-F238E27FC236}">
-                <a16:creationId xmlns:a16="http://schemas.microsoft.com/office/drawing/2014/main" id="{630945CB-7501-4110-A922-573ABBB19A3D}"/>
+                <a16:creationId xmlns:a16="http://schemas.microsoft.com/office/drawing/2014/main" xmlns="" id="{630945CB-7501-4110-A922-573ABBB19A3D}"/>
               </a:ext>
             </a:extLst>
           </p:cNvPr>
@@ -5360,7 +5620,7 @@
               </a:rPr>
               <a:t>Dinamika i-te populacije</a:t>
             </a:r>
-            <a:endParaRPr lang="en-SI" dirty="0">
+            <a:endParaRPr lang="x-none" dirty="0">
               <a:solidFill>
                 <a:schemeClr val="bg1"/>
               </a:solidFill>
@@ -5373,7 +5633,7 @@
           <p:cNvPr id="10" name="Content Placeholder 3">
             <a:extLst>
               <a:ext uri="{FF2B5EF4-FFF2-40B4-BE49-F238E27FC236}">
-                <a16:creationId xmlns:a16="http://schemas.microsoft.com/office/drawing/2014/main" id="{ADBCDDA8-E152-410A-B446-5BE30554D41D}"/>
+                <a16:creationId xmlns:a16="http://schemas.microsoft.com/office/drawing/2014/main" xmlns="" id="{ADBCDDA8-E152-410A-B446-5BE30554D41D}"/>
               </a:ext>
             </a:extLst>
           </p:cNvPr>
@@ -5443,10 +5703,10 @@
           <p:cNvPr id="9" name="Rectangle 8">
             <a:extLst>
               <a:ext uri="{FF2B5EF4-FFF2-40B4-BE49-F238E27FC236}">
-                <a16:creationId xmlns:a16="http://schemas.microsoft.com/office/drawing/2014/main" id="{1707FC24-6981-43D9-B525-C7832BA22463}"/>
+                <a16:creationId xmlns:a16="http://schemas.microsoft.com/office/drawing/2014/main" xmlns="" id="{1707FC24-6981-43D9-B525-C7832BA22463}"/>
               </a:ext>
               <a:ext uri="{C183D7F6-B498-43B3-948B-1728B52AA6E4}">
-                <adec:decorative xmlns:adec="http://schemas.microsoft.com/office/drawing/2017/decorative" val="1"/>
+                <adec:decorative xmlns:adec="http://schemas.microsoft.com/office/drawing/2017/decorative" xmlns="" val="1"/>
               </a:ext>
             </a:extLst>
           </p:cNvPr>
@@ -5456,7 +5716,7 @@
           <p:nvPr>
             <p:extLst>
               <p:ext uri="{386F3935-93C4-4BCD-93E2-E3B085C9AB24}">
-                <p16:designElem xmlns:p16="http://schemas.microsoft.com/office/powerpoint/2015/main" val="1"/>
+                <p16:designElem xmlns:p16="http://schemas.microsoft.com/office/powerpoint/2015/main" xmlns="" val="1"/>
               </p:ext>
             </p:extLst>
           </p:nvPr>
@@ -5508,7 +5768,7 @@
           <p:cNvPr id="2" name="Title 1">
             <a:extLst>
               <a:ext uri="{FF2B5EF4-FFF2-40B4-BE49-F238E27FC236}">
-                <a16:creationId xmlns:a16="http://schemas.microsoft.com/office/drawing/2014/main" id="{CB06B806-4EED-43DC-B082-C7A5781E45A1}"/>
+                <a16:creationId xmlns:a16="http://schemas.microsoft.com/office/drawing/2014/main" xmlns="" id="{CB06B806-4EED-43DC-B082-C7A5781E45A1}"/>
               </a:ext>
             </a:extLst>
           </p:cNvPr>
@@ -5553,6 +5813,17 @@
                 <a:cs typeface="+mj-cs"/>
               </a:rPr>
               <a:t> 1</a:t>
+            </a:r>
+            <a:r>
+              <a:rPr lang="sl-SI" kern="1200" dirty="0">
+                <a:solidFill>
+                  <a:srgbClr val="FFFFFF"/>
+                </a:solidFill>
+                <a:latin typeface="+mj-lt"/>
+                <a:ea typeface="+mj-ea"/>
+                <a:cs typeface="+mj-cs"/>
+              </a:rPr>
+              <a:t/>
             </a:r>
             <a:br>
               <a:rPr lang="sl-SI" kern="1200" dirty="0">
@@ -5657,7 +5928,7 @@
           <p:cNvPr id="4" name="Picture 3">
             <a:extLst>
               <a:ext uri="{FF2B5EF4-FFF2-40B4-BE49-F238E27FC236}">
-                <a16:creationId xmlns:a16="http://schemas.microsoft.com/office/drawing/2014/main" id="{E0299DEF-FD64-4C78-A0C7-53EFA0F44784}"/>
+                <a16:creationId xmlns:a16="http://schemas.microsoft.com/office/drawing/2014/main" xmlns="" id="{E0299DEF-FD64-4C78-A0C7-53EFA0F44784}"/>
               </a:ext>
             </a:extLst>
           </p:cNvPr>
@@ -5725,10 +5996,10 @@
           <p:cNvPr id="11" name="Rectangle 10">
             <a:extLst>
               <a:ext uri="{FF2B5EF4-FFF2-40B4-BE49-F238E27FC236}">
-                <a16:creationId xmlns:a16="http://schemas.microsoft.com/office/drawing/2014/main" id="{1707FC24-6981-43D9-B525-C7832BA22463}"/>
+                <a16:creationId xmlns:a16="http://schemas.microsoft.com/office/drawing/2014/main" xmlns="" id="{1707FC24-6981-43D9-B525-C7832BA22463}"/>
               </a:ext>
               <a:ext uri="{C183D7F6-B498-43B3-948B-1728B52AA6E4}">
-                <adec:decorative xmlns:adec="http://schemas.microsoft.com/office/drawing/2017/decorative" val="1"/>
+                <adec:decorative xmlns:adec="http://schemas.microsoft.com/office/drawing/2017/decorative" xmlns="" val="1"/>
               </a:ext>
             </a:extLst>
           </p:cNvPr>
@@ -5738,7 +6009,7 @@
           <p:nvPr>
             <p:extLst>
               <p:ext uri="{386F3935-93C4-4BCD-93E2-E3B085C9AB24}">
-                <p16:designElem xmlns:p16="http://schemas.microsoft.com/office/powerpoint/2015/main" val="1"/>
+                <p16:designElem xmlns:p16="http://schemas.microsoft.com/office/powerpoint/2015/main" xmlns="" val="1"/>
               </p:ext>
             </p:extLst>
           </p:nvPr>
@@ -5790,7 +6061,7 @@
           <p:cNvPr id="2" name="Title 1">
             <a:extLst>
               <a:ext uri="{FF2B5EF4-FFF2-40B4-BE49-F238E27FC236}">
-                <a16:creationId xmlns:a16="http://schemas.microsoft.com/office/drawing/2014/main" id="{79D40054-B57B-4576-911C-E62B281567DF}"/>
+                <a16:creationId xmlns:a16="http://schemas.microsoft.com/office/drawing/2014/main" xmlns="" id="{79D40054-B57B-4576-911C-E62B281567DF}"/>
               </a:ext>
             </a:extLst>
           </p:cNvPr>
@@ -5863,7 +6134,7 @@
           <p:cNvPr id="4" name="Picture 3">
             <a:extLst>
               <a:ext uri="{FF2B5EF4-FFF2-40B4-BE49-F238E27FC236}">
-                <a16:creationId xmlns:a16="http://schemas.microsoft.com/office/drawing/2014/main" id="{329CCA7B-3D07-44F4-AECE-9105194A0E75}"/>
+                <a16:creationId xmlns:a16="http://schemas.microsoft.com/office/drawing/2014/main" xmlns="" id="{329CCA7B-3D07-44F4-AECE-9105194A0E75}"/>
               </a:ext>
             </a:extLst>
           </p:cNvPr>
@@ -5893,7 +6164,7 @@
           <p:cNvPr id="5" name="Picture 4">
             <a:extLst>
               <a:ext uri="{FF2B5EF4-FFF2-40B4-BE49-F238E27FC236}">
-                <a16:creationId xmlns:a16="http://schemas.microsoft.com/office/drawing/2014/main" id="{FBF87425-89AE-457B-87C7-448631D0A26D}"/>
+                <a16:creationId xmlns:a16="http://schemas.microsoft.com/office/drawing/2014/main" xmlns="" id="{FBF87425-89AE-457B-87C7-448631D0A26D}"/>
               </a:ext>
             </a:extLst>
           </p:cNvPr>
@@ -5923,7 +6194,7 @@
           <p:cNvPr id="6" name="Picture 5">
             <a:extLst>
               <a:ext uri="{FF2B5EF4-FFF2-40B4-BE49-F238E27FC236}">
-                <a16:creationId xmlns:a16="http://schemas.microsoft.com/office/drawing/2014/main" id="{21FC22E6-F0B5-4A83-A934-9827126B528A}"/>
+                <a16:creationId xmlns:a16="http://schemas.microsoft.com/office/drawing/2014/main" xmlns="" id="{21FC22E6-F0B5-4A83-A934-9827126B528A}"/>
               </a:ext>
             </a:extLst>
           </p:cNvPr>
@@ -5953,7 +6224,7 @@
           <p:cNvPr id="3" name="Picture 2">
             <a:extLst>
               <a:ext uri="{FF2B5EF4-FFF2-40B4-BE49-F238E27FC236}">
-                <a16:creationId xmlns:a16="http://schemas.microsoft.com/office/drawing/2014/main" id="{B302484F-4C79-40A3-8383-982944AC2AC2}"/>
+                <a16:creationId xmlns:a16="http://schemas.microsoft.com/office/drawing/2014/main" xmlns="" id="{B302484F-4C79-40A3-8383-982944AC2AC2}"/>
               </a:ext>
             </a:extLst>
           </p:cNvPr>
@@ -6021,7 +6292,7 @@
           <p:cNvPr id="2" name="Title 1">
             <a:extLst>
               <a:ext uri="{FF2B5EF4-FFF2-40B4-BE49-F238E27FC236}">
-                <a16:creationId xmlns:a16="http://schemas.microsoft.com/office/drawing/2014/main" id="{FC4BA801-DC8B-40FA-A3F6-8D1256446D2B}"/>
+                <a16:creationId xmlns:a16="http://schemas.microsoft.com/office/drawing/2014/main" xmlns="" id="{FC4BA801-DC8B-40FA-A3F6-8D1256446D2B}"/>
               </a:ext>
             </a:extLst>
           </p:cNvPr>
@@ -6049,6 +6320,10 @@
               <a:rPr lang="sl-SI" b="1" dirty="0"/>
               <a:t>Naloga 2</a:t>
             </a:r>
+            <a:r>
+              <a:rPr lang="sl-SI" dirty="0"/>
+              <a:t/>
+            </a:r>
             <a:br>
               <a:rPr lang="sl-SI" dirty="0"/>
             </a:br>
@@ -6056,7 +6331,7 @@
               <a:rPr lang="sl-SI" dirty="0"/>
               <a:t>stacionarna točka sistema</a:t>
             </a:r>
-            <a:endParaRPr lang="en-SI" dirty="0"/>
+            <a:endParaRPr lang="x-none" dirty="0"/>
           </a:p>
         </p:txBody>
       </p:sp>
@@ -6065,10 +6340,10 @@
           <p:cNvPr id="36" name="Rectangle 35">
             <a:extLst>
               <a:ext uri="{FF2B5EF4-FFF2-40B4-BE49-F238E27FC236}">
-                <a16:creationId xmlns:a16="http://schemas.microsoft.com/office/drawing/2014/main" id="{A5711A0E-A428-4ED1-96CB-33D69FD842E4}"/>
+                <a16:creationId xmlns:a16="http://schemas.microsoft.com/office/drawing/2014/main" xmlns="" id="{A5711A0E-A428-4ED1-96CB-33D69FD842E4}"/>
               </a:ext>
               <a:ext uri="{C183D7F6-B498-43B3-948B-1728B52AA6E4}">
-                <adec:decorative xmlns:adec="http://schemas.microsoft.com/office/drawing/2017/decorative" val="1"/>
+                <adec:decorative xmlns:adec="http://schemas.microsoft.com/office/drawing/2017/decorative" xmlns="" val="1"/>
               </a:ext>
             </a:extLst>
           </p:cNvPr>
@@ -6078,7 +6353,7 @@
           <p:nvPr>
             <p:extLst>
               <p:ext uri="{386F3935-93C4-4BCD-93E2-E3B085C9AB24}">
-                <p16:designElem xmlns:p16="http://schemas.microsoft.com/office/powerpoint/2015/main" val="1"/>
+                <p16:designElem xmlns:p16="http://schemas.microsoft.com/office/powerpoint/2015/main" xmlns="" val="1"/>
               </p:ext>
             </p:extLst>
           </p:nvPr>
@@ -6161,7 +6436,7 @@
           <p:cNvPr id="6" name="Picture 5">
             <a:extLst>
               <a:ext uri="{FF2B5EF4-FFF2-40B4-BE49-F238E27FC236}">
-                <a16:creationId xmlns:a16="http://schemas.microsoft.com/office/drawing/2014/main" id="{6FFC18C7-FE93-4047-97C3-76098F77E215}"/>
+                <a16:creationId xmlns:a16="http://schemas.microsoft.com/office/drawing/2014/main" xmlns="" id="{6FFC18C7-FE93-4047-97C3-76098F77E215}"/>
               </a:ext>
             </a:extLst>
           </p:cNvPr>
@@ -6191,7 +6466,7 @@
           <p:cNvPr id="7" name="Picture 6">
             <a:extLst>
               <a:ext uri="{FF2B5EF4-FFF2-40B4-BE49-F238E27FC236}">
-                <a16:creationId xmlns:a16="http://schemas.microsoft.com/office/drawing/2014/main" id="{61EE0BED-AD96-40B9-89E3-F1709B219C42}"/>
+                <a16:creationId xmlns:a16="http://schemas.microsoft.com/office/drawing/2014/main" xmlns="" id="{61EE0BED-AD96-40B9-89E3-F1709B219C42}"/>
               </a:ext>
             </a:extLst>
           </p:cNvPr>
@@ -6221,7 +6496,7 @@
           <p:cNvPr id="8" name="Picture 7">
             <a:extLst>
               <a:ext uri="{FF2B5EF4-FFF2-40B4-BE49-F238E27FC236}">
-                <a16:creationId xmlns:a16="http://schemas.microsoft.com/office/drawing/2014/main" id="{9ACEC4D7-FF7F-457F-A01F-6A827E2606BA}"/>
+                <a16:creationId xmlns:a16="http://schemas.microsoft.com/office/drawing/2014/main" xmlns="" id="{9ACEC4D7-FF7F-457F-A01F-6A827E2606BA}"/>
               </a:ext>
             </a:extLst>
           </p:cNvPr>
@@ -6251,7 +6526,7 @@
           <p:cNvPr id="31" name="Picture 30">
             <a:extLst>
               <a:ext uri="{FF2B5EF4-FFF2-40B4-BE49-F238E27FC236}">
-                <a16:creationId xmlns:a16="http://schemas.microsoft.com/office/drawing/2014/main" id="{4543B088-1CFB-4BA0-8BEE-0CE0C70C3A58}"/>
+                <a16:creationId xmlns:a16="http://schemas.microsoft.com/office/drawing/2014/main" xmlns="" id="{4543B088-1CFB-4BA0-8BEE-0CE0C70C3A58}"/>
               </a:ext>
             </a:extLst>
           </p:cNvPr>
@@ -6319,10 +6594,10 @@
           <p:cNvPr id="9" name="Rectangle 8">
             <a:extLst>
               <a:ext uri="{FF2B5EF4-FFF2-40B4-BE49-F238E27FC236}">
-                <a16:creationId xmlns:a16="http://schemas.microsoft.com/office/drawing/2014/main" id="{1707FC24-6981-43D9-B525-C7832BA22463}"/>
+                <a16:creationId xmlns:a16="http://schemas.microsoft.com/office/drawing/2014/main" xmlns="" id="{1707FC24-6981-43D9-B525-C7832BA22463}"/>
               </a:ext>
               <a:ext uri="{C183D7F6-B498-43B3-948B-1728B52AA6E4}">
-                <adec:decorative xmlns:adec="http://schemas.microsoft.com/office/drawing/2017/decorative" val="1"/>
+                <adec:decorative xmlns:adec="http://schemas.microsoft.com/office/drawing/2017/decorative" xmlns="" val="1"/>
               </a:ext>
             </a:extLst>
           </p:cNvPr>
@@ -6332,7 +6607,7 @@
           <p:nvPr>
             <p:extLst>
               <p:ext uri="{386F3935-93C4-4BCD-93E2-E3B085C9AB24}">
-                <p16:designElem xmlns:p16="http://schemas.microsoft.com/office/powerpoint/2015/main" val="1"/>
+                <p16:designElem xmlns:p16="http://schemas.microsoft.com/office/powerpoint/2015/main" xmlns="" val="1"/>
               </p:ext>
             </p:extLst>
           </p:nvPr>
@@ -6384,7 +6659,7 @@
           <p:cNvPr id="2" name="Title 1">
             <a:extLst>
               <a:ext uri="{FF2B5EF4-FFF2-40B4-BE49-F238E27FC236}">
-                <a16:creationId xmlns:a16="http://schemas.microsoft.com/office/drawing/2014/main" id="{F658B580-CF60-4026-B8D8-5EEDFCFED2B7}"/>
+                <a16:creationId xmlns:a16="http://schemas.microsoft.com/office/drawing/2014/main" xmlns="" id="{F658B580-CF60-4026-B8D8-5EEDFCFED2B7}"/>
               </a:ext>
             </a:extLst>
           </p:cNvPr>
@@ -6490,7 +6765,7 @@
           <p:cNvPr id="4" name="Picture 3">
             <a:extLst>
               <a:ext uri="{FF2B5EF4-FFF2-40B4-BE49-F238E27FC236}">
-                <a16:creationId xmlns:a16="http://schemas.microsoft.com/office/drawing/2014/main" id="{207FC827-E773-4F54-9AB5-7911051FDA6E}"/>
+                <a16:creationId xmlns:a16="http://schemas.microsoft.com/office/drawing/2014/main" xmlns="" id="{207FC827-E773-4F54-9AB5-7911051FDA6E}"/>
               </a:ext>
             </a:extLst>
           </p:cNvPr>
@@ -6529,6 +6804,244 @@
 </file>
 
 <file path=ppt/slides/slide8.xml><?xml version="1.0" encoding="utf-8"?>
+<p:sld xmlns:a="http://schemas.openxmlformats.org/drawingml/2006/main" xmlns:r="http://schemas.openxmlformats.org/officeDocument/2006/relationships" xmlns:p="http://schemas.openxmlformats.org/presentationml/2006/main">
+  <p:cSld>
+    <p:spTree>
+      <p:nvGrpSpPr>
+        <p:cNvPr id="1" name=""/>
+        <p:cNvGrpSpPr/>
+        <p:nvPr/>
+      </p:nvGrpSpPr>
+      <p:grpSpPr>
+        <a:xfrm>
+          <a:off x="0" y="0"/>
+          <a:ext cx="0" cy="0"/>
+          <a:chOff x="0" y="0"/>
+          <a:chExt cx="0" cy="0"/>
+        </a:xfrm>
+      </p:grpSpPr>
+      <p:pic>
+        <p:nvPicPr>
+          <p:cNvPr id="1026" name="Picture 2" descr="C:\Users\Mookee\Desktop\rungeKutta.png"/>
+          <p:cNvPicPr>
+            <a:picLocks noChangeAspect="1" noChangeArrowheads="1"/>
+          </p:cNvPicPr>
+          <p:nvPr/>
+        </p:nvPicPr>
+        <p:blipFill>
+          <a:blip r:embed="rId2">
+            <a:extLst>
+              <a:ext uri="{28A0092B-C50C-407E-A947-70E740481C1C}">
+                <a14:useLocalDpi xmlns:a14="http://schemas.microsoft.com/office/drawing/2010/main" val="0"/>
+              </a:ext>
+            </a:extLst>
+          </a:blip>
+          <a:srcRect/>
+          <a:stretch>
+            <a:fillRect/>
+          </a:stretch>
+        </p:blipFill>
+        <p:spPr bwMode="auto">
+          <a:xfrm>
+            <a:off x="5334000" y="114300"/>
+            <a:ext cx="6629400" cy="6629400"/>
+          </a:xfrm>
+          <a:prstGeom prst="rect">
+            <a:avLst/>
+          </a:prstGeom>
+          <a:noFill/>
+          <a:extLst>
+            <a:ext uri="{909E8E84-426E-40DD-AFC4-6F175D3DCCD1}">
+              <a14:hiddenFill xmlns:a14="http://schemas.microsoft.com/office/drawing/2010/main">
+                <a:solidFill>
+                  <a:srgbClr val="FFFFFF"/>
+                </a:solidFill>
+              </a14:hiddenFill>
+            </a:ext>
+          </a:extLst>
+        </p:spPr>
+      </p:pic>
+      <p:sp>
+        <p:nvSpPr>
+          <p:cNvPr id="3" name="Rectangle 2">
+            <a:extLst>
+              <a:ext uri="{FF2B5EF4-FFF2-40B4-BE49-F238E27FC236}">
+                <a16:creationId xmlns:a16="http://schemas.microsoft.com/office/drawing/2014/main" xmlns="" id="{1707FC24-6981-43D9-B525-C7832BA22463}"/>
+              </a:ext>
+              <a:ext uri="{C183D7F6-B498-43B3-948B-1728B52AA6E4}">
+                <adec:decorative xmlns:adec="http://schemas.microsoft.com/office/drawing/2017/decorative" xmlns="" val="1"/>
+              </a:ext>
+            </a:extLst>
+          </p:cNvPr>
+          <p:cNvSpPr>
+            <a:spLocks noGrp="1" noRot="1" noChangeAspect="1" noMove="1" noResize="1" noEditPoints="1" noAdjustHandles="1" noChangeArrowheads="1" noChangeShapeType="1" noTextEdit="1"/>
+          </p:cNvSpPr>
+          <p:nvPr>
+            <p:extLst>
+              <p:ext uri="{386F3935-93C4-4BCD-93E2-E3B085C9AB24}">
+                <p16:designElem xmlns:p16="http://schemas.microsoft.com/office/powerpoint/2015/main" xmlns="" val="1"/>
+              </p:ext>
+            </p:extLst>
+          </p:nvPr>
+        </p:nvSpPr>
+        <p:spPr bwMode="ltGray">
+          <a:xfrm>
+            <a:off x="336884" y="311449"/>
+            <a:ext cx="4332307" cy="6179552"/>
+          </a:xfrm>
+          <a:prstGeom prst="rect">
+            <a:avLst/>
+          </a:prstGeom>
+          <a:solidFill>
+            <a:srgbClr val="404040"/>
+          </a:solidFill>
+          <a:ln w="127000" cap="sq" cmpd="thinThick">
+            <a:solidFill>
+              <a:srgbClr val="404040"/>
+            </a:solidFill>
+          </a:ln>
+        </p:spPr>
+        <p:style>
+          <a:lnRef idx="2">
+            <a:schemeClr val="accent1">
+              <a:shade val="50000"/>
+            </a:schemeClr>
+          </a:lnRef>
+          <a:fillRef idx="1">
+            <a:schemeClr val="accent1"/>
+          </a:fillRef>
+          <a:effectRef idx="0">
+            <a:schemeClr val="accent1"/>
+          </a:effectRef>
+          <a:fontRef idx="minor">
+            <a:schemeClr val="lt1"/>
+          </a:fontRef>
+        </p:style>
+        <p:txBody>
+          <a:bodyPr rtlCol="0" anchor="ctr"/>
+          <a:lstStyle/>
+          <a:p>
+            <a:pPr algn="ctr"/>
+            <a:endParaRPr lang="en-US"/>
+          </a:p>
+        </p:txBody>
+      </p:sp>
+      <p:sp>
+        <p:nvSpPr>
+          <p:cNvPr id="4" name="Title 1">
+            <a:extLst>
+              <a:ext uri="{FF2B5EF4-FFF2-40B4-BE49-F238E27FC236}">
+                <a16:creationId xmlns:a16="http://schemas.microsoft.com/office/drawing/2014/main" xmlns="" id="{F658B580-CF60-4026-B8D8-5EEDFCFED2B7}"/>
+              </a:ext>
+            </a:extLst>
+          </p:cNvPr>
+          <p:cNvSpPr txBox="1">
+            <a:spLocks/>
+          </p:cNvSpPr>
+          <p:nvPr/>
+        </p:nvSpPr>
+        <p:spPr>
+          <a:xfrm>
+            <a:off x="336884" y="742951"/>
+            <a:ext cx="4332307" cy="4962524"/>
+          </a:xfrm>
+          <a:prstGeom prst="rect">
+            <a:avLst/>
+          </a:prstGeom>
+        </p:spPr>
+        <p:txBody>
+          <a:bodyPr vert="horz" lIns="91440" tIns="45720" rIns="91440" bIns="45720" rtlCol="0" anchor="ctr">
+            <a:normAutofit/>
+          </a:bodyPr>
+          <a:lstStyle>
+            <a:lvl1pPr algn="l" defTabSz="914400" rtl="0" eaLnBrk="1" latinLnBrk="0" hangingPunct="1">
+              <a:lnSpc>
+                <a:spcPct val="90000"/>
+              </a:lnSpc>
+              <a:spcBef>
+                <a:spcPct val="0"/>
+              </a:spcBef>
+              <a:buNone/>
+              <a:defRPr sz="4400" kern="1200">
+                <a:solidFill>
+                  <a:schemeClr val="tx1"/>
+                </a:solidFill>
+                <a:latin typeface="+mj-lt"/>
+                <a:ea typeface="+mj-ea"/>
+                <a:cs typeface="+mj-cs"/>
+              </a:defRPr>
+            </a:lvl1pPr>
+          </a:lstStyle>
+          <a:p>
+            <a:pPr algn="ctr"/>
+            <a:r>
+              <a:rPr lang="en-US" sz="4800" b="1" dirty="0" err="1" smtClean="0">
+                <a:solidFill>
+                  <a:srgbClr val="FFFFFF"/>
+                </a:solidFill>
+              </a:rPr>
+              <a:t>Naloga</a:t>
+            </a:r>
+            <a:r>
+              <a:rPr lang="en-US" sz="4800" b="1" dirty="0" smtClean="0">
+                <a:solidFill>
+                  <a:srgbClr val="FFFFFF"/>
+                </a:solidFill>
+              </a:rPr>
+              <a:t> 3</a:t>
+            </a:r>
+          </a:p>
+          <a:p>
+            <a:pPr algn="ctr"/>
+            <a:r>
+              <a:rPr lang="en-US" sz="4800" b="1" dirty="0" err="1" smtClean="0">
+                <a:solidFill>
+                  <a:srgbClr val="FFFFFF"/>
+                </a:solidFill>
+              </a:rPr>
+              <a:t>Runge-Kutta</a:t>
+            </a:r>
+            <a:r>
+              <a:rPr lang="en-US" sz="4800" b="1" dirty="0" smtClean="0">
+                <a:solidFill>
+                  <a:srgbClr val="FFFFFF"/>
+                </a:solidFill>
+              </a:rPr>
+              <a:t> 4</a:t>
+            </a:r>
+          </a:p>
+          <a:p>
+            <a:pPr algn="ctr"/>
+            <a:r>
+              <a:rPr lang="en-US" sz="4800" b="1" dirty="0" err="1" smtClean="0">
+                <a:solidFill>
+                  <a:srgbClr val="FFFFFF"/>
+                </a:solidFill>
+              </a:rPr>
+              <a:t>Korak</a:t>
+            </a:r>
+            <a:endParaRPr lang="en-US" sz="4800" dirty="0">
+              <a:solidFill>
+                <a:srgbClr val="FFFFFF"/>
+              </a:solidFill>
+            </a:endParaRPr>
+          </a:p>
+        </p:txBody>
+      </p:sp>
+    </p:spTree>
+    <p:extLst>
+      <p:ext uri="{BB962C8B-B14F-4D97-AF65-F5344CB8AC3E}">
+        <p14:creationId xmlns:p14="http://schemas.microsoft.com/office/powerpoint/2010/main" val="155692725"/>
+      </p:ext>
+    </p:extLst>
+  </p:cSld>
+  <p:clrMapOvr>
+    <a:masterClrMapping/>
+  </p:clrMapOvr>
+</p:sld>
+</file>
+
+<file path=ppt/slides/slide9.xml><?xml version="1.0" encoding="utf-8"?>
 <p:sld xmlns:a="http://schemas.openxmlformats.org/drawingml/2006/main" xmlns:r="http://schemas.openxmlformats.org/officeDocument/2006/relationships" xmlns:p="http://schemas.openxmlformats.org/presentationml/2006/main">
   <p:cSld>
     <p:bg>
@@ -6558,10 +7071,10 @@
           <p:cNvPr id="17" name="Rectangle 16">
             <a:extLst>
               <a:ext uri="{FF2B5EF4-FFF2-40B4-BE49-F238E27FC236}">
-                <a16:creationId xmlns:a16="http://schemas.microsoft.com/office/drawing/2014/main" id="{EBF87945-A001-489F-9D9B-7D9435F0B9CA}"/>
+                <a16:creationId xmlns:a16="http://schemas.microsoft.com/office/drawing/2014/main" xmlns="" id="{EBF87945-A001-489F-9D9B-7D9435F0B9CA}"/>
               </a:ext>
               <a:ext uri="{C183D7F6-B498-43B3-948B-1728B52AA6E4}">
-                <adec:decorative xmlns:adec="http://schemas.microsoft.com/office/drawing/2017/decorative" val="1"/>
+                <adec:decorative xmlns:adec="http://schemas.microsoft.com/office/drawing/2017/decorative" xmlns="" val="1"/>
               </a:ext>
             </a:extLst>
           </p:cNvPr>
@@ -6571,7 +7084,7 @@
           <p:nvPr>
             <p:extLst>
               <p:ext uri="{386F3935-93C4-4BCD-93E2-E3B085C9AB24}">
-                <p16:designElem xmlns:p16="http://schemas.microsoft.com/office/powerpoint/2015/main" val="1"/>
+                <p16:designElem xmlns:p16="http://schemas.microsoft.com/office/powerpoint/2015/main" xmlns="" val="1"/>
               </p:ext>
             </p:extLst>
           </p:nvPr>
@@ -6624,7 +7137,7 @@
           <p:cNvPr id="2" name="Title 1">
             <a:extLst>
               <a:ext uri="{FF2B5EF4-FFF2-40B4-BE49-F238E27FC236}">
-                <a16:creationId xmlns:a16="http://schemas.microsoft.com/office/drawing/2014/main" id="{0887AE57-EE5D-4182-81CB-22C60326DE5C}"/>
+                <a16:creationId xmlns:a16="http://schemas.microsoft.com/office/drawing/2014/main" xmlns="" id="{0887AE57-EE5D-4182-81CB-22C60326DE5C}"/>
               </a:ext>
             </a:extLst>
           </p:cNvPr>
@@ -6655,6 +7168,14 @@
                 </a:solidFill>
               </a:rPr>
               <a:t>Naloga 4</a:t>
+            </a:r>
+            <a:r>
+              <a:rPr lang="sl-SI" dirty="0">
+                <a:solidFill>
+                  <a:schemeClr val="bg1"/>
+                </a:solidFill>
+              </a:rPr>
+              <a:t/>
             </a:r>
             <a:br>
               <a:rPr lang="sl-SI" dirty="0">
@@ -6671,7 +7192,7 @@
               </a:rPr>
               <a:t>simulacija okoli stacionarne točke</a:t>
             </a:r>
-            <a:endParaRPr lang="en-SI" dirty="0">
+            <a:endParaRPr lang="x-none" dirty="0">
               <a:solidFill>
                 <a:schemeClr val="bg1"/>
               </a:solidFill>
@@ -6684,7 +7205,7 @@
           <p:cNvPr id="12" name="Content Placeholder 3">
             <a:extLst>
               <a:ext uri="{FF2B5EF4-FFF2-40B4-BE49-F238E27FC236}">
-                <a16:creationId xmlns:a16="http://schemas.microsoft.com/office/drawing/2014/main" id="{45CFE81E-9BB3-4CEB-91B2-DD35BD92CA97}"/>
+                <a16:creationId xmlns:a16="http://schemas.microsoft.com/office/drawing/2014/main" xmlns="" id="{45CFE81E-9BB3-4CEB-91B2-DD35BD92CA97}"/>
               </a:ext>
             </a:extLst>
           </p:cNvPr>
@@ -6712,265 +7233,6 @@
     <p:extLst>
       <p:ext uri="{BB962C8B-B14F-4D97-AF65-F5344CB8AC3E}">
         <p14:creationId xmlns:p14="http://schemas.microsoft.com/office/powerpoint/2010/main" val="2801314826"/>
-      </p:ext>
-    </p:extLst>
-  </p:cSld>
-  <p:clrMapOvr>
-    <a:masterClrMapping/>
-  </p:clrMapOvr>
-</p:sld>
-</file>
-
-<file path=ppt/slides/slide9.xml><?xml version="1.0" encoding="utf-8"?>
-<p:sld xmlns:a="http://schemas.openxmlformats.org/drawingml/2006/main" xmlns:r="http://schemas.openxmlformats.org/officeDocument/2006/relationships" xmlns:p="http://schemas.openxmlformats.org/presentationml/2006/main">
-  <p:cSld>
-    <p:spTree>
-      <p:nvGrpSpPr>
-        <p:cNvPr id="1" name=""/>
-        <p:cNvGrpSpPr/>
-        <p:nvPr/>
-      </p:nvGrpSpPr>
-      <p:grpSpPr>
-        <a:xfrm>
-          <a:off x="0" y="0"/>
-          <a:ext cx="0" cy="0"/>
-          <a:chOff x="0" y="0"/>
-          <a:chExt cx="0" cy="0"/>
-        </a:xfrm>
-      </p:grpSpPr>
-      <p:pic>
-        <p:nvPicPr>
-          <p:cNvPr id="1032" name="Picture 8">
-            <a:extLst>
-              <a:ext uri="{FF2B5EF4-FFF2-40B4-BE49-F238E27FC236}">
-                <a16:creationId xmlns:a16="http://schemas.microsoft.com/office/drawing/2014/main" id="{6517F2BC-A176-4ABE-8A72-573FFB2786B5}"/>
-              </a:ext>
-            </a:extLst>
-          </p:cNvPr>
-          <p:cNvPicPr>
-            <a:picLocks noChangeAspect="1" noChangeArrowheads="1"/>
-          </p:cNvPicPr>
-          <p:nvPr/>
-        </p:nvPicPr>
-        <p:blipFill>
-          <a:blip r:embed="rId3">
-            <a:extLst>
-              <a:ext uri="{28A0092B-C50C-407E-A947-70E740481C1C}">
-                <a14:useLocalDpi xmlns:a14="http://schemas.microsoft.com/office/drawing/2010/main" val="0"/>
-              </a:ext>
-            </a:extLst>
-          </a:blip>
-          <a:srcRect/>
-          <a:stretch>
-            <a:fillRect/>
-          </a:stretch>
-        </p:blipFill>
-        <p:spPr bwMode="auto">
-          <a:xfrm>
-            <a:off x="6060816" y="3596045"/>
-            <a:ext cx="6096000" cy="3246438"/>
-          </a:xfrm>
-          <a:prstGeom prst="rect">
-            <a:avLst/>
-          </a:prstGeom>
-          <a:noFill/>
-          <a:extLst>
-            <a:ext uri="{909E8E84-426E-40DD-AFC4-6F175D3DCCD1}">
-              <a14:hiddenFill xmlns:a14="http://schemas.microsoft.com/office/drawing/2010/main">
-                <a:solidFill>
-                  <a:srgbClr val="FFFFFF"/>
-                </a:solidFill>
-              </a14:hiddenFill>
-            </a:ext>
-          </a:extLst>
-        </p:spPr>
-      </p:pic>
-      <p:pic>
-        <p:nvPicPr>
-          <p:cNvPr id="1030" name="Picture 6">
-            <a:extLst>
-              <a:ext uri="{FF2B5EF4-FFF2-40B4-BE49-F238E27FC236}">
-                <a16:creationId xmlns:a16="http://schemas.microsoft.com/office/drawing/2014/main" id="{846141A1-997E-49F0-9EDC-08B1C7CF72D7}"/>
-              </a:ext>
-            </a:extLst>
-          </p:cNvPr>
-          <p:cNvPicPr>
-            <a:picLocks noChangeAspect="1" noChangeArrowheads="1"/>
-          </p:cNvPicPr>
-          <p:nvPr/>
-        </p:nvPicPr>
-        <p:blipFill>
-          <a:blip r:embed="rId4">
-            <a:extLst>
-              <a:ext uri="{28A0092B-C50C-407E-A947-70E740481C1C}">
-                <a14:useLocalDpi xmlns:a14="http://schemas.microsoft.com/office/drawing/2010/main" val="0"/>
-              </a:ext>
-            </a:extLst>
-          </a:blip>
-          <a:srcRect/>
-          <a:stretch>
-            <a:fillRect/>
-          </a:stretch>
-        </p:blipFill>
-        <p:spPr bwMode="auto">
-          <a:xfrm>
-            <a:off x="0" y="3618004"/>
-            <a:ext cx="6025630" cy="3239997"/>
-          </a:xfrm>
-          <a:prstGeom prst="rect">
-            <a:avLst/>
-          </a:prstGeom>
-          <a:noFill/>
-          <a:extLst>
-            <a:ext uri="{909E8E84-426E-40DD-AFC4-6F175D3DCCD1}">
-              <a14:hiddenFill xmlns:a14="http://schemas.microsoft.com/office/drawing/2010/main">
-                <a:solidFill>
-                  <a:srgbClr val="FFFFFF"/>
-                </a:solidFill>
-              </a14:hiddenFill>
-            </a:ext>
-          </a:extLst>
-        </p:spPr>
-      </p:pic>
-      <p:pic>
-        <p:nvPicPr>
-          <p:cNvPr id="1026" name="Picture 2">
-            <a:extLst>
-              <a:ext uri="{FF2B5EF4-FFF2-40B4-BE49-F238E27FC236}">
-                <a16:creationId xmlns:a16="http://schemas.microsoft.com/office/drawing/2014/main" id="{60346915-3533-4057-BA0D-4820E4309C08}"/>
-              </a:ext>
-            </a:extLst>
-          </p:cNvPr>
-          <p:cNvPicPr>
-            <a:picLocks noGrp="1" noChangeAspect="1" noChangeArrowheads="1"/>
-          </p:cNvPicPr>
-          <p:nvPr>
-            <p:ph idx="1"/>
-          </p:nvPr>
-        </p:nvPicPr>
-        <p:blipFill>
-          <a:blip r:embed="rId5">
-            <a:extLst>
-              <a:ext uri="{28A0092B-C50C-407E-A947-70E740481C1C}">
-                <a14:useLocalDpi xmlns:a14="http://schemas.microsoft.com/office/drawing/2010/main" val="0"/>
-              </a:ext>
-            </a:extLst>
-          </a:blip>
-          <a:srcRect/>
-          <a:stretch>
-            <a:fillRect/>
-          </a:stretch>
-        </p:blipFill>
-        <p:spPr bwMode="auto">
-          <a:xfrm>
-            <a:off x="-401507" y="-21960"/>
-            <a:ext cx="6444730" cy="3618005"/>
-          </a:xfrm>
-          <a:prstGeom prst="rect">
-            <a:avLst/>
-          </a:prstGeom>
-          <a:noFill/>
-          <a:extLst>
-            <a:ext uri="{909E8E84-426E-40DD-AFC4-6F175D3DCCD1}">
-              <a14:hiddenFill xmlns:a14="http://schemas.microsoft.com/office/drawing/2010/main">
-                <a:solidFill>
-                  <a:srgbClr val="FFFFFF"/>
-                </a:solidFill>
-              </a14:hiddenFill>
-            </a:ext>
-          </a:extLst>
-        </p:spPr>
-      </p:pic>
-      <p:pic>
-        <p:nvPicPr>
-          <p:cNvPr id="1028" name="Picture 4">
-            <a:extLst>
-              <a:ext uri="{FF2B5EF4-FFF2-40B4-BE49-F238E27FC236}">
-                <a16:creationId xmlns:a16="http://schemas.microsoft.com/office/drawing/2014/main" id="{AF00373C-CC6C-49D9-9AF9-D63FEE1BA7AD}"/>
-              </a:ext>
-            </a:extLst>
-          </p:cNvPr>
-          <p:cNvPicPr>
-            <a:picLocks noChangeAspect="1" noChangeArrowheads="1"/>
-          </p:cNvPicPr>
-          <p:nvPr/>
-        </p:nvPicPr>
-        <p:blipFill>
-          <a:blip r:embed="rId6">
-            <a:extLst>
-              <a:ext uri="{28A0092B-C50C-407E-A947-70E740481C1C}">
-                <a14:useLocalDpi xmlns:a14="http://schemas.microsoft.com/office/drawing/2010/main" val="0"/>
-              </a:ext>
-            </a:extLst>
-          </a:blip>
-          <a:srcRect/>
-          <a:stretch>
-            <a:fillRect/>
-          </a:stretch>
-        </p:blipFill>
-        <p:spPr bwMode="auto">
-          <a:xfrm>
-            <a:off x="6060816" y="-2"/>
-            <a:ext cx="6096000" cy="3555969"/>
-          </a:xfrm>
-          <a:prstGeom prst="rect">
-            <a:avLst/>
-          </a:prstGeom>
-          <a:noFill/>
-          <a:extLst>
-            <a:ext uri="{909E8E84-426E-40DD-AFC4-6F175D3DCCD1}">
-              <a14:hiddenFill xmlns:a14="http://schemas.microsoft.com/office/drawing/2010/main">
-                <a:solidFill>
-                  <a:srgbClr val="FFFFFF"/>
-                </a:solidFill>
-              </a14:hiddenFill>
-            </a:ext>
-          </a:extLst>
-        </p:spPr>
-      </p:pic>
-      <p:sp>
-        <p:nvSpPr>
-          <p:cNvPr id="2" name="Title 1">
-            <a:extLst>
-              <a:ext uri="{FF2B5EF4-FFF2-40B4-BE49-F238E27FC236}">
-                <a16:creationId xmlns:a16="http://schemas.microsoft.com/office/drawing/2014/main" id="{974FCF30-68D8-48F1-933E-C371712B3339}"/>
-              </a:ext>
-            </a:extLst>
-          </p:cNvPr>
-          <p:cNvSpPr>
-            <a:spLocks noGrp="1"/>
-          </p:cNvSpPr>
-          <p:nvPr>
-            <p:ph type="title"/>
-          </p:nvPr>
-        </p:nvSpPr>
-        <p:spPr>
-          <a:xfrm>
-            <a:off x="105556" y="2995301"/>
-            <a:ext cx="12121632" cy="1325563"/>
-          </a:xfrm>
-        </p:spPr>
-        <p:txBody>
-          <a:bodyPr/>
-          <a:lstStyle/>
-          <a:p>
-            <a:pPr algn="ctr"/>
-            <a:r>
-              <a:rPr lang="sl-SI" sz="5000" b="1" dirty="0"/>
-              <a:t>Naloga</a:t>
-            </a:r>
-            <a:r>
-              <a:rPr lang="sl-SI" b="1" dirty="0"/>
-              <a:t> 5</a:t>
-            </a:r>
-            <a:endParaRPr lang="en-SI" dirty="0"/>
-          </a:p>
-        </p:txBody>
-      </p:sp>
-    </p:spTree>
-    <p:extLst>
-      <p:ext uri="{BB962C8B-B14F-4D97-AF65-F5344CB8AC3E}">
-        <p14:creationId xmlns:p14="http://schemas.microsoft.com/office/powerpoint/2010/main" val="3188408770"/>
       </p:ext>
     </p:extLst>
   </p:cSld>
@@ -7023,7 +7285,7 @@
     </a:clrScheme>
     <a:fontScheme name="Office">
       <a:majorFont>
-        <a:latin typeface="Calibri Light" panose="020F0302020204030204"/>
+        <a:latin typeface="Calibri Light"/>
         <a:ea typeface=""/>
         <a:cs typeface=""/>
         <a:font script="Jpan" typeface="游ゴシック Light"/>
@@ -7075,7 +7337,7 @@
         <a:font script="Tfng" typeface="Ebrima"/>
       </a:majorFont>
       <a:minorFont>
-        <a:latin typeface="Calibri" panose="020F0502020204030204"/>
+        <a:latin typeface="Calibri"/>
         <a:ea typeface=""/>
         <a:cs typeface=""/>
         <a:font script="Jpan" typeface="游ゴシック"/>
@@ -7269,7 +7531,7 @@
   <a:extraClrSchemeLst/>
   <a:extLst>
     <a:ext uri="{05A4C25C-085E-4340-85A3-A5531E510DB2}">
-      <thm15:themeFamily xmlns:thm15="http://schemas.microsoft.com/office/thememl/2012/main" name="Office Theme" id="{62F939B6-93AF-4DB8-9C6B-D6C7DFDC589F}" vid="{4A3C46E8-61CC-4603-A589-7422A47A8E4A}"/>
+      <thm15:themeFamily xmlns:thm15="http://schemas.microsoft.com/office/thememl/2012/main" xmlns="" name="Office Theme" id="{62F939B6-93AF-4DB8-9C6B-D6C7DFDC589F}" vid="{4A3C46E8-61CC-4603-A589-7422A47A8E4A}"/>
     </a:ext>
   </a:extLst>
 </a:theme>
@@ -7318,7 +7580,7 @@
     </a:clrScheme>
     <a:fontScheme name="Office">
       <a:majorFont>
-        <a:latin typeface="Calibri Light" panose="020F0302020204030204"/>
+        <a:latin typeface="Calibri Light"/>
         <a:ea typeface=""/>
         <a:cs typeface=""/>
         <a:font script="Jpan" typeface="游ゴシック Light"/>
@@ -7370,7 +7632,7 @@
         <a:font script="Tfng" typeface="Ebrima"/>
       </a:majorFont>
       <a:minorFont>
-        <a:latin typeface="Calibri" panose="020F0502020204030204"/>
+        <a:latin typeface="Calibri"/>
         <a:ea typeface=""/>
         <a:cs typeface=""/>
         <a:font script="Jpan" typeface="游ゴシック"/>
@@ -7564,7 +7826,7 @@
   <a:extraClrSchemeLst/>
   <a:extLst>
     <a:ext uri="{05A4C25C-085E-4340-85A3-A5531E510DB2}">
-      <thm15:themeFamily xmlns:thm15="http://schemas.microsoft.com/office/thememl/2012/main" name="Office Theme" id="{62F939B6-93AF-4DB8-9C6B-D6C7DFDC589F}" vid="{4A3C46E8-61CC-4603-A589-7422A47A8E4A}"/>
+      <thm15:themeFamily xmlns:thm15="http://schemas.microsoft.com/office/thememl/2012/main" xmlns="" name="Office Theme" id="{62F939B6-93AF-4DB8-9C6B-D6C7DFDC589F}" vid="{4A3C46E8-61CC-4603-A589-7422A47A8E4A}"/>
     </a:ext>
   </a:extLst>
 </a:theme>
